--- a/materials/slides/2.1 探索式软件测试概述.pptx
+++ b/materials/slides/2.1 探索式软件测试概述.pptx
@@ -5,30 +5,32 @@
     <p:sldMasterId id="2147483648" r:id="rId1"/>
   </p:sldMasterIdLst>
   <p:notesMasterIdLst>
-    <p:notesMasterId r:id="rId23"/>
+    <p:notesMasterId r:id="rId25"/>
   </p:notesMasterIdLst>
   <p:sldIdLst>
     <p:sldId id="256" r:id="rId2"/>
-    <p:sldId id="261" r:id="rId3"/>
-    <p:sldId id="257" r:id="rId4"/>
-    <p:sldId id="258" r:id="rId5"/>
-    <p:sldId id="259" r:id="rId6"/>
-    <p:sldId id="260" r:id="rId7"/>
-    <p:sldId id="262" r:id="rId8"/>
-    <p:sldId id="263" r:id="rId9"/>
-    <p:sldId id="264" r:id="rId10"/>
-    <p:sldId id="265" r:id="rId11"/>
-    <p:sldId id="266" r:id="rId12"/>
-    <p:sldId id="276" r:id="rId13"/>
-    <p:sldId id="267" r:id="rId14"/>
-    <p:sldId id="268" r:id="rId15"/>
-    <p:sldId id="269" r:id="rId16"/>
-    <p:sldId id="270" r:id="rId17"/>
-    <p:sldId id="271" r:id="rId18"/>
-    <p:sldId id="272" r:id="rId19"/>
-    <p:sldId id="273" r:id="rId20"/>
-    <p:sldId id="275" r:id="rId21"/>
-    <p:sldId id="274" r:id="rId22"/>
+    <p:sldId id="278" r:id="rId3"/>
+    <p:sldId id="261" r:id="rId4"/>
+    <p:sldId id="257" r:id="rId5"/>
+    <p:sldId id="258" r:id="rId6"/>
+    <p:sldId id="259" r:id="rId7"/>
+    <p:sldId id="277" r:id="rId8"/>
+    <p:sldId id="260" r:id="rId9"/>
+    <p:sldId id="262" r:id="rId10"/>
+    <p:sldId id="263" r:id="rId11"/>
+    <p:sldId id="264" r:id="rId12"/>
+    <p:sldId id="265" r:id="rId13"/>
+    <p:sldId id="266" r:id="rId14"/>
+    <p:sldId id="276" r:id="rId15"/>
+    <p:sldId id="267" r:id="rId16"/>
+    <p:sldId id="268" r:id="rId17"/>
+    <p:sldId id="269" r:id="rId18"/>
+    <p:sldId id="270" r:id="rId19"/>
+    <p:sldId id="271" r:id="rId20"/>
+    <p:sldId id="272" r:id="rId21"/>
+    <p:sldId id="273" r:id="rId22"/>
+    <p:sldId id="275" r:id="rId23"/>
+    <p:sldId id="274" r:id="rId24"/>
   </p:sldIdLst>
   <p:sldSz cx="12192000" cy="6858000"/>
   <p:notesSz cx="6858000" cy="9144000"/>
@@ -220,7 +222,7 @@
           <a:p>
             <a:fld id="{EC82124A-F363-4BD3-8BA5-C8EDB8A4673E}" type="datetimeFigureOut">
               <a:rPr lang="zh-CN" altLang="en-US" smtClean="0"/>
-              <a:t>2019/9/1</a:t>
+              <a:t>2019/9/15</a:t>
             </a:fld>
             <a:endParaRPr lang="zh-CN" altLang="en-US"/>
           </a:p>
@@ -724,7 +726,7 @@
           <a:p>
             <a:fld id="{8D7ACA88-C620-47A1-A6D3-F68F6DD6FEE9}" type="slidenum">
               <a:rPr lang="zh-CN" altLang="en-US" smtClean="0"/>
-              <a:t>3</a:t>
+              <a:t>4</a:t>
             </a:fld>
             <a:endParaRPr lang="zh-CN" altLang="en-US"/>
           </a:p>
@@ -818,7 +820,7 @@
           <a:p>
             <a:fld id="{8D7ACA88-C620-47A1-A6D3-F68F6DD6FEE9}" type="slidenum">
               <a:rPr lang="zh-CN" altLang="en-US" smtClean="0"/>
-              <a:t>4</a:t>
+              <a:t>5</a:t>
             </a:fld>
             <a:endParaRPr lang="zh-CN" altLang="en-US"/>
           </a:p>
@@ -902,7 +904,7 @@
           <a:p>
             <a:fld id="{8D7ACA88-C620-47A1-A6D3-F68F6DD6FEE9}" type="slidenum">
               <a:rPr lang="zh-CN" altLang="en-US" smtClean="0"/>
-              <a:t>5</a:t>
+              <a:t>6</a:t>
             </a:fld>
             <a:endParaRPr lang="zh-CN" altLang="en-US"/>
           </a:p>
@@ -986,7 +988,7 @@
           <a:p>
             <a:fld id="{8D7ACA88-C620-47A1-A6D3-F68F6DD6FEE9}" type="slidenum">
               <a:rPr lang="zh-CN" altLang="en-US" smtClean="0"/>
-              <a:t>7</a:t>
+              <a:t>9</a:t>
             </a:fld>
             <a:endParaRPr lang="zh-CN" altLang="en-US"/>
           </a:p>
@@ -1070,7 +1072,7 @@
           <a:p>
             <a:fld id="{8D7ACA88-C620-47A1-A6D3-F68F6DD6FEE9}" type="slidenum">
               <a:rPr lang="zh-CN" altLang="en-US" smtClean="0"/>
-              <a:t>8</a:t>
+              <a:t>10</a:t>
             </a:fld>
             <a:endParaRPr lang="zh-CN" altLang="en-US"/>
           </a:p>
@@ -1176,7 +1178,7 @@
           <a:p>
             <a:fld id="{8D7ACA88-C620-47A1-A6D3-F68F6DD6FEE9}" type="slidenum">
               <a:rPr lang="zh-CN" altLang="en-US" smtClean="0"/>
-              <a:t>11</a:t>
+              <a:t>13</a:t>
             </a:fld>
             <a:endParaRPr lang="zh-CN" altLang="en-US"/>
           </a:p>
@@ -1330,7 +1332,7 @@
           <a:p>
             <a:fld id="{C04CF4A6-17F9-4CD5-BCB8-44B65F331829}" type="datetimeFigureOut">
               <a:rPr lang="zh-CN" altLang="en-US" smtClean="0"/>
-              <a:t>2019/9/1</a:t>
+              <a:t>2019/9/15</a:t>
             </a:fld>
             <a:endParaRPr lang="zh-CN" altLang="en-US"/>
           </a:p>
@@ -1622,7 +1624,7 @@
           <a:p>
             <a:fld id="{C04CF4A6-17F9-4CD5-BCB8-44B65F331829}" type="datetimeFigureOut">
               <a:rPr lang="zh-CN" altLang="en-US" smtClean="0"/>
-              <a:t>2019/9/1</a:t>
+              <a:t>2019/9/15</a:t>
             </a:fld>
             <a:endParaRPr lang="zh-CN" altLang="en-US"/>
           </a:p>
@@ -1792,7 +1794,7 @@
           <a:p>
             <a:fld id="{C04CF4A6-17F9-4CD5-BCB8-44B65F331829}" type="datetimeFigureOut">
               <a:rPr lang="zh-CN" altLang="en-US" smtClean="0"/>
-              <a:t>2019/9/1</a:t>
+              <a:t>2019/9/15</a:t>
             </a:fld>
             <a:endParaRPr lang="zh-CN" altLang="en-US"/>
           </a:p>
@@ -1972,7 +1974,7 @@
           <a:p>
             <a:fld id="{C04CF4A6-17F9-4CD5-BCB8-44B65F331829}" type="datetimeFigureOut">
               <a:rPr lang="zh-CN" altLang="en-US" smtClean="0"/>
-              <a:t>2019/9/1</a:t>
+              <a:t>2019/9/15</a:t>
             </a:fld>
             <a:endParaRPr lang="zh-CN" altLang="en-US"/>
           </a:p>
@@ -2196,7 +2198,7 @@
           <a:p>
             <a:fld id="{C04CF4A6-17F9-4CD5-BCB8-44B65F331829}" type="datetimeFigureOut">
               <a:rPr lang="zh-CN" altLang="en-US" smtClean="0"/>
-              <a:t>2019/9/1</a:t>
+              <a:t>2019/9/15</a:t>
             </a:fld>
             <a:endParaRPr lang="zh-CN" altLang="en-US"/>
           </a:p>
@@ -2493,7 +2495,7 @@
           <a:p>
             <a:fld id="{C04CF4A6-17F9-4CD5-BCB8-44B65F331829}" type="datetimeFigureOut">
               <a:rPr lang="zh-CN" altLang="en-US" smtClean="0"/>
-              <a:t>2019/9/1</a:t>
+              <a:t>2019/9/15</a:t>
             </a:fld>
             <a:endParaRPr lang="zh-CN" altLang="en-US"/>
           </a:p>
@@ -2812,7 +2814,7 @@
           <a:p>
             <a:fld id="{C04CF4A6-17F9-4CD5-BCB8-44B65F331829}" type="datetimeFigureOut">
               <a:rPr lang="zh-CN" altLang="en-US" smtClean="0"/>
-              <a:t>2019/9/1</a:t>
+              <a:t>2019/9/15</a:t>
             </a:fld>
             <a:endParaRPr lang="zh-CN" altLang="en-US"/>
           </a:p>
@@ -3044,7 +3046,7 @@
           <a:p>
             <a:fld id="{C04CF4A6-17F9-4CD5-BCB8-44B65F331829}" type="datetimeFigureOut">
               <a:rPr lang="zh-CN" altLang="en-US" smtClean="0"/>
-              <a:t>2019/9/1</a:t>
+              <a:t>2019/9/15</a:t>
             </a:fld>
             <a:endParaRPr lang="zh-CN" altLang="en-US"/>
           </a:p>
@@ -3411,7 +3413,7 @@
           <a:p>
             <a:fld id="{C04CF4A6-17F9-4CD5-BCB8-44B65F331829}" type="datetimeFigureOut">
               <a:rPr lang="zh-CN" altLang="en-US" smtClean="0"/>
-              <a:t>2019/9/1</a:t>
+              <a:t>2019/9/15</a:t>
             </a:fld>
             <a:endParaRPr lang="zh-CN" altLang="en-US"/>
           </a:p>
@@ -3529,7 +3531,7 @@
           <a:p>
             <a:fld id="{C04CF4A6-17F9-4CD5-BCB8-44B65F331829}" type="datetimeFigureOut">
               <a:rPr lang="zh-CN" altLang="en-US" smtClean="0"/>
-              <a:t>2019/9/1</a:t>
+              <a:t>2019/9/15</a:t>
             </a:fld>
             <a:endParaRPr lang="zh-CN" altLang="en-US"/>
           </a:p>
@@ -3624,7 +3626,7 @@
           <a:p>
             <a:fld id="{C04CF4A6-17F9-4CD5-BCB8-44B65F331829}" type="datetimeFigureOut">
               <a:rPr lang="zh-CN" altLang="en-US" smtClean="0"/>
-              <a:t>2019/9/1</a:t>
+              <a:t>2019/9/15</a:t>
             </a:fld>
             <a:endParaRPr lang="zh-CN" altLang="en-US"/>
           </a:p>
@@ -3901,7 +3903,7 @@
           <a:p>
             <a:fld id="{C04CF4A6-17F9-4CD5-BCB8-44B65F331829}" type="datetimeFigureOut">
               <a:rPr lang="zh-CN" altLang="en-US" smtClean="0"/>
-              <a:t>2019/9/1</a:t>
+              <a:t>2019/9/15</a:t>
             </a:fld>
             <a:endParaRPr lang="zh-CN" altLang="en-US"/>
           </a:p>
@@ -4114,7 +4116,7 @@
           <a:p>
             <a:fld id="{C04CF4A6-17F9-4CD5-BCB8-44B65F331829}" type="datetimeFigureOut">
               <a:rPr lang="zh-CN" altLang="en-US" smtClean="0"/>
-              <a:t>2019/9/1</a:t>
+              <a:t>2019/9/15</a:t>
             </a:fld>
             <a:endParaRPr lang="zh-CN" altLang="en-US"/>
           </a:p>
@@ -4642,6 +4644,1367 @@
           <a:lstStyle/>
           <a:p>
             <a:r>
+              <a:rPr lang="zh-CN" altLang="en-US" dirty="0" smtClean="0"/>
+              <a:t>章程</a:t>
+            </a:r>
+            <a:r>
+              <a:rPr lang="en-US" altLang="zh-CN" dirty="0" smtClean="0"/>
+              <a:t>—</a:t>
+            </a:r>
+            <a:r>
+              <a:rPr lang="zh-CN" altLang="en-US" dirty="0" smtClean="0"/>
+              <a:t>简单</a:t>
+            </a:r>
+            <a:endParaRPr lang="zh-CN" altLang="en-US" dirty="0"/>
+          </a:p>
+        </p:txBody>
+      </p:sp>
+      <p:sp>
+        <p:nvSpPr>
+          <p:cNvPr id="3" name="内容占位符 2"/>
+          <p:cNvSpPr>
+            <a:spLocks noGrp="1"/>
+          </p:cNvSpPr>
+          <p:nvPr>
+            <p:ph idx="1"/>
+          </p:nvPr>
+        </p:nvSpPr>
+        <p:spPr/>
+        <p:txBody>
+          <a:bodyPr/>
+          <a:lstStyle/>
+          <a:p>
+            <a:r>
+              <a:rPr lang="zh-CN" altLang="en-US" dirty="0" smtClean="0">
+                <a:solidFill>
+                  <a:srgbClr val="FF0000"/>
+                </a:solidFill>
+              </a:rPr>
+              <a:t>简单</a:t>
+            </a:r>
+            <a:r>
+              <a:rPr lang="zh-CN" altLang="en-US" dirty="0" smtClean="0"/>
+              <a:t>三要素</a:t>
+            </a:r>
+            <a:endParaRPr lang="en-US" altLang="zh-CN" dirty="0" smtClean="0"/>
+          </a:p>
+          <a:p>
+            <a:pPr lvl="1"/>
+            <a:r>
+              <a:rPr lang="zh-CN" altLang="en-US" dirty="0" smtClean="0"/>
+              <a:t>探索何处（模板）</a:t>
+            </a:r>
+            <a:endParaRPr lang="en-US" altLang="zh-CN" dirty="0" smtClean="0"/>
+          </a:p>
+          <a:p>
+            <a:pPr lvl="1"/>
+            <a:r>
+              <a:rPr lang="zh-CN" altLang="en-US" dirty="0" smtClean="0"/>
+              <a:t>可用资源（使用）</a:t>
+            </a:r>
+            <a:endParaRPr lang="en-US" altLang="zh-CN" dirty="0" smtClean="0"/>
+          </a:p>
+          <a:p>
+            <a:pPr lvl="1"/>
+            <a:r>
+              <a:rPr lang="zh-CN" altLang="en-US" dirty="0" smtClean="0"/>
+              <a:t>所寻信息（以图发现）</a:t>
+            </a:r>
+            <a:endParaRPr lang="en-US" altLang="zh-CN" dirty="0" smtClean="0"/>
+          </a:p>
+          <a:p>
+            <a:pPr lvl="1"/>
+            <a:endParaRPr lang="zh-CN" altLang="en-US" dirty="0"/>
+          </a:p>
+        </p:txBody>
+      </p:sp>
+      <p:sp>
+        <p:nvSpPr>
+          <p:cNvPr id="4" name="文本框 3"/>
+          <p:cNvSpPr txBox="1"/>
+          <p:nvPr/>
+        </p:nvSpPr>
+        <p:spPr>
+          <a:xfrm rot="20897802">
+            <a:off x="6701052" y="2666873"/>
+            <a:ext cx="3499016" cy="2308324"/>
+          </a:xfrm>
+          <a:prstGeom prst="rect">
+            <a:avLst/>
+          </a:prstGeom>
+          <a:noFill/>
+          <a:ln w="28575"/>
+        </p:spPr>
+        <p:style>
+          <a:lnRef idx="2">
+            <a:schemeClr val="accent6"/>
+          </a:lnRef>
+          <a:fillRef idx="1">
+            <a:schemeClr val="lt1"/>
+          </a:fillRef>
+          <a:effectRef idx="0">
+            <a:schemeClr val="accent6"/>
+          </a:effectRef>
+          <a:fontRef idx="minor">
+            <a:schemeClr val="dk1"/>
+          </a:fontRef>
+        </p:style>
+        <p:txBody>
+          <a:bodyPr wrap="square" rtlCol="0">
+            <a:spAutoFit/>
+          </a:bodyPr>
+          <a:lstStyle/>
+          <a:p>
+            <a:endParaRPr lang="en-US" altLang="zh-CN" sz="2400" dirty="0" smtClean="0">
+              <a:latin typeface="全新硬笔楷书简" panose="02010600040101010101" pitchFamily="2" charset="-122"/>
+              <a:ea typeface="全新硬笔楷书简" panose="02010600040101010101" pitchFamily="2" charset="-122"/>
+            </a:endParaRPr>
+          </a:p>
+          <a:p>
+            <a:r>
+              <a:rPr lang="zh-CN" altLang="en-US" sz="2400" dirty="0" smtClean="0">
+                <a:latin typeface="全新硬笔楷书简" panose="02010600040101010101" pitchFamily="2" charset="-122"/>
+                <a:ea typeface="全新硬笔楷书简" panose="02010600040101010101" pitchFamily="2" charset="-122"/>
+              </a:rPr>
+              <a:t>探索编辑档案</a:t>
+            </a:r>
+            <a:endParaRPr lang="en-US" altLang="zh-CN" sz="2400" dirty="0" smtClean="0">
+              <a:latin typeface="全新硬笔楷书简" panose="02010600040101010101" pitchFamily="2" charset="-122"/>
+              <a:ea typeface="全新硬笔楷书简" panose="02010600040101010101" pitchFamily="2" charset="-122"/>
+            </a:endParaRPr>
+          </a:p>
+          <a:p>
+            <a:r>
+              <a:rPr lang="zh-CN" altLang="en-US" sz="2400" dirty="0" smtClean="0">
+                <a:latin typeface="全新硬笔楷书简" panose="02010600040101010101" pitchFamily="2" charset="-122"/>
+                <a:ea typeface="全新硬笔楷书简" panose="02010600040101010101" pitchFamily="2" charset="-122"/>
+              </a:rPr>
+              <a:t>使用注入式攻击</a:t>
+            </a:r>
+            <a:endParaRPr lang="en-US" altLang="zh-CN" sz="2400" dirty="0" smtClean="0">
+              <a:latin typeface="全新硬笔楷书简" panose="02010600040101010101" pitchFamily="2" charset="-122"/>
+              <a:ea typeface="全新硬笔楷书简" panose="02010600040101010101" pitchFamily="2" charset="-122"/>
+            </a:endParaRPr>
+          </a:p>
+          <a:p>
+            <a:r>
+              <a:rPr lang="zh-CN" altLang="en-US" sz="2400" dirty="0">
+                <a:latin typeface="全新硬笔楷书简" panose="02010600040101010101" pitchFamily="2" charset="-122"/>
+                <a:ea typeface="全新硬笔楷书简" panose="02010600040101010101" pitchFamily="2" charset="-122"/>
+              </a:rPr>
+              <a:t>以</a:t>
+            </a:r>
+            <a:r>
+              <a:rPr lang="zh-CN" altLang="en-US" sz="2400" dirty="0" smtClean="0">
+                <a:latin typeface="全新硬笔楷书简" panose="02010600040101010101" pitchFamily="2" charset="-122"/>
+                <a:ea typeface="全新硬笔楷书简" panose="02010600040101010101" pitchFamily="2" charset="-122"/>
+              </a:rPr>
+              <a:t>图发现安全的弱点</a:t>
+            </a:r>
+            <a:endParaRPr lang="en-US" altLang="zh-CN" sz="2400" dirty="0" smtClean="0">
+              <a:latin typeface="全新硬笔楷书简" panose="02010600040101010101" pitchFamily="2" charset="-122"/>
+              <a:ea typeface="全新硬笔楷书简" panose="02010600040101010101" pitchFamily="2" charset="-122"/>
+            </a:endParaRPr>
+          </a:p>
+          <a:p>
+            <a:endParaRPr lang="en-US" altLang="zh-CN" sz="2400" dirty="0">
+              <a:latin typeface="全新硬笔楷书简" panose="02010600040101010101" pitchFamily="2" charset="-122"/>
+              <a:ea typeface="全新硬笔楷书简" panose="02010600040101010101" pitchFamily="2" charset="-122"/>
+            </a:endParaRPr>
+          </a:p>
+          <a:p>
+            <a:endParaRPr lang="zh-CN" altLang="en-US" sz="2400" dirty="0">
+              <a:latin typeface="全新硬笔楷书简" panose="02010600040101010101" pitchFamily="2" charset="-122"/>
+              <a:ea typeface="全新硬笔楷书简" panose="02010600040101010101" pitchFamily="2" charset="-122"/>
+            </a:endParaRPr>
+          </a:p>
+        </p:txBody>
+      </p:sp>
+    </p:spTree>
+    <p:extLst>
+      <p:ext uri="{BB962C8B-B14F-4D97-AF65-F5344CB8AC3E}">
+        <p14:creationId xmlns:p14="http://schemas.microsoft.com/office/powerpoint/2010/main" val="373293910"/>
+      </p:ext>
+    </p:extLst>
+  </p:cSld>
+  <p:clrMapOvr>
+    <a:masterClrMapping/>
+  </p:clrMapOvr>
+  <p:timing>
+    <p:tnLst>
+      <p:par>
+        <p:cTn id="1" dur="indefinite" restart="never" nodeType="tmRoot">
+          <p:childTnLst>
+            <p:seq concurrent="1" nextAc="seek">
+              <p:cTn id="2" dur="indefinite" nodeType="mainSeq">
+                <p:childTnLst>
+                  <p:par>
+                    <p:cTn id="3" fill="hold">
+                      <p:stCondLst>
+                        <p:cond delay="indefinite"/>
+                      </p:stCondLst>
+                      <p:childTnLst>
+                        <p:par>
+                          <p:cTn id="4" fill="hold">
+                            <p:stCondLst>
+                              <p:cond delay="0"/>
+                            </p:stCondLst>
+                            <p:childTnLst>
+                              <p:par>
+                                <p:cTn id="5" presetID="2" presetClass="entr" presetSubtype="4" fill="hold" nodeType="clickEffect">
+                                  <p:stCondLst>
+                                    <p:cond delay="0"/>
+                                  </p:stCondLst>
+                                  <p:childTnLst>
+                                    <p:set>
+                                      <p:cBhvr>
+                                        <p:cTn id="6" dur="1" fill="hold">
+                                          <p:stCondLst>
+                                            <p:cond delay="0"/>
+                                          </p:stCondLst>
+                                        </p:cTn>
+                                        <p:tgtEl>
+                                          <p:spTgt spid="3">
+                                            <p:txEl>
+                                              <p:pRg st="1" end="1"/>
+                                            </p:txEl>
+                                          </p:spTgt>
+                                        </p:tgtEl>
+                                        <p:attrNameLst>
+                                          <p:attrName>style.visibility</p:attrName>
+                                        </p:attrNameLst>
+                                      </p:cBhvr>
+                                      <p:to>
+                                        <p:strVal val="visible"/>
+                                      </p:to>
+                                    </p:set>
+                                    <p:anim calcmode="lin" valueType="num">
+                                      <p:cBhvr additive="base">
+                                        <p:cTn id="7" dur="500" fill="hold"/>
+                                        <p:tgtEl>
+                                          <p:spTgt spid="3">
+                                            <p:txEl>
+                                              <p:pRg st="1" end="1"/>
+                                            </p:txEl>
+                                          </p:spTgt>
+                                        </p:tgtEl>
+                                        <p:attrNameLst>
+                                          <p:attrName>ppt_x</p:attrName>
+                                        </p:attrNameLst>
+                                      </p:cBhvr>
+                                      <p:tavLst>
+                                        <p:tav tm="0">
+                                          <p:val>
+                                            <p:strVal val="#ppt_x"/>
+                                          </p:val>
+                                        </p:tav>
+                                        <p:tav tm="100000">
+                                          <p:val>
+                                            <p:strVal val="#ppt_x"/>
+                                          </p:val>
+                                        </p:tav>
+                                      </p:tavLst>
+                                    </p:anim>
+                                    <p:anim calcmode="lin" valueType="num">
+                                      <p:cBhvr additive="base">
+                                        <p:cTn id="8" dur="500" fill="hold"/>
+                                        <p:tgtEl>
+                                          <p:spTgt spid="3">
+                                            <p:txEl>
+                                              <p:pRg st="1" end="1"/>
+                                            </p:txEl>
+                                          </p:spTgt>
+                                        </p:tgtEl>
+                                        <p:attrNameLst>
+                                          <p:attrName>ppt_y</p:attrName>
+                                        </p:attrNameLst>
+                                      </p:cBhvr>
+                                      <p:tavLst>
+                                        <p:tav tm="0">
+                                          <p:val>
+                                            <p:strVal val="1+#ppt_h/2"/>
+                                          </p:val>
+                                        </p:tav>
+                                        <p:tav tm="100000">
+                                          <p:val>
+                                            <p:strVal val="#ppt_y"/>
+                                          </p:val>
+                                        </p:tav>
+                                      </p:tavLst>
+                                    </p:anim>
+                                  </p:childTnLst>
+                                </p:cTn>
+                              </p:par>
+                            </p:childTnLst>
+                          </p:cTn>
+                        </p:par>
+                      </p:childTnLst>
+                    </p:cTn>
+                  </p:par>
+                  <p:par>
+                    <p:cTn id="9" fill="hold">
+                      <p:stCondLst>
+                        <p:cond delay="indefinite"/>
+                      </p:stCondLst>
+                      <p:childTnLst>
+                        <p:par>
+                          <p:cTn id="10" fill="hold">
+                            <p:stCondLst>
+                              <p:cond delay="0"/>
+                            </p:stCondLst>
+                            <p:childTnLst>
+                              <p:par>
+                                <p:cTn id="11" presetID="2" presetClass="entr" presetSubtype="4" fill="hold" nodeType="clickEffect">
+                                  <p:stCondLst>
+                                    <p:cond delay="0"/>
+                                  </p:stCondLst>
+                                  <p:childTnLst>
+                                    <p:set>
+                                      <p:cBhvr>
+                                        <p:cTn id="12" dur="1" fill="hold">
+                                          <p:stCondLst>
+                                            <p:cond delay="0"/>
+                                          </p:stCondLst>
+                                        </p:cTn>
+                                        <p:tgtEl>
+                                          <p:spTgt spid="3">
+                                            <p:txEl>
+                                              <p:pRg st="2" end="2"/>
+                                            </p:txEl>
+                                          </p:spTgt>
+                                        </p:tgtEl>
+                                        <p:attrNameLst>
+                                          <p:attrName>style.visibility</p:attrName>
+                                        </p:attrNameLst>
+                                      </p:cBhvr>
+                                      <p:to>
+                                        <p:strVal val="visible"/>
+                                      </p:to>
+                                    </p:set>
+                                    <p:anim calcmode="lin" valueType="num">
+                                      <p:cBhvr additive="base">
+                                        <p:cTn id="13" dur="500" fill="hold"/>
+                                        <p:tgtEl>
+                                          <p:spTgt spid="3">
+                                            <p:txEl>
+                                              <p:pRg st="2" end="2"/>
+                                            </p:txEl>
+                                          </p:spTgt>
+                                        </p:tgtEl>
+                                        <p:attrNameLst>
+                                          <p:attrName>ppt_x</p:attrName>
+                                        </p:attrNameLst>
+                                      </p:cBhvr>
+                                      <p:tavLst>
+                                        <p:tav tm="0">
+                                          <p:val>
+                                            <p:strVal val="#ppt_x"/>
+                                          </p:val>
+                                        </p:tav>
+                                        <p:tav tm="100000">
+                                          <p:val>
+                                            <p:strVal val="#ppt_x"/>
+                                          </p:val>
+                                        </p:tav>
+                                      </p:tavLst>
+                                    </p:anim>
+                                    <p:anim calcmode="lin" valueType="num">
+                                      <p:cBhvr additive="base">
+                                        <p:cTn id="14" dur="500" fill="hold"/>
+                                        <p:tgtEl>
+                                          <p:spTgt spid="3">
+                                            <p:txEl>
+                                              <p:pRg st="2" end="2"/>
+                                            </p:txEl>
+                                          </p:spTgt>
+                                        </p:tgtEl>
+                                        <p:attrNameLst>
+                                          <p:attrName>ppt_y</p:attrName>
+                                        </p:attrNameLst>
+                                      </p:cBhvr>
+                                      <p:tavLst>
+                                        <p:tav tm="0">
+                                          <p:val>
+                                            <p:strVal val="1+#ppt_h/2"/>
+                                          </p:val>
+                                        </p:tav>
+                                        <p:tav tm="100000">
+                                          <p:val>
+                                            <p:strVal val="#ppt_y"/>
+                                          </p:val>
+                                        </p:tav>
+                                      </p:tavLst>
+                                    </p:anim>
+                                  </p:childTnLst>
+                                </p:cTn>
+                              </p:par>
+                            </p:childTnLst>
+                          </p:cTn>
+                        </p:par>
+                      </p:childTnLst>
+                    </p:cTn>
+                  </p:par>
+                  <p:par>
+                    <p:cTn id="15" fill="hold">
+                      <p:stCondLst>
+                        <p:cond delay="indefinite"/>
+                      </p:stCondLst>
+                      <p:childTnLst>
+                        <p:par>
+                          <p:cTn id="16" fill="hold">
+                            <p:stCondLst>
+                              <p:cond delay="0"/>
+                            </p:stCondLst>
+                            <p:childTnLst>
+                              <p:par>
+                                <p:cTn id="17" presetID="2" presetClass="entr" presetSubtype="4" fill="hold" nodeType="clickEffect">
+                                  <p:stCondLst>
+                                    <p:cond delay="0"/>
+                                  </p:stCondLst>
+                                  <p:childTnLst>
+                                    <p:set>
+                                      <p:cBhvr>
+                                        <p:cTn id="18" dur="1" fill="hold">
+                                          <p:stCondLst>
+                                            <p:cond delay="0"/>
+                                          </p:stCondLst>
+                                        </p:cTn>
+                                        <p:tgtEl>
+                                          <p:spTgt spid="3">
+                                            <p:txEl>
+                                              <p:pRg st="3" end="3"/>
+                                            </p:txEl>
+                                          </p:spTgt>
+                                        </p:tgtEl>
+                                        <p:attrNameLst>
+                                          <p:attrName>style.visibility</p:attrName>
+                                        </p:attrNameLst>
+                                      </p:cBhvr>
+                                      <p:to>
+                                        <p:strVal val="visible"/>
+                                      </p:to>
+                                    </p:set>
+                                    <p:anim calcmode="lin" valueType="num">
+                                      <p:cBhvr additive="base">
+                                        <p:cTn id="19" dur="500" fill="hold"/>
+                                        <p:tgtEl>
+                                          <p:spTgt spid="3">
+                                            <p:txEl>
+                                              <p:pRg st="3" end="3"/>
+                                            </p:txEl>
+                                          </p:spTgt>
+                                        </p:tgtEl>
+                                        <p:attrNameLst>
+                                          <p:attrName>ppt_x</p:attrName>
+                                        </p:attrNameLst>
+                                      </p:cBhvr>
+                                      <p:tavLst>
+                                        <p:tav tm="0">
+                                          <p:val>
+                                            <p:strVal val="#ppt_x"/>
+                                          </p:val>
+                                        </p:tav>
+                                        <p:tav tm="100000">
+                                          <p:val>
+                                            <p:strVal val="#ppt_x"/>
+                                          </p:val>
+                                        </p:tav>
+                                      </p:tavLst>
+                                    </p:anim>
+                                    <p:anim calcmode="lin" valueType="num">
+                                      <p:cBhvr additive="base">
+                                        <p:cTn id="20" dur="500" fill="hold"/>
+                                        <p:tgtEl>
+                                          <p:spTgt spid="3">
+                                            <p:txEl>
+                                              <p:pRg st="3" end="3"/>
+                                            </p:txEl>
+                                          </p:spTgt>
+                                        </p:tgtEl>
+                                        <p:attrNameLst>
+                                          <p:attrName>ppt_y</p:attrName>
+                                        </p:attrNameLst>
+                                      </p:cBhvr>
+                                      <p:tavLst>
+                                        <p:tav tm="0">
+                                          <p:val>
+                                            <p:strVal val="1+#ppt_h/2"/>
+                                          </p:val>
+                                        </p:tav>
+                                        <p:tav tm="100000">
+                                          <p:val>
+                                            <p:strVal val="#ppt_y"/>
+                                          </p:val>
+                                        </p:tav>
+                                      </p:tavLst>
+                                    </p:anim>
+                                  </p:childTnLst>
+                                </p:cTn>
+                              </p:par>
+                            </p:childTnLst>
+                          </p:cTn>
+                        </p:par>
+                      </p:childTnLst>
+                    </p:cTn>
+                  </p:par>
+                  <p:par>
+                    <p:cTn id="21" fill="hold">
+                      <p:stCondLst>
+                        <p:cond delay="indefinite"/>
+                      </p:stCondLst>
+                      <p:childTnLst>
+                        <p:par>
+                          <p:cTn id="22" fill="hold">
+                            <p:stCondLst>
+                              <p:cond delay="0"/>
+                            </p:stCondLst>
+                            <p:childTnLst>
+                              <p:par>
+                                <p:cTn id="23" presetID="22" presetClass="entr" presetSubtype="8" fill="hold" grpId="0" nodeType="clickEffect">
+                                  <p:stCondLst>
+                                    <p:cond delay="0"/>
+                                  </p:stCondLst>
+                                  <p:childTnLst>
+                                    <p:set>
+                                      <p:cBhvr>
+                                        <p:cTn id="24" dur="1" fill="hold">
+                                          <p:stCondLst>
+                                            <p:cond delay="0"/>
+                                          </p:stCondLst>
+                                        </p:cTn>
+                                        <p:tgtEl>
+                                          <p:spTgt spid="4">
+                                            <p:bg/>
+                                          </p:spTgt>
+                                        </p:tgtEl>
+                                        <p:attrNameLst>
+                                          <p:attrName>style.visibility</p:attrName>
+                                        </p:attrNameLst>
+                                      </p:cBhvr>
+                                      <p:to>
+                                        <p:strVal val="visible"/>
+                                      </p:to>
+                                    </p:set>
+                                    <p:animEffect transition="in" filter="wipe(left)">
+                                      <p:cBhvr>
+                                        <p:cTn id="25" dur="500"/>
+                                        <p:tgtEl>
+                                          <p:spTgt spid="4">
+                                            <p:bg/>
+                                          </p:spTgt>
+                                        </p:tgtEl>
+                                      </p:cBhvr>
+                                    </p:animEffect>
+                                  </p:childTnLst>
+                                </p:cTn>
+                              </p:par>
+                            </p:childTnLst>
+                          </p:cTn>
+                        </p:par>
+                      </p:childTnLst>
+                    </p:cTn>
+                  </p:par>
+                  <p:par>
+                    <p:cTn id="26" fill="hold">
+                      <p:stCondLst>
+                        <p:cond delay="indefinite"/>
+                      </p:stCondLst>
+                      <p:childTnLst>
+                        <p:par>
+                          <p:cTn id="27" fill="hold">
+                            <p:stCondLst>
+                              <p:cond delay="0"/>
+                            </p:stCondLst>
+                            <p:childTnLst>
+                              <p:par>
+                                <p:cTn id="28" presetID="22" presetClass="entr" presetSubtype="8" fill="hold" grpId="0" nodeType="clickEffect">
+                                  <p:stCondLst>
+                                    <p:cond delay="0"/>
+                                  </p:stCondLst>
+                                  <p:childTnLst>
+                                    <p:set>
+                                      <p:cBhvr>
+                                        <p:cTn id="29" dur="1" fill="hold">
+                                          <p:stCondLst>
+                                            <p:cond delay="0"/>
+                                          </p:stCondLst>
+                                        </p:cTn>
+                                        <p:tgtEl>
+                                          <p:spTgt spid="4">
+                                            <p:txEl>
+                                              <p:pRg st="1" end="1"/>
+                                            </p:txEl>
+                                          </p:spTgt>
+                                        </p:tgtEl>
+                                        <p:attrNameLst>
+                                          <p:attrName>style.visibility</p:attrName>
+                                        </p:attrNameLst>
+                                      </p:cBhvr>
+                                      <p:to>
+                                        <p:strVal val="visible"/>
+                                      </p:to>
+                                    </p:set>
+                                    <p:animEffect transition="in" filter="wipe(left)">
+                                      <p:cBhvr>
+                                        <p:cTn id="30" dur="500"/>
+                                        <p:tgtEl>
+                                          <p:spTgt spid="4">
+                                            <p:txEl>
+                                              <p:pRg st="1" end="1"/>
+                                            </p:txEl>
+                                          </p:spTgt>
+                                        </p:tgtEl>
+                                      </p:cBhvr>
+                                    </p:animEffect>
+                                  </p:childTnLst>
+                                </p:cTn>
+                              </p:par>
+                            </p:childTnLst>
+                          </p:cTn>
+                        </p:par>
+                      </p:childTnLst>
+                    </p:cTn>
+                  </p:par>
+                  <p:par>
+                    <p:cTn id="31" fill="hold">
+                      <p:stCondLst>
+                        <p:cond delay="indefinite"/>
+                      </p:stCondLst>
+                      <p:childTnLst>
+                        <p:par>
+                          <p:cTn id="32" fill="hold">
+                            <p:stCondLst>
+                              <p:cond delay="0"/>
+                            </p:stCondLst>
+                            <p:childTnLst>
+                              <p:par>
+                                <p:cTn id="33" presetID="22" presetClass="entr" presetSubtype="8" fill="hold" grpId="0" nodeType="clickEffect">
+                                  <p:stCondLst>
+                                    <p:cond delay="0"/>
+                                  </p:stCondLst>
+                                  <p:childTnLst>
+                                    <p:set>
+                                      <p:cBhvr>
+                                        <p:cTn id="34" dur="1" fill="hold">
+                                          <p:stCondLst>
+                                            <p:cond delay="0"/>
+                                          </p:stCondLst>
+                                        </p:cTn>
+                                        <p:tgtEl>
+                                          <p:spTgt spid="4">
+                                            <p:txEl>
+                                              <p:pRg st="2" end="2"/>
+                                            </p:txEl>
+                                          </p:spTgt>
+                                        </p:tgtEl>
+                                        <p:attrNameLst>
+                                          <p:attrName>style.visibility</p:attrName>
+                                        </p:attrNameLst>
+                                      </p:cBhvr>
+                                      <p:to>
+                                        <p:strVal val="visible"/>
+                                      </p:to>
+                                    </p:set>
+                                    <p:animEffect transition="in" filter="wipe(left)">
+                                      <p:cBhvr>
+                                        <p:cTn id="35" dur="500"/>
+                                        <p:tgtEl>
+                                          <p:spTgt spid="4">
+                                            <p:txEl>
+                                              <p:pRg st="2" end="2"/>
+                                            </p:txEl>
+                                          </p:spTgt>
+                                        </p:tgtEl>
+                                      </p:cBhvr>
+                                    </p:animEffect>
+                                  </p:childTnLst>
+                                </p:cTn>
+                              </p:par>
+                            </p:childTnLst>
+                          </p:cTn>
+                        </p:par>
+                      </p:childTnLst>
+                    </p:cTn>
+                  </p:par>
+                  <p:par>
+                    <p:cTn id="36" fill="hold">
+                      <p:stCondLst>
+                        <p:cond delay="indefinite"/>
+                      </p:stCondLst>
+                      <p:childTnLst>
+                        <p:par>
+                          <p:cTn id="37" fill="hold">
+                            <p:stCondLst>
+                              <p:cond delay="0"/>
+                            </p:stCondLst>
+                            <p:childTnLst>
+                              <p:par>
+                                <p:cTn id="38" presetID="22" presetClass="entr" presetSubtype="8" fill="hold" grpId="0" nodeType="clickEffect">
+                                  <p:stCondLst>
+                                    <p:cond delay="0"/>
+                                  </p:stCondLst>
+                                  <p:childTnLst>
+                                    <p:set>
+                                      <p:cBhvr>
+                                        <p:cTn id="39" dur="1" fill="hold">
+                                          <p:stCondLst>
+                                            <p:cond delay="0"/>
+                                          </p:stCondLst>
+                                        </p:cTn>
+                                        <p:tgtEl>
+                                          <p:spTgt spid="4">
+                                            <p:txEl>
+                                              <p:pRg st="3" end="3"/>
+                                            </p:txEl>
+                                          </p:spTgt>
+                                        </p:tgtEl>
+                                        <p:attrNameLst>
+                                          <p:attrName>style.visibility</p:attrName>
+                                        </p:attrNameLst>
+                                      </p:cBhvr>
+                                      <p:to>
+                                        <p:strVal val="visible"/>
+                                      </p:to>
+                                    </p:set>
+                                    <p:animEffect transition="in" filter="wipe(left)">
+                                      <p:cBhvr>
+                                        <p:cTn id="40" dur="500"/>
+                                        <p:tgtEl>
+                                          <p:spTgt spid="4">
+                                            <p:txEl>
+                                              <p:pRg st="3" end="3"/>
+                                            </p:txEl>
+                                          </p:spTgt>
+                                        </p:tgtEl>
+                                      </p:cBhvr>
+                                    </p:animEffect>
+                                  </p:childTnLst>
+                                </p:cTn>
+                              </p:par>
+                            </p:childTnLst>
+                          </p:cTn>
+                        </p:par>
+                      </p:childTnLst>
+                    </p:cTn>
+                  </p:par>
+                </p:childTnLst>
+              </p:cTn>
+              <p:prevCondLst>
+                <p:cond evt="onPrev" delay="0">
+                  <p:tgtEl>
+                    <p:sldTgt/>
+                  </p:tgtEl>
+                </p:cond>
+              </p:prevCondLst>
+              <p:nextCondLst>
+                <p:cond evt="onNext" delay="0">
+                  <p:tgtEl>
+                    <p:sldTgt/>
+                  </p:tgtEl>
+                </p:cond>
+              </p:nextCondLst>
+            </p:seq>
+          </p:childTnLst>
+        </p:cTn>
+      </p:par>
+    </p:tnLst>
+    <p:bldLst>
+      <p:bldP spid="4" grpId="0" build="p" animBg="1"/>
+    </p:bldLst>
+  </p:timing>
+</p:sld>
+</file>
+
+<file path=ppt/slides/slide11.xml><?xml version="1.0" encoding="utf-8"?>
+<p:sld xmlns:a="http://schemas.openxmlformats.org/drawingml/2006/main" xmlns:r="http://schemas.openxmlformats.org/officeDocument/2006/relationships" xmlns:p="http://schemas.openxmlformats.org/presentationml/2006/main">
+  <p:cSld>
+    <p:spTree>
+      <p:nvGrpSpPr>
+        <p:cNvPr id="1" name=""/>
+        <p:cNvGrpSpPr/>
+        <p:nvPr/>
+      </p:nvGrpSpPr>
+      <p:grpSpPr>
+        <a:xfrm>
+          <a:off x="0" y="0"/>
+          <a:ext cx="0" cy="0"/>
+          <a:chOff x="0" y="0"/>
+          <a:chExt cx="0" cy="0"/>
+        </a:xfrm>
+      </p:grpSpPr>
+      <p:sp>
+        <p:nvSpPr>
+          <p:cNvPr id="2" name="标题 1"/>
+          <p:cNvSpPr>
+            <a:spLocks noGrp="1"/>
+          </p:cNvSpPr>
+          <p:nvPr>
+            <p:ph type="title"/>
+          </p:nvPr>
+        </p:nvSpPr>
+        <p:spPr/>
+        <p:txBody>
+          <a:bodyPr/>
+          <a:lstStyle/>
+          <a:p>
+            <a:r>
+              <a:rPr lang="zh-CN" altLang="en-US" dirty="0" smtClean="0"/>
+              <a:t>探索式软件测试</a:t>
+            </a:r>
+            <a:r>
+              <a:rPr lang="en-US" altLang="zh-CN" dirty="0" smtClean="0"/>
+              <a:t>—</a:t>
+            </a:r>
+            <a:r>
+              <a:rPr lang="zh-CN" altLang="en-US" dirty="0" smtClean="0"/>
+              <a:t>简单</a:t>
+            </a:r>
+            <a:endParaRPr lang="zh-CN" altLang="en-US" dirty="0"/>
+          </a:p>
+        </p:txBody>
+      </p:sp>
+      <p:sp>
+        <p:nvSpPr>
+          <p:cNvPr id="3" name="内容占位符 2"/>
+          <p:cNvSpPr>
+            <a:spLocks noGrp="1"/>
+          </p:cNvSpPr>
+          <p:nvPr>
+            <p:ph idx="1"/>
+          </p:nvPr>
+        </p:nvSpPr>
+        <p:spPr>
+          <a:xfrm>
+            <a:off x="5898524" y="1089024"/>
+            <a:ext cx="5467976" cy="4930775"/>
+          </a:xfrm>
+        </p:spPr>
+        <p:txBody>
+          <a:bodyPr/>
+          <a:lstStyle/>
+          <a:p>
+            <a:r>
+              <a:rPr lang="zh-CN" altLang="en-US" dirty="0" smtClean="0"/>
+              <a:t>太过具体，没有可探索的</a:t>
+            </a:r>
+            <a:endParaRPr lang="en-US" altLang="zh-CN" dirty="0" smtClean="0"/>
+          </a:p>
+          <a:p>
+            <a:r>
+              <a:rPr lang="zh-CN" altLang="en-US" dirty="0" smtClean="0"/>
+              <a:t>更像是一个测试用例</a:t>
+            </a:r>
+            <a:endParaRPr lang="zh-CN" altLang="en-US" dirty="0"/>
+          </a:p>
+        </p:txBody>
+      </p:sp>
+      <p:sp>
+        <p:nvSpPr>
+          <p:cNvPr id="4" name="文本框 3"/>
+          <p:cNvSpPr txBox="1"/>
+          <p:nvPr/>
+        </p:nvSpPr>
+        <p:spPr>
+          <a:xfrm rot="20897802">
+            <a:off x="1485108" y="2070084"/>
+            <a:ext cx="3499016" cy="2677656"/>
+          </a:xfrm>
+          <a:prstGeom prst="rect">
+            <a:avLst/>
+          </a:prstGeom>
+          <a:noFill/>
+          <a:ln w="28575"/>
+        </p:spPr>
+        <p:style>
+          <a:lnRef idx="2">
+            <a:schemeClr val="accent6"/>
+          </a:lnRef>
+          <a:fillRef idx="1">
+            <a:schemeClr val="lt1"/>
+          </a:fillRef>
+          <a:effectRef idx="0">
+            <a:schemeClr val="accent6"/>
+          </a:effectRef>
+          <a:fontRef idx="minor">
+            <a:schemeClr val="dk1"/>
+          </a:fontRef>
+        </p:style>
+        <p:txBody>
+          <a:bodyPr wrap="square" rtlCol="0">
+            <a:spAutoFit/>
+          </a:bodyPr>
+          <a:lstStyle/>
+          <a:p>
+            <a:endParaRPr lang="en-US" altLang="zh-CN" sz="2400" dirty="0" smtClean="0">
+              <a:latin typeface="全新硬笔楷书简" panose="02010600040101010101" pitchFamily="2" charset="-122"/>
+              <a:ea typeface="全新硬笔楷书简" panose="02010600040101010101" pitchFamily="2" charset="-122"/>
+            </a:endParaRPr>
+          </a:p>
+          <a:p>
+            <a:r>
+              <a:rPr lang="zh-CN" altLang="en-US" sz="2400" dirty="0" smtClean="0">
+                <a:latin typeface="全新硬笔楷书简" panose="02010600040101010101" pitchFamily="2" charset="-122"/>
+                <a:ea typeface="全新硬笔楷书简" panose="02010600040101010101" pitchFamily="2" charset="-122"/>
+              </a:rPr>
+              <a:t>探索编辑姓氏</a:t>
+            </a:r>
+            <a:endParaRPr lang="en-US" altLang="zh-CN" sz="2400" dirty="0" smtClean="0">
+              <a:latin typeface="全新硬笔楷书简" panose="02010600040101010101" pitchFamily="2" charset="-122"/>
+              <a:ea typeface="全新硬笔楷书简" panose="02010600040101010101" pitchFamily="2" charset="-122"/>
+            </a:endParaRPr>
+          </a:p>
+          <a:p>
+            <a:r>
+              <a:rPr lang="zh-CN" altLang="en-US" sz="2400" dirty="0" smtClean="0">
+                <a:latin typeface="全新硬笔楷书简" panose="02010600040101010101" pitchFamily="2" charset="-122"/>
+                <a:ea typeface="全新硬笔楷书简" panose="02010600040101010101" pitchFamily="2" charset="-122"/>
+              </a:rPr>
+              <a:t>使用输入值“</a:t>
+            </a:r>
+            <a:r>
+              <a:rPr lang="en-US" altLang="zh-CN" sz="2400" dirty="0" smtClean="0">
+                <a:latin typeface="Comic Sans MS" panose="030F0702030302020204" pitchFamily="66" charset="0"/>
+                <a:ea typeface="Adobe Myungjo Std M" panose="02020600000000000000" pitchFamily="18" charset="-128"/>
+              </a:rPr>
+              <a:t>O’Malley</a:t>
+            </a:r>
+            <a:r>
+              <a:rPr lang="zh-CN" altLang="en-US" sz="2400" dirty="0" smtClean="0">
+                <a:latin typeface="全新硬笔楷书简" panose="02010600040101010101" pitchFamily="2" charset="-122"/>
+                <a:ea typeface="全新硬笔楷书简" panose="02010600040101010101" pitchFamily="2" charset="-122"/>
+              </a:rPr>
+              <a:t>”</a:t>
+            </a:r>
+            <a:endParaRPr lang="en-US" altLang="zh-CN" sz="2400" dirty="0" smtClean="0">
+              <a:latin typeface="全新硬笔楷书简" panose="02010600040101010101" pitchFamily="2" charset="-122"/>
+              <a:ea typeface="全新硬笔楷书简" panose="02010600040101010101" pitchFamily="2" charset="-122"/>
+            </a:endParaRPr>
+          </a:p>
+          <a:p>
+            <a:r>
+              <a:rPr lang="zh-CN" altLang="en-US" sz="2400" dirty="0" smtClean="0">
+                <a:latin typeface="全新硬笔楷书简" panose="02010600040101010101" pitchFamily="2" charset="-122"/>
+                <a:ea typeface="全新硬笔楷书简" panose="02010600040101010101" pitchFamily="2" charset="-122"/>
+              </a:rPr>
+              <a:t>以图发现档案编辑</a:t>
+            </a:r>
+            <a:endParaRPr lang="en-US" altLang="zh-CN" sz="2400" dirty="0" smtClean="0">
+              <a:latin typeface="全新硬笔楷书简" panose="02010600040101010101" pitchFamily="2" charset="-122"/>
+              <a:ea typeface="全新硬笔楷书简" panose="02010600040101010101" pitchFamily="2" charset="-122"/>
+            </a:endParaRPr>
+          </a:p>
+          <a:p>
+            <a:r>
+              <a:rPr lang="zh-CN" altLang="en-US" sz="2400" dirty="0" smtClean="0">
+                <a:latin typeface="全新硬笔楷书简" panose="02010600040101010101" pitchFamily="2" charset="-122"/>
+                <a:ea typeface="全新硬笔楷书简" panose="02010600040101010101" pitchFamily="2" charset="-122"/>
+              </a:rPr>
+              <a:t>功能是否能处理</a:t>
+            </a:r>
+            <a:endParaRPr lang="en-US" altLang="zh-CN" sz="2400" dirty="0" smtClean="0">
+              <a:latin typeface="全新硬笔楷书简" panose="02010600040101010101" pitchFamily="2" charset="-122"/>
+              <a:ea typeface="全新硬笔楷书简" panose="02010600040101010101" pitchFamily="2" charset="-122"/>
+            </a:endParaRPr>
+          </a:p>
+          <a:p>
+            <a:r>
+              <a:rPr lang="zh-CN" altLang="en-US" sz="2400" dirty="0" smtClean="0">
+                <a:latin typeface="全新硬笔楷书简" panose="02010600040101010101" pitchFamily="2" charset="-122"/>
+                <a:ea typeface="全新硬笔楷书简" panose="02010600040101010101" pitchFamily="2" charset="-122"/>
+              </a:rPr>
+              <a:t>字里有撇号的情况</a:t>
+            </a:r>
+            <a:endParaRPr lang="en-US" altLang="zh-CN" sz="2400" dirty="0">
+              <a:latin typeface="全新硬笔楷书简" panose="02010600040101010101" pitchFamily="2" charset="-122"/>
+              <a:ea typeface="全新硬笔楷书简" panose="02010600040101010101" pitchFamily="2" charset="-122"/>
+            </a:endParaRPr>
+          </a:p>
+          <a:p>
+            <a:endParaRPr lang="zh-CN" altLang="en-US" sz="2400" dirty="0">
+              <a:latin typeface="全新硬笔楷书简" panose="02010600040101010101" pitchFamily="2" charset="-122"/>
+              <a:ea typeface="全新硬笔楷书简" panose="02010600040101010101" pitchFamily="2" charset="-122"/>
+            </a:endParaRPr>
+          </a:p>
+        </p:txBody>
+      </p:sp>
+      <p:sp>
+        <p:nvSpPr>
+          <p:cNvPr id="5" name="乘号 4"/>
+          <p:cNvSpPr/>
+          <p:nvPr/>
+        </p:nvSpPr>
+        <p:spPr>
+          <a:xfrm>
+            <a:off x="4043966" y="4353061"/>
+            <a:ext cx="721218" cy="1352282"/>
+          </a:xfrm>
+          <a:prstGeom prst="mathMultiply">
+            <a:avLst/>
+          </a:prstGeom>
+        </p:spPr>
+        <p:style>
+          <a:lnRef idx="2">
+            <a:schemeClr val="accent6">
+              <a:shade val="50000"/>
+            </a:schemeClr>
+          </a:lnRef>
+          <a:fillRef idx="1">
+            <a:schemeClr val="accent6"/>
+          </a:fillRef>
+          <a:effectRef idx="0">
+            <a:schemeClr val="accent6"/>
+          </a:effectRef>
+          <a:fontRef idx="minor">
+            <a:schemeClr val="lt1"/>
+          </a:fontRef>
+        </p:style>
+        <p:txBody>
+          <a:bodyPr rtlCol="0" anchor="ctr"/>
+          <a:lstStyle/>
+          <a:p>
+            <a:pPr algn="ctr"/>
+            <a:endParaRPr lang="zh-CN" altLang="en-US"/>
+          </a:p>
+        </p:txBody>
+      </p:sp>
+    </p:spTree>
+    <p:extLst>
+      <p:ext uri="{BB962C8B-B14F-4D97-AF65-F5344CB8AC3E}">
+        <p14:creationId xmlns:p14="http://schemas.microsoft.com/office/powerpoint/2010/main" val="2381581364"/>
+      </p:ext>
+    </p:extLst>
+  </p:cSld>
+  <p:clrMapOvr>
+    <a:masterClrMapping/>
+  </p:clrMapOvr>
+  <p:timing>
+    <p:tnLst>
+      <p:par>
+        <p:cTn id="1" dur="indefinite" restart="never" nodeType="tmRoot">
+          <p:childTnLst>
+            <p:seq concurrent="1" nextAc="seek">
+              <p:cTn id="2" dur="indefinite" nodeType="mainSeq">
+                <p:childTnLst>
+                  <p:par>
+                    <p:cTn id="3" fill="hold">
+                      <p:stCondLst>
+                        <p:cond delay="indefinite"/>
+                      </p:stCondLst>
+                      <p:childTnLst>
+                        <p:par>
+                          <p:cTn id="4" fill="hold">
+                            <p:stCondLst>
+                              <p:cond delay="0"/>
+                            </p:stCondLst>
+                            <p:childTnLst>
+                              <p:par>
+                                <p:cTn id="5" presetID="22" presetClass="entr" presetSubtype="8" fill="hold" grpId="0" nodeType="clickEffect">
+                                  <p:stCondLst>
+                                    <p:cond delay="0"/>
+                                  </p:stCondLst>
+                                  <p:childTnLst>
+                                    <p:set>
+                                      <p:cBhvr>
+                                        <p:cTn id="6" dur="1" fill="hold">
+                                          <p:stCondLst>
+                                            <p:cond delay="0"/>
+                                          </p:stCondLst>
+                                        </p:cTn>
+                                        <p:tgtEl>
+                                          <p:spTgt spid="5"/>
+                                        </p:tgtEl>
+                                        <p:attrNameLst>
+                                          <p:attrName>style.visibility</p:attrName>
+                                        </p:attrNameLst>
+                                      </p:cBhvr>
+                                      <p:to>
+                                        <p:strVal val="visible"/>
+                                      </p:to>
+                                    </p:set>
+                                    <p:animEffect transition="in" filter="wipe(left)">
+                                      <p:cBhvr>
+                                        <p:cTn id="7" dur="500"/>
+                                        <p:tgtEl>
+                                          <p:spTgt spid="5"/>
+                                        </p:tgtEl>
+                                      </p:cBhvr>
+                                    </p:animEffect>
+                                  </p:childTnLst>
+                                </p:cTn>
+                              </p:par>
+                            </p:childTnLst>
+                          </p:cTn>
+                        </p:par>
+                      </p:childTnLst>
+                    </p:cTn>
+                  </p:par>
+                  <p:par>
+                    <p:cTn id="8" fill="hold">
+                      <p:stCondLst>
+                        <p:cond delay="indefinite"/>
+                      </p:stCondLst>
+                      <p:childTnLst>
+                        <p:par>
+                          <p:cTn id="9" fill="hold">
+                            <p:stCondLst>
+                              <p:cond delay="0"/>
+                            </p:stCondLst>
+                            <p:childTnLst>
+                              <p:par>
+                                <p:cTn id="10" presetID="2" presetClass="entr" presetSubtype="4" fill="hold" nodeType="clickEffect">
+                                  <p:stCondLst>
+                                    <p:cond delay="0"/>
+                                  </p:stCondLst>
+                                  <p:childTnLst>
+                                    <p:set>
+                                      <p:cBhvr>
+                                        <p:cTn id="11" dur="1" fill="hold">
+                                          <p:stCondLst>
+                                            <p:cond delay="0"/>
+                                          </p:stCondLst>
+                                        </p:cTn>
+                                        <p:tgtEl>
+                                          <p:spTgt spid="3">
+                                            <p:txEl>
+                                              <p:pRg st="0" end="0"/>
+                                            </p:txEl>
+                                          </p:spTgt>
+                                        </p:tgtEl>
+                                        <p:attrNameLst>
+                                          <p:attrName>style.visibility</p:attrName>
+                                        </p:attrNameLst>
+                                      </p:cBhvr>
+                                      <p:to>
+                                        <p:strVal val="visible"/>
+                                      </p:to>
+                                    </p:set>
+                                    <p:anim calcmode="lin" valueType="num">
+                                      <p:cBhvr additive="base">
+                                        <p:cTn id="12" dur="500" fill="hold"/>
+                                        <p:tgtEl>
+                                          <p:spTgt spid="3">
+                                            <p:txEl>
+                                              <p:pRg st="0" end="0"/>
+                                            </p:txEl>
+                                          </p:spTgt>
+                                        </p:tgtEl>
+                                        <p:attrNameLst>
+                                          <p:attrName>ppt_x</p:attrName>
+                                        </p:attrNameLst>
+                                      </p:cBhvr>
+                                      <p:tavLst>
+                                        <p:tav tm="0">
+                                          <p:val>
+                                            <p:strVal val="#ppt_x"/>
+                                          </p:val>
+                                        </p:tav>
+                                        <p:tav tm="100000">
+                                          <p:val>
+                                            <p:strVal val="#ppt_x"/>
+                                          </p:val>
+                                        </p:tav>
+                                      </p:tavLst>
+                                    </p:anim>
+                                    <p:anim calcmode="lin" valueType="num">
+                                      <p:cBhvr additive="base">
+                                        <p:cTn id="13" dur="500" fill="hold"/>
+                                        <p:tgtEl>
+                                          <p:spTgt spid="3">
+                                            <p:txEl>
+                                              <p:pRg st="0" end="0"/>
+                                            </p:txEl>
+                                          </p:spTgt>
+                                        </p:tgtEl>
+                                        <p:attrNameLst>
+                                          <p:attrName>ppt_y</p:attrName>
+                                        </p:attrNameLst>
+                                      </p:cBhvr>
+                                      <p:tavLst>
+                                        <p:tav tm="0">
+                                          <p:val>
+                                            <p:strVal val="1+#ppt_h/2"/>
+                                          </p:val>
+                                        </p:tav>
+                                        <p:tav tm="100000">
+                                          <p:val>
+                                            <p:strVal val="#ppt_y"/>
+                                          </p:val>
+                                        </p:tav>
+                                      </p:tavLst>
+                                    </p:anim>
+                                  </p:childTnLst>
+                                </p:cTn>
+                              </p:par>
+                            </p:childTnLst>
+                          </p:cTn>
+                        </p:par>
+                      </p:childTnLst>
+                    </p:cTn>
+                  </p:par>
+                  <p:par>
+                    <p:cTn id="14" fill="hold">
+                      <p:stCondLst>
+                        <p:cond delay="indefinite"/>
+                      </p:stCondLst>
+                      <p:childTnLst>
+                        <p:par>
+                          <p:cTn id="15" fill="hold">
+                            <p:stCondLst>
+                              <p:cond delay="0"/>
+                            </p:stCondLst>
+                            <p:childTnLst>
+                              <p:par>
+                                <p:cTn id="16" presetID="2" presetClass="entr" presetSubtype="4" fill="hold" nodeType="clickEffect">
+                                  <p:stCondLst>
+                                    <p:cond delay="0"/>
+                                  </p:stCondLst>
+                                  <p:childTnLst>
+                                    <p:set>
+                                      <p:cBhvr>
+                                        <p:cTn id="17" dur="1" fill="hold">
+                                          <p:stCondLst>
+                                            <p:cond delay="0"/>
+                                          </p:stCondLst>
+                                        </p:cTn>
+                                        <p:tgtEl>
+                                          <p:spTgt spid="3">
+                                            <p:txEl>
+                                              <p:pRg st="1" end="1"/>
+                                            </p:txEl>
+                                          </p:spTgt>
+                                        </p:tgtEl>
+                                        <p:attrNameLst>
+                                          <p:attrName>style.visibility</p:attrName>
+                                        </p:attrNameLst>
+                                      </p:cBhvr>
+                                      <p:to>
+                                        <p:strVal val="visible"/>
+                                      </p:to>
+                                    </p:set>
+                                    <p:anim calcmode="lin" valueType="num">
+                                      <p:cBhvr additive="base">
+                                        <p:cTn id="18" dur="500" fill="hold"/>
+                                        <p:tgtEl>
+                                          <p:spTgt spid="3">
+                                            <p:txEl>
+                                              <p:pRg st="1" end="1"/>
+                                            </p:txEl>
+                                          </p:spTgt>
+                                        </p:tgtEl>
+                                        <p:attrNameLst>
+                                          <p:attrName>ppt_x</p:attrName>
+                                        </p:attrNameLst>
+                                      </p:cBhvr>
+                                      <p:tavLst>
+                                        <p:tav tm="0">
+                                          <p:val>
+                                            <p:strVal val="#ppt_x"/>
+                                          </p:val>
+                                        </p:tav>
+                                        <p:tav tm="100000">
+                                          <p:val>
+                                            <p:strVal val="#ppt_x"/>
+                                          </p:val>
+                                        </p:tav>
+                                      </p:tavLst>
+                                    </p:anim>
+                                    <p:anim calcmode="lin" valueType="num">
+                                      <p:cBhvr additive="base">
+                                        <p:cTn id="19" dur="500" fill="hold"/>
+                                        <p:tgtEl>
+                                          <p:spTgt spid="3">
+                                            <p:txEl>
+                                              <p:pRg st="1" end="1"/>
+                                            </p:txEl>
+                                          </p:spTgt>
+                                        </p:tgtEl>
+                                        <p:attrNameLst>
+                                          <p:attrName>ppt_y</p:attrName>
+                                        </p:attrNameLst>
+                                      </p:cBhvr>
+                                      <p:tavLst>
+                                        <p:tav tm="0">
+                                          <p:val>
+                                            <p:strVal val="1+#ppt_h/2"/>
+                                          </p:val>
+                                        </p:tav>
+                                        <p:tav tm="100000">
+                                          <p:val>
+                                            <p:strVal val="#ppt_y"/>
+                                          </p:val>
+                                        </p:tav>
+                                      </p:tavLst>
+                                    </p:anim>
+                                  </p:childTnLst>
+                                </p:cTn>
+                              </p:par>
+                            </p:childTnLst>
+                          </p:cTn>
+                        </p:par>
+                      </p:childTnLst>
+                    </p:cTn>
+                  </p:par>
+                </p:childTnLst>
+              </p:cTn>
+              <p:prevCondLst>
+                <p:cond evt="onPrev" delay="0">
+                  <p:tgtEl>
+                    <p:sldTgt/>
+                  </p:tgtEl>
+                </p:cond>
+              </p:prevCondLst>
+              <p:nextCondLst>
+                <p:cond evt="onNext" delay="0">
+                  <p:tgtEl>
+                    <p:sldTgt/>
+                  </p:tgtEl>
+                </p:cond>
+              </p:nextCondLst>
+            </p:seq>
+          </p:childTnLst>
+        </p:cTn>
+      </p:par>
+    </p:tnLst>
+    <p:bldLst>
+      <p:bldP spid="5" grpId="0" animBg="1"/>
+    </p:bldLst>
+  </p:timing>
+</p:sld>
+</file>
+
+<file path=ppt/slides/slide12.xml><?xml version="1.0" encoding="utf-8"?>
+<p:sld xmlns:a="http://schemas.openxmlformats.org/drawingml/2006/main" xmlns:r="http://schemas.openxmlformats.org/officeDocument/2006/relationships" xmlns:p="http://schemas.openxmlformats.org/presentationml/2006/main">
+  <p:cSld>
+    <p:spTree>
+      <p:nvGrpSpPr>
+        <p:cNvPr id="1" name=""/>
+        <p:cNvGrpSpPr/>
+        <p:nvPr/>
+      </p:nvGrpSpPr>
+      <p:grpSpPr>
+        <a:xfrm>
+          <a:off x="0" y="0"/>
+          <a:ext cx="0" cy="0"/>
+          <a:chOff x="0" y="0"/>
+          <a:chExt cx="0" cy="0"/>
+        </a:xfrm>
+      </p:grpSpPr>
+      <p:sp>
+        <p:nvSpPr>
+          <p:cNvPr id="2" name="标题 1"/>
+          <p:cNvSpPr>
+            <a:spLocks noGrp="1"/>
+          </p:cNvSpPr>
+          <p:nvPr>
+            <p:ph type="title"/>
+          </p:nvPr>
+        </p:nvSpPr>
+        <p:spPr/>
+        <p:txBody>
+          <a:bodyPr/>
+          <a:lstStyle/>
+          <a:p>
+            <a:r>
               <a:rPr lang="zh-CN" altLang="en-US" dirty="0"/>
               <a:t>探索式软件测试</a:t>
             </a:r>
@@ -4967,7 +6330,7 @@
 </p:sld>
 </file>
 
-<file path=ppt/slides/slide11.xml><?xml version="1.0" encoding="utf-8"?>
+<file path=ppt/slides/slide13.xml><?xml version="1.0" encoding="utf-8"?>
 <p:sld xmlns:a="http://schemas.openxmlformats.org/drawingml/2006/main" xmlns:r="http://schemas.openxmlformats.org/officeDocument/2006/relationships" xmlns:p="http://schemas.openxmlformats.org/presentationml/2006/main">
   <p:cSld>
     <p:spTree>
@@ -5261,7 +6624,7 @@
 </p:sld>
 </file>
 
-<file path=ppt/slides/slide12.xml><?xml version="1.0" encoding="utf-8"?>
+<file path=ppt/slides/slide14.xml><?xml version="1.0" encoding="utf-8"?>
 <p:sld xmlns:a="http://schemas.openxmlformats.org/drawingml/2006/main" xmlns:r="http://schemas.openxmlformats.org/officeDocument/2006/relationships" xmlns:p="http://schemas.openxmlformats.org/presentationml/2006/main">
   <p:cSld>
     <p:spTree>
@@ -5360,7 +6723,7 @@
 </p:sld>
 </file>
 
-<file path=ppt/slides/slide13.xml><?xml version="1.0" encoding="utf-8"?>
+<file path=ppt/slides/slide15.xml><?xml version="1.0" encoding="utf-8"?>
 <p:sld xmlns:a="http://schemas.openxmlformats.org/drawingml/2006/main" xmlns:r="http://schemas.openxmlformats.org/officeDocument/2006/relationships" xmlns:p="http://schemas.openxmlformats.org/presentationml/2006/main">
   <p:cSld>
     <p:spTree>
@@ -6035,7 +7398,7 @@
 </p:sld>
 </file>
 
-<file path=ppt/slides/slide14.xml><?xml version="1.0" encoding="utf-8"?>
+<file path=ppt/slides/slide16.xml><?xml version="1.0" encoding="utf-8"?>
 <p:sld xmlns:a="http://schemas.openxmlformats.org/drawingml/2006/main" xmlns:r="http://schemas.openxmlformats.org/officeDocument/2006/relationships" xmlns:p="http://schemas.openxmlformats.org/presentationml/2006/main">
   <p:cSld>
     <p:spTree>
@@ -6526,7 +7889,7 @@
 </p:sld>
 </file>
 
-<file path=ppt/slides/slide15.xml><?xml version="1.0" encoding="utf-8"?>
+<file path=ppt/slides/slide17.xml><?xml version="1.0" encoding="utf-8"?>
 <p:sld xmlns:a="http://schemas.openxmlformats.org/drawingml/2006/main" xmlns:r="http://schemas.openxmlformats.org/officeDocument/2006/relationships" xmlns:p="http://schemas.openxmlformats.org/presentationml/2006/main">
   <p:cSld>
     <p:spTree>
@@ -7232,7 +8595,7 @@
 </p:sld>
 </file>
 
-<file path=ppt/slides/slide16.xml><?xml version="1.0" encoding="utf-8"?>
+<file path=ppt/slides/slide18.xml><?xml version="1.0" encoding="utf-8"?>
 <p:sld xmlns:a="http://schemas.openxmlformats.org/drawingml/2006/main" xmlns:r="http://schemas.openxmlformats.org/officeDocument/2006/relationships" xmlns:p="http://schemas.openxmlformats.org/presentationml/2006/main">
   <p:cSld>
     <p:spTree>
@@ -7697,7 +9060,7 @@
 </p:sld>
 </file>
 
-<file path=ppt/slides/slide17.xml><?xml version="1.0" encoding="utf-8"?>
+<file path=ppt/slides/slide19.xml><?xml version="1.0" encoding="utf-8"?>
 <p:sld xmlns:a="http://schemas.openxmlformats.org/drawingml/2006/main" xmlns:r="http://schemas.openxmlformats.org/officeDocument/2006/relationships" xmlns:p="http://schemas.openxmlformats.org/presentationml/2006/main" show="0">
   <p:cSld>
     <p:spTree>
@@ -7833,11 +9196,11 @@
   <p:clrMapOvr>
     <a:masterClrMapping/>
   </p:clrMapOvr>
-  <mc:AlternateContent xmlns:mc="http://schemas.openxmlformats.org/markup-compatibility/2006" xmlns:p14="http://schemas.microsoft.com/office/powerpoint/2010/main">
-    <mc:Choice Requires="p14">
+  <mc:AlternateContent xmlns:mc="http://schemas.openxmlformats.org/markup-compatibility/2006">
+    <mc:Choice xmlns:p14="http://schemas.microsoft.com/office/powerpoint/2010/main" Requires="p14">
       <p:transition spd="slow" p14:dur="2000"/>
     </mc:Choice>
-    <mc:Fallback xmlns="">
+    <mc:Fallback>
       <p:transition spd="slow"/>
     </mc:Fallback>
   </mc:AlternateContent>
@@ -8335,1117 +9698,6 @@
                                           <p:spTgt spid="3">
                                             <p:txEl>
                                               <p:pRg st="4" end="4"/>
-                                            </p:txEl>
-                                          </p:spTgt>
-                                        </p:tgtEl>
-                                        <p:attrNameLst>
-                                          <p:attrName>ppt_y</p:attrName>
-                                        </p:attrNameLst>
-                                      </p:cBhvr>
-                                      <p:tavLst>
-                                        <p:tav tm="0">
-                                          <p:val>
-                                            <p:strVal val="1+#ppt_h/2"/>
-                                          </p:val>
-                                        </p:tav>
-                                        <p:tav tm="100000">
-                                          <p:val>
-                                            <p:strVal val="#ppt_y"/>
-                                          </p:val>
-                                        </p:tav>
-                                      </p:tavLst>
-                                    </p:anim>
-                                  </p:childTnLst>
-                                </p:cTn>
-                              </p:par>
-                            </p:childTnLst>
-                          </p:cTn>
-                        </p:par>
-                      </p:childTnLst>
-                    </p:cTn>
-                  </p:par>
-                </p:childTnLst>
-              </p:cTn>
-              <p:prevCondLst>
-                <p:cond evt="onPrev" delay="0">
-                  <p:tgtEl>
-                    <p:sldTgt/>
-                  </p:tgtEl>
-                </p:cond>
-              </p:prevCondLst>
-              <p:nextCondLst>
-                <p:cond evt="onNext" delay="0">
-                  <p:tgtEl>
-                    <p:sldTgt/>
-                  </p:tgtEl>
-                </p:cond>
-              </p:nextCondLst>
-            </p:seq>
-          </p:childTnLst>
-        </p:cTn>
-      </p:par>
-    </p:tnLst>
-  </p:timing>
-</p:sld>
-</file>
-
-<file path=ppt/slides/slide18.xml><?xml version="1.0" encoding="utf-8"?>
-<p:sld xmlns:a="http://schemas.openxmlformats.org/drawingml/2006/main" xmlns:r="http://schemas.openxmlformats.org/officeDocument/2006/relationships" xmlns:p="http://schemas.openxmlformats.org/presentationml/2006/main">
-  <p:cSld>
-    <p:spTree>
-      <p:nvGrpSpPr>
-        <p:cNvPr id="1" name=""/>
-        <p:cNvGrpSpPr/>
-        <p:nvPr/>
-      </p:nvGrpSpPr>
-      <p:grpSpPr>
-        <a:xfrm>
-          <a:off x="0" y="0"/>
-          <a:ext cx="0" cy="0"/>
-          <a:chOff x="0" y="0"/>
-          <a:chExt cx="0" cy="0"/>
-        </a:xfrm>
-      </p:grpSpPr>
-      <p:sp>
-        <p:nvSpPr>
-          <p:cNvPr id="2" name="标题 1"/>
-          <p:cNvSpPr>
-            <a:spLocks noGrp="1"/>
-          </p:cNvSpPr>
-          <p:nvPr>
-            <p:ph type="title"/>
-          </p:nvPr>
-        </p:nvSpPr>
-        <p:spPr/>
-        <p:txBody>
-          <a:bodyPr>
-            <a:normAutofit fontScale="90000"/>
-          </a:bodyPr>
-          <a:lstStyle/>
-          <a:p>
-            <a:r>
-              <a:rPr lang="en-US" altLang="zh-CN" dirty="0" smtClean="0"/>
-              <a:t/>
-            </a:r>
-            <a:br>
-              <a:rPr lang="en-US" altLang="zh-CN" dirty="0" smtClean="0"/>
-            </a:br>
-            <a:r>
-              <a:rPr lang="zh-CN" altLang="en-US" dirty="0" smtClean="0"/>
-              <a:t>将</a:t>
-            </a:r>
-            <a:r>
-              <a:rPr lang="zh-CN" altLang="en-US" dirty="0"/>
-              <a:t>原因提炼为探测章程</a:t>
-            </a:r>
-            <a:r>
-              <a:rPr lang="en-US" altLang="zh-CN" dirty="0"/>
-              <a:t/>
-            </a:r>
-            <a:br>
-              <a:rPr lang="en-US" altLang="zh-CN" dirty="0"/>
-            </a:br>
-            <a:endParaRPr lang="zh-CN" altLang="en-US" dirty="0"/>
-          </a:p>
-        </p:txBody>
-      </p:sp>
-      <p:sp>
-        <p:nvSpPr>
-          <p:cNvPr id="3" name="内容占位符 2"/>
-          <p:cNvSpPr>
-            <a:spLocks noGrp="1"/>
-          </p:cNvSpPr>
-          <p:nvPr>
-            <p:ph idx="1"/>
-          </p:nvPr>
-        </p:nvSpPr>
-        <p:spPr/>
-        <p:txBody>
-          <a:bodyPr/>
-          <a:lstStyle/>
-          <a:p>
-            <a:r>
-              <a:rPr lang="zh-CN" altLang="en-US" dirty="0" smtClean="0"/>
-              <a:t>探索修改数量</a:t>
-            </a:r>
-            <a:endParaRPr lang="en-US" altLang="zh-CN" dirty="0" smtClean="0"/>
-          </a:p>
-          <a:p>
-            <a:r>
-              <a:rPr lang="zh-CN" altLang="en-US" dirty="0" smtClean="0"/>
-              <a:t>使用输入数据的变化</a:t>
-            </a:r>
-            <a:endParaRPr lang="en-US" altLang="zh-CN" dirty="0" smtClean="0"/>
-          </a:p>
-          <a:p>
-            <a:r>
-              <a:rPr lang="zh-CN" altLang="en-US" dirty="0" smtClean="0"/>
-              <a:t>探索采购操作流</a:t>
-            </a:r>
-            <a:endParaRPr lang="en-US" altLang="zh-CN" dirty="0" smtClean="0"/>
-          </a:p>
-          <a:p>
-            <a:r>
-              <a:rPr lang="zh-CN" altLang="en-US" dirty="0" smtClean="0"/>
-              <a:t>使用浏览器动作，例如刷新、返回、书签以及表单提交</a:t>
-            </a:r>
-            <a:endParaRPr lang="en-US" altLang="zh-CN" dirty="0" smtClean="0"/>
-          </a:p>
-          <a:p>
-            <a:r>
-              <a:rPr lang="zh-CN" altLang="en-US" dirty="0"/>
-              <a:t>以</a:t>
-            </a:r>
-            <a:r>
-              <a:rPr lang="zh-CN" altLang="en-US" dirty="0" smtClean="0"/>
-              <a:t>图发现可以导致不经意间订购的方法</a:t>
-            </a:r>
-            <a:endParaRPr lang="en-US" altLang="zh-CN" dirty="0" smtClean="0"/>
-          </a:p>
-          <a:p>
-            <a:endParaRPr lang="en-US" altLang="zh-CN" dirty="0" smtClean="0"/>
-          </a:p>
-          <a:p>
-            <a:endParaRPr lang="zh-CN" altLang="en-US" dirty="0"/>
-          </a:p>
-        </p:txBody>
-      </p:sp>
-    </p:spTree>
-    <p:extLst>
-      <p:ext uri="{BB962C8B-B14F-4D97-AF65-F5344CB8AC3E}">
-        <p14:creationId xmlns:p14="http://schemas.microsoft.com/office/powerpoint/2010/main" val="4274355749"/>
-      </p:ext>
-    </p:extLst>
-  </p:cSld>
-  <p:clrMapOvr>
-    <a:masterClrMapping/>
-  </p:clrMapOvr>
-  <p:timing>
-    <p:tnLst>
-      <p:par>
-        <p:cTn id="1" dur="indefinite" restart="never" nodeType="tmRoot">
-          <p:childTnLst>
-            <p:seq concurrent="1" nextAc="seek">
-              <p:cTn id="2" dur="indefinite" nodeType="mainSeq">
-                <p:childTnLst>
-                  <p:par>
-                    <p:cTn id="3" fill="hold">
-                      <p:stCondLst>
-                        <p:cond delay="indefinite"/>
-                      </p:stCondLst>
-                      <p:childTnLst>
-                        <p:par>
-                          <p:cTn id="4" fill="hold">
-                            <p:stCondLst>
-                              <p:cond delay="0"/>
-                            </p:stCondLst>
-                            <p:childTnLst>
-                              <p:par>
-                                <p:cTn id="5" presetID="2" presetClass="entr" presetSubtype="4" fill="hold" nodeType="clickEffect">
-                                  <p:stCondLst>
-                                    <p:cond delay="0"/>
-                                  </p:stCondLst>
-                                  <p:childTnLst>
-                                    <p:set>
-                                      <p:cBhvr>
-                                        <p:cTn id="6" dur="1" fill="hold">
-                                          <p:stCondLst>
-                                            <p:cond delay="0"/>
-                                          </p:stCondLst>
-                                        </p:cTn>
-                                        <p:tgtEl>
-                                          <p:spTgt spid="3">
-                                            <p:txEl>
-                                              <p:pRg st="0" end="0"/>
-                                            </p:txEl>
-                                          </p:spTgt>
-                                        </p:tgtEl>
-                                        <p:attrNameLst>
-                                          <p:attrName>style.visibility</p:attrName>
-                                        </p:attrNameLst>
-                                      </p:cBhvr>
-                                      <p:to>
-                                        <p:strVal val="visible"/>
-                                      </p:to>
-                                    </p:set>
-                                    <p:anim calcmode="lin" valueType="num">
-                                      <p:cBhvr additive="base">
-                                        <p:cTn id="7" dur="500" fill="hold"/>
-                                        <p:tgtEl>
-                                          <p:spTgt spid="3">
-                                            <p:txEl>
-                                              <p:pRg st="0" end="0"/>
-                                            </p:txEl>
-                                          </p:spTgt>
-                                        </p:tgtEl>
-                                        <p:attrNameLst>
-                                          <p:attrName>ppt_x</p:attrName>
-                                        </p:attrNameLst>
-                                      </p:cBhvr>
-                                      <p:tavLst>
-                                        <p:tav tm="0">
-                                          <p:val>
-                                            <p:strVal val="#ppt_x"/>
-                                          </p:val>
-                                        </p:tav>
-                                        <p:tav tm="100000">
-                                          <p:val>
-                                            <p:strVal val="#ppt_x"/>
-                                          </p:val>
-                                        </p:tav>
-                                      </p:tavLst>
-                                    </p:anim>
-                                    <p:anim calcmode="lin" valueType="num">
-                                      <p:cBhvr additive="base">
-                                        <p:cTn id="8" dur="500" fill="hold"/>
-                                        <p:tgtEl>
-                                          <p:spTgt spid="3">
-                                            <p:txEl>
-                                              <p:pRg st="0" end="0"/>
-                                            </p:txEl>
-                                          </p:spTgt>
-                                        </p:tgtEl>
-                                        <p:attrNameLst>
-                                          <p:attrName>ppt_y</p:attrName>
-                                        </p:attrNameLst>
-                                      </p:cBhvr>
-                                      <p:tavLst>
-                                        <p:tav tm="0">
-                                          <p:val>
-                                            <p:strVal val="1+#ppt_h/2"/>
-                                          </p:val>
-                                        </p:tav>
-                                        <p:tav tm="100000">
-                                          <p:val>
-                                            <p:strVal val="#ppt_y"/>
-                                          </p:val>
-                                        </p:tav>
-                                      </p:tavLst>
-                                    </p:anim>
-                                  </p:childTnLst>
-                                </p:cTn>
-                              </p:par>
-                            </p:childTnLst>
-                          </p:cTn>
-                        </p:par>
-                      </p:childTnLst>
-                    </p:cTn>
-                  </p:par>
-                  <p:par>
-                    <p:cTn id="9" fill="hold">
-                      <p:stCondLst>
-                        <p:cond delay="indefinite"/>
-                      </p:stCondLst>
-                      <p:childTnLst>
-                        <p:par>
-                          <p:cTn id="10" fill="hold">
-                            <p:stCondLst>
-                              <p:cond delay="0"/>
-                            </p:stCondLst>
-                            <p:childTnLst>
-                              <p:par>
-                                <p:cTn id="11" presetID="2" presetClass="entr" presetSubtype="4" fill="hold" nodeType="clickEffect">
-                                  <p:stCondLst>
-                                    <p:cond delay="0"/>
-                                  </p:stCondLst>
-                                  <p:childTnLst>
-                                    <p:set>
-                                      <p:cBhvr>
-                                        <p:cTn id="12" dur="1" fill="hold">
-                                          <p:stCondLst>
-                                            <p:cond delay="0"/>
-                                          </p:stCondLst>
-                                        </p:cTn>
-                                        <p:tgtEl>
-                                          <p:spTgt spid="3">
-                                            <p:txEl>
-                                              <p:pRg st="1" end="1"/>
-                                            </p:txEl>
-                                          </p:spTgt>
-                                        </p:tgtEl>
-                                        <p:attrNameLst>
-                                          <p:attrName>style.visibility</p:attrName>
-                                        </p:attrNameLst>
-                                      </p:cBhvr>
-                                      <p:to>
-                                        <p:strVal val="visible"/>
-                                      </p:to>
-                                    </p:set>
-                                    <p:anim calcmode="lin" valueType="num">
-                                      <p:cBhvr additive="base">
-                                        <p:cTn id="13" dur="500" fill="hold"/>
-                                        <p:tgtEl>
-                                          <p:spTgt spid="3">
-                                            <p:txEl>
-                                              <p:pRg st="1" end="1"/>
-                                            </p:txEl>
-                                          </p:spTgt>
-                                        </p:tgtEl>
-                                        <p:attrNameLst>
-                                          <p:attrName>ppt_x</p:attrName>
-                                        </p:attrNameLst>
-                                      </p:cBhvr>
-                                      <p:tavLst>
-                                        <p:tav tm="0">
-                                          <p:val>
-                                            <p:strVal val="#ppt_x"/>
-                                          </p:val>
-                                        </p:tav>
-                                        <p:tav tm="100000">
-                                          <p:val>
-                                            <p:strVal val="#ppt_x"/>
-                                          </p:val>
-                                        </p:tav>
-                                      </p:tavLst>
-                                    </p:anim>
-                                    <p:anim calcmode="lin" valueType="num">
-                                      <p:cBhvr additive="base">
-                                        <p:cTn id="14" dur="500" fill="hold"/>
-                                        <p:tgtEl>
-                                          <p:spTgt spid="3">
-                                            <p:txEl>
-                                              <p:pRg st="1" end="1"/>
-                                            </p:txEl>
-                                          </p:spTgt>
-                                        </p:tgtEl>
-                                        <p:attrNameLst>
-                                          <p:attrName>ppt_y</p:attrName>
-                                        </p:attrNameLst>
-                                      </p:cBhvr>
-                                      <p:tavLst>
-                                        <p:tav tm="0">
-                                          <p:val>
-                                            <p:strVal val="1+#ppt_h/2"/>
-                                          </p:val>
-                                        </p:tav>
-                                        <p:tav tm="100000">
-                                          <p:val>
-                                            <p:strVal val="#ppt_y"/>
-                                          </p:val>
-                                        </p:tav>
-                                      </p:tavLst>
-                                    </p:anim>
-                                  </p:childTnLst>
-                                </p:cTn>
-                              </p:par>
-                            </p:childTnLst>
-                          </p:cTn>
-                        </p:par>
-                      </p:childTnLst>
-                    </p:cTn>
-                  </p:par>
-                  <p:par>
-                    <p:cTn id="15" fill="hold">
-                      <p:stCondLst>
-                        <p:cond delay="indefinite"/>
-                      </p:stCondLst>
-                      <p:childTnLst>
-                        <p:par>
-                          <p:cTn id="16" fill="hold">
-                            <p:stCondLst>
-                              <p:cond delay="0"/>
-                            </p:stCondLst>
-                            <p:childTnLst>
-                              <p:par>
-                                <p:cTn id="17" presetID="2" presetClass="entr" presetSubtype="4" fill="hold" nodeType="clickEffect">
-                                  <p:stCondLst>
-                                    <p:cond delay="0"/>
-                                  </p:stCondLst>
-                                  <p:childTnLst>
-                                    <p:set>
-                                      <p:cBhvr>
-                                        <p:cTn id="18" dur="1" fill="hold">
-                                          <p:stCondLst>
-                                            <p:cond delay="0"/>
-                                          </p:stCondLst>
-                                        </p:cTn>
-                                        <p:tgtEl>
-                                          <p:spTgt spid="3">
-                                            <p:txEl>
-                                              <p:pRg st="2" end="2"/>
-                                            </p:txEl>
-                                          </p:spTgt>
-                                        </p:tgtEl>
-                                        <p:attrNameLst>
-                                          <p:attrName>style.visibility</p:attrName>
-                                        </p:attrNameLst>
-                                      </p:cBhvr>
-                                      <p:to>
-                                        <p:strVal val="visible"/>
-                                      </p:to>
-                                    </p:set>
-                                    <p:anim calcmode="lin" valueType="num">
-                                      <p:cBhvr additive="base">
-                                        <p:cTn id="19" dur="500" fill="hold"/>
-                                        <p:tgtEl>
-                                          <p:spTgt spid="3">
-                                            <p:txEl>
-                                              <p:pRg st="2" end="2"/>
-                                            </p:txEl>
-                                          </p:spTgt>
-                                        </p:tgtEl>
-                                        <p:attrNameLst>
-                                          <p:attrName>ppt_x</p:attrName>
-                                        </p:attrNameLst>
-                                      </p:cBhvr>
-                                      <p:tavLst>
-                                        <p:tav tm="0">
-                                          <p:val>
-                                            <p:strVal val="#ppt_x"/>
-                                          </p:val>
-                                        </p:tav>
-                                        <p:tav tm="100000">
-                                          <p:val>
-                                            <p:strVal val="#ppt_x"/>
-                                          </p:val>
-                                        </p:tav>
-                                      </p:tavLst>
-                                    </p:anim>
-                                    <p:anim calcmode="lin" valueType="num">
-                                      <p:cBhvr additive="base">
-                                        <p:cTn id="20" dur="500" fill="hold"/>
-                                        <p:tgtEl>
-                                          <p:spTgt spid="3">
-                                            <p:txEl>
-                                              <p:pRg st="2" end="2"/>
-                                            </p:txEl>
-                                          </p:spTgt>
-                                        </p:tgtEl>
-                                        <p:attrNameLst>
-                                          <p:attrName>ppt_y</p:attrName>
-                                        </p:attrNameLst>
-                                      </p:cBhvr>
-                                      <p:tavLst>
-                                        <p:tav tm="0">
-                                          <p:val>
-                                            <p:strVal val="1+#ppt_h/2"/>
-                                          </p:val>
-                                        </p:tav>
-                                        <p:tav tm="100000">
-                                          <p:val>
-                                            <p:strVal val="#ppt_y"/>
-                                          </p:val>
-                                        </p:tav>
-                                      </p:tavLst>
-                                    </p:anim>
-                                  </p:childTnLst>
-                                </p:cTn>
-                              </p:par>
-                            </p:childTnLst>
-                          </p:cTn>
-                        </p:par>
-                      </p:childTnLst>
-                    </p:cTn>
-                  </p:par>
-                  <p:par>
-                    <p:cTn id="21" fill="hold">
-                      <p:stCondLst>
-                        <p:cond delay="indefinite"/>
-                      </p:stCondLst>
-                      <p:childTnLst>
-                        <p:par>
-                          <p:cTn id="22" fill="hold">
-                            <p:stCondLst>
-                              <p:cond delay="0"/>
-                            </p:stCondLst>
-                            <p:childTnLst>
-                              <p:par>
-                                <p:cTn id="23" presetID="2" presetClass="entr" presetSubtype="4" fill="hold" nodeType="clickEffect">
-                                  <p:stCondLst>
-                                    <p:cond delay="0"/>
-                                  </p:stCondLst>
-                                  <p:childTnLst>
-                                    <p:set>
-                                      <p:cBhvr>
-                                        <p:cTn id="24" dur="1" fill="hold">
-                                          <p:stCondLst>
-                                            <p:cond delay="0"/>
-                                          </p:stCondLst>
-                                        </p:cTn>
-                                        <p:tgtEl>
-                                          <p:spTgt spid="3">
-                                            <p:txEl>
-                                              <p:pRg st="3" end="3"/>
-                                            </p:txEl>
-                                          </p:spTgt>
-                                        </p:tgtEl>
-                                        <p:attrNameLst>
-                                          <p:attrName>style.visibility</p:attrName>
-                                        </p:attrNameLst>
-                                      </p:cBhvr>
-                                      <p:to>
-                                        <p:strVal val="visible"/>
-                                      </p:to>
-                                    </p:set>
-                                    <p:anim calcmode="lin" valueType="num">
-                                      <p:cBhvr additive="base">
-                                        <p:cTn id="25" dur="500" fill="hold"/>
-                                        <p:tgtEl>
-                                          <p:spTgt spid="3">
-                                            <p:txEl>
-                                              <p:pRg st="3" end="3"/>
-                                            </p:txEl>
-                                          </p:spTgt>
-                                        </p:tgtEl>
-                                        <p:attrNameLst>
-                                          <p:attrName>ppt_x</p:attrName>
-                                        </p:attrNameLst>
-                                      </p:cBhvr>
-                                      <p:tavLst>
-                                        <p:tav tm="0">
-                                          <p:val>
-                                            <p:strVal val="#ppt_x"/>
-                                          </p:val>
-                                        </p:tav>
-                                        <p:tav tm="100000">
-                                          <p:val>
-                                            <p:strVal val="#ppt_x"/>
-                                          </p:val>
-                                        </p:tav>
-                                      </p:tavLst>
-                                    </p:anim>
-                                    <p:anim calcmode="lin" valueType="num">
-                                      <p:cBhvr additive="base">
-                                        <p:cTn id="26" dur="500" fill="hold"/>
-                                        <p:tgtEl>
-                                          <p:spTgt spid="3">
-                                            <p:txEl>
-                                              <p:pRg st="3" end="3"/>
-                                            </p:txEl>
-                                          </p:spTgt>
-                                        </p:tgtEl>
-                                        <p:attrNameLst>
-                                          <p:attrName>ppt_y</p:attrName>
-                                        </p:attrNameLst>
-                                      </p:cBhvr>
-                                      <p:tavLst>
-                                        <p:tav tm="0">
-                                          <p:val>
-                                            <p:strVal val="1+#ppt_h/2"/>
-                                          </p:val>
-                                        </p:tav>
-                                        <p:tav tm="100000">
-                                          <p:val>
-                                            <p:strVal val="#ppt_y"/>
-                                          </p:val>
-                                        </p:tav>
-                                      </p:tavLst>
-                                    </p:anim>
-                                  </p:childTnLst>
-                                </p:cTn>
-                              </p:par>
-                            </p:childTnLst>
-                          </p:cTn>
-                        </p:par>
-                      </p:childTnLst>
-                    </p:cTn>
-                  </p:par>
-                  <p:par>
-                    <p:cTn id="27" fill="hold">
-                      <p:stCondLst>
-                        <p:cond delay="indefinite"/>
-                      </p:stCondLst>
-                      <p:childTnLst>
-                        <p:par>
-                          <p:cTn id="28" fill="hold">
-                            <p:stCondLst>
-                              <p:cond delay="0"/>
-                            </p:stCondLst>
-                            <p:childTnLst>
-                              <p:par>
-                                <p:cTn id="29" presetID="2" presetClass="entr" presetSubtype="4" fill="hold" nodeType="clickEffect">
-                                  <p:stCondLst>
-                                    <p:cond delay="0"/>
-                                  </p:stCondLst>
-                                  <p:childTnLst>
-                                    <p:set>
-                                      <p:cBhvr>
-                                        <p:cTn id="30" dur="1" fill="hold">
-                                          <p:stCondLst>
-                                            <p:cond delay="0"/>
-                                          </p:stCondLst>
-                                        </p:cTn>
-                                        <p:tgtEl>
-                                          <p:spTgt spid="3">
-                                            <p:txEl>
-                                              <p:pRg st="4" end="4"/>
-                                            </p:txEl>
-                                          </p:spTgt>
-                                        </p:tgtEl>
-                                        <p:attrNameLst>
-                                          <p:attrName>style.visibility</p:attrName>
-                                        </p:attrNameLst>
-                                      </p:cBhvr>
-                                      <p:to>
-                                        <p:strVal val="visible"/>
-                                      </p:to>
-                                    </p:set>
-                                    <p:anim calcmode="lin" valueType="num">
-                                      <p:cBhvr additive="base">
-                                        <p:cTn id="31" dur="500" fill="hold"/>
-                                        <p:tgtEl>
-                                          <p:spTgt spid="3">
-                                            <p:txEl>
-                                              <p:pRg st="4" end="4"/>
-                                            </p:txEl>
-                                          </p:spTgt>
-                                        </p:tgtEl>
-                                        <p:attrNameLst>
-                                          <p:attrName>ppt_x</p:attrName>
-                                        </p:attrNameLst>
-                                      </p:cBhvr>
-                                      <p:tavLst>
-                                        <p:tav tm="0">
-                                          <p:val>
-                                            <p:strVal val="#ppt_x"/>
-                                          </p:val>
-                                        </p:tav>
-                                        <p:tav tm="100000">
-                                          <p:val>
-                                            <p:strVal val="#ppt_x"/>
-                                          </p:val>
-                                        </p:tav>
-                                      </p:tavLst>
-                                    </p:anim>
-                                    <p:anim calcmode="lin" valueType="num">
-                                      <p:cBhvr additive="base">
-                                        <p:cTn id="32" dur="500" fill="hold"/>
-                                        <p:tgtEl>
-                                          <p:spTgt spid="3">
-                                            <p:txEl>
-                                              <p:pRg st="4" end="4"/>
-                                            </p:txEl>
-                                          </p:spTgt>
-                                        </p:tgtEl>
-                                        <p:attrNameLst>
-                                          <p:attrName>ppt_y</p:attrName>
-                                        </p:attrNameLst>
-                                      </p:cBhvr>
-                                      <p:tavLst>
-                                        <p:tav tm="0">
-                                          <p:val>
-                                            <p:strVal val="1+#ppt_h/2"/>
-                                          </p:val>
-                                        </p:tav>
-                                        <p:tav tm="100000">
-                                          <p:val>
-                                            <p:strVal val="#ppt_y"/>
-                                          </p:val>
-                                        </p:tav>
-                                      </p:tavLst>
-                                    </p:anim>
-                                  </p:childTnLst>
-                                </p:cTn>
-                              </p:par>
-                            </p:childTnLst>
-                          </p:cTn>
-                        </p:par>
-                      </p:childTnLst>
-                    </p:cTn>
-                  </p:par>
-                </p:childTnLst>
-              </p:cTn>
-              <p:prevCondLst>
-                <p:cond evt="onPrev" delay="0">
-                  <p:tgtEl>
-                    <p:sldTgt/>
-                  </p:tgtEl>
-                </p:cond>
-              </p:prevCondLst>
-              <p:nextCondLst>
-                <p:cond evt="onNext" delay="0">
-                  <p:tgtEl>
-                    <p:sldTgt/>
-                  </p:tgtEl>
-                </p:cond>
-              </p:nextCondLst>
-            </p:seq>
-          </p:childTnLst>
-        </p:cTn>
-      </p:par>
-    </p:tnLst>
-  </p:timing>
-</p:sld>
-</file>
-
-<file path=ppt/slides/slide19.xml><?xml version="1.0" encoding="utf-8"?>
-<p:sld xmlns:a="http://schemas.openxmlformats.org/drawingml/2006/main" xmlns:r="http://schemas.openxmlformats.org/officeDocument/2006/relationships" xmlns:p="http://schemas.openxmlformats.org/presentationml/2006/main">
-  <p:cSld>
-    <p:spTree>
-      <p:nvGrpSpPr>
-        <p:cNvPr id="1" name=""/>
-        <p:cNvGrpSpPr/>
-        <p:nvPr/>
-      </p:nvGrpSpPr>
-      <p:grpSpPr>
-        <a:xfrm>
-          <a:off x="0" y="0"/>
-          <a:ext cx="0" cy="0"/>
-          <a:chOff x="0" y="0"/>
-          <a:chExt cx="0" cy="0"/>
-        </a:xfrm>
-      </p:grpSpPr>
-      <p:sp>
-        <p:nvSpPr>
-          <p:cNvPr id="2" name="标题 1"/>
-          <p:cNvSpPr>
-            <a:spLocks noGrp="1"/>
-          </p:cNvSpPr>
-          <p:nvPr>
-            <p:ph type="title"/>
-          </p:nvPr>
-        </p:nvSpPr>
-        <p:spPr/>
-        <p:txBody>
-          <a:bodyPr/>
-          <a:lstStyle/>
-          <a:p>
-            <a:r>
-              <a:rPr lang="zh-CN" altLang="en-US" dirty="0"/>
-              <a:t>将原因提炼为探测章程</a:t>
-            </a:r>
-          </a:p>
-        </p:txBody>
-      </p:sp>
-      <p:sp>
-        <p:nvSpPr>
-          <p:cNvPr id="3" name="内容占位符 2"/>
-          <p:cNvSpPr>
-            <a:spLocks noGrp="1"/>
-          </p:cNvSpPr>
-          <p:nvPr>
-            <p:ph idx="1"/>
-          </p:nvPr>
-        </p:nvSpPr>
-        <p:spPr/>
-        <p:txBody>
-          <a:bodyPr/>
-          <a:lstStyle/>
-          <a:p>
-            <a:r>
-              <a:rPr lang="zh-CN" altLang="en-US" dirty="0" smtClean="0"/>
-              <a:t>探索购物车和仓库系统之间的集成</a:t>
-            </a:r>
-            <a:endParaRPr lang="en-US" altLang="zh-CN" dirty="0" smtClean="0"/>
-          </a:p>
-          <a:p>
-            <a:r>
-              <a:rPr lang="zh-CN" altLang="en-US" dirty="0" smtClean="0"/>
-              <a:t>使用数量和商品的变化</a:t>
-            </a:r>
-            <a:endParaRPr lang="en-US" altLang="zh-CN" dirty="0" smtClean="0"/>
-          </a:p>
-          <a:p>
-            <a:r>
-              <a:rPr lang="zh-CN" altLang="en-US" dirty="0"/>
-              <a:t>以</a:t>
-            </a:r>
-            <a:r>
-              <a:rPr lang="zh-CN" altLang="en-US" dirty="0" smtClean="0"/>
-              <a:t>图发现可以导致订单履行出错的方法</a:t>
-            </a:r>
-            <a:endParaRPr lang="zh-CN" altLang="en-US" dirty="0"/>
-          </a:p>
-        </p:txBody>
-      </p:sp>
-    </p:spTree>
-    <p:extLst>
-      <p:ext uri="{BB962C8B-B14F-4D97-AF65-F5344CB8AC3E}">
-        <p14:creationId xmlns:p14="http://schemas.microsoft.com/office/powerpoint/2010/main" val="2653567069"/>
-      </p:ext>
-    </p:extLst>
-  </p:cSld>
-  <p:clrMapOvr>
-    <a:masterClrMapping/>
-  </p:clrMapOvr>
-  <p:timing>
-    <p:tnLst>
-      <p:par>
-        <p:cTn id="1" dur="indefinite" restart="never" nodeType="tmRoot">
-          <p:childTnLst>
-            <p:seq concurrent="1" nextAc="seek">
-              <p:cTn id="2" dur="indefinite" nodeType="mainSeq">
-                <p:childTnLst>
-                  <p:par>
-                    <p:cTn id="3" fill="hold">
-                      <p:stCondLst>
-                        <p:cond delay="indefinite"/>
-                      </p:stCondLst>
-                      <p:childTnLst>
-                        <p:par>
-                          <p:cTn id="4" fill="hold">
-                            <p:stCondLst>
-                              <p:cond delay="0"/>
-                            </p:stCondLst>
-                            <p:childTnLst>
-                              <p:par>
-                                <p:cTn id="5" presetID="2" presetClass="entr" presetSubtype="4" fill="hold" nodeType="clickEffect">
-                                  <p:stCondLst>
-                                    <p:cond delay="0"/>
-                                  </p:stCondLst>
-                                  <p:childTnLst>
-                                    <p:set>
-                                      <p:cBhvr>
-                                        <p:cTn id="6" dur="1" fill="hold">
-                                          <p:stCondLst>
-                                            <p:cond delay="0"/>
-                                          </p:stCondLst>
-                                        </p:cTn>
-                                        <p:tgtEl>
-                                          <p:spTgt spid="3">
-                                            <p:txEl>
-                                              <p:pRg st="0" end="0"/>
-                                            </p:txEl>
-                                          </p:spTgt>
-                                        </p:tgtEl>
-                                        <p:attrNameLst>
-                                          <p:attrName>style.visibility</p:attrName>
-                                        </p:attrNameLst>
-                                      </p:cBhvr>
-                                      <p:to>
-                                        <p:strVal val="visible"/>
-                                      </p:to>
-                                    </p:set>
-                                    <p:anim calcmode="lin" valueType="num">
-                                      <p:cBhvr additive="base">
-                                        <p:cTn id="7" dur="500" fill="hold"/>
-                                        <p:tgtEl>
-                                          <p:spTgt spid="3">
-                                            <p:txEl>
-                                              <p:pRg st="0" end="0"/>
-                                            </p:txEl>
-                                          </p:spTgt>
-                                        </p:tgtEl>
-                                        <p:attrNameLst>
-                                          <p:attrName>ppt_x</p:attrName>
-                                        </p:attrNameLst>
-                                      </p:cBhvr>
-                                      <p:tavLst>
-                                        <p:tav tm="0">
-                                          <p:val>
-                                            <p:strVal val="#ppt_x"/>
-                                          </p:val>
-                                        </p:tav>
-                                        <p:tav tm="100000">
-                                          <p:val>
-                                            <p:strVal val="#ppt_x"/>
-                                          </p:val>
-                                        </p:tav>
-                                      </p:tavLst>
-                                    </p:anim>
-                                    <p:anim calcmode="lin" valueType="num">
-                                      <p:cBhvr additive="base">
-                                        <p:cTn id="8" dur="500" fill="hold"/>
-                                        <p:tgtEl>
-                                          <p:spTgt spid="3">
-                                            <p:txEl>
-                                              <p:pRg st="0" end="0"/>
-                                            </p:txEl>
-                                          </p:spTgt>
-                                        </p:tgtEl>
-                                        <p:attrNameLst>
-                                          <p:attrName>ppt_y</p:attrName>
-                                        </p:attrNameLst>
-                                      </p:cBhvr>
-                                      <p:tavLst>
-                                        <p:tav tm="0">
-                                          <p:val>
-                                            <p:strVal val="1+#ppt_h/2"/>
-                                          </p:val>
-                                        </p:tav>
-                                        <p:tav tm="100000">
-                                          <p:val>
-                                            <p:strVal val="#ppt_y"/>
-                                          </p:val>
-                                        </p:tav>
-                                      </p:tavLst>
-                                    </p:anim>
-                                  </p:childTnLst>
-                                </p:cTn>
-                              </p:par>
-                            </p:childTnLst>
-                          </p:cTn>
-                        </p:par>
-                      </p:childTnLst>
-                    </p:cTn>
-                  </p:par>
-                  <p:par>
-                    <p:cTn id="9" fill="hold">
-                      <p:stCondLst>
-                        <p:cond delay="indefinite"/>
-                      </p:stCondLst>
-                      <p:childTnLst>
-                        <p:par>
-                          <p:cTn id="10" fill="hold">
-                            <p:stCondLst>
-                              <p:cond delay="0"/>
-                            </p:stCondLst>
-                            <p:childTnLst>
-                              <p:par>
-                                <p:cTn id="11" presetID="2" presetClass="entr" presetSubtype="4" fill="hold" nodeType="clickEffect">
-                                  <p:stCondLst>
-                                    <p:cond delay="0"/>
-                                  </p:stCondLst>
-                                  <p:childTnLst>
-                                    <p:set>
-                                      <p:cBhvr>
-                                        <p:cTn id="12" dur="1" fill="hold">
-                                          <p:stCondLst>
-                                            <p:cond delay="0"/>
-                                          </p:stCondLst>
-                                        </p:cTn>
-                                        <p:tgtEl>
-                                          <p:spTgt spid="3">
-                                            <p:txEl>
-                                              <p:pRg st="1" end="1"/>
-                                            </p:txEl>
-                                          </p:spTgt>
-                                        </p:tgtEl>
-                                        <p:attrNameLst>
-                                          <p:attrName>style.visibility</p:attrName>
-                                        </p:attrNameLst>
-                                      </p:cBhvr>
-                                      <p:to>
-                                        <p:strVal val="visible"/>
-                                      </p:to>
-                                    </p:set>
-                                    <p:anim calcmode="lin" valueType="num">
-                                      <p:cBhvr additive="base">
-                                        <p:cTn id="13" dur="500" fill="hold"/>
-                                        <p:tgtEl>
-                                          <p:spTgt spid="3">
-                                            <p:txEl>
-                                              <p:pRg st="1" end="1"/>
-                                            </p:txEl>
-                                          </p:spTgt>
-                                        </p:tgtEl>
-                                        <p:attrNameLst>
-                                          <p:attrName>ppt_x</p:attrName>
-                                        </p:attrNameLst>
-                                      </p:cBhvr>
-                                      <p:tavLst>
-                                        <p:tav tm="0">
-                                          <p:val>
-                                            <p:strVal val="#ppt_x"/>
-                                          </p:val>
-                                        </p:tav>
-                                        <p:tav tm="100000">
-                                          <p:val>
-                                            <p:strVal val="#ppt_x"/>
-                                          </p:val>
-                                        </p:tav>
-                                      </p:tavLst>
-                                    </p:anim>
-                                    <p:anim calcmode="lin" valueType="num">
-                                      <p:cBhvr additive="base">
-                                        <p:cTn id="14" dur="500" fill="hold"/>
-                                        <p:tgtEl>
-                                          <p:spTgt spid="3">
-                                            <p:txEl>
-                                              <p:pRg st="1" end="1"/>
-                                            </p:txEl>
-                                          </p:spTgt>
-                                        </p:tgtEl>
-                                        <p:attrNameLst>
-                                          <p:attrName>ppt_y</p:attrName>
-                                        </p:attrNameLst>
-                                      </p:cBhvr>
-                                      <p:tavLst>
-                                        <p:tav tm="0">
-                                          <p:val>
-                                            <p:strVal val="1+#ppt_h/2"/>
-                                          </p:val>
-                                        </p:tav>
-                                        <p:tav tm="100000">
-                                          <p:val>
-                                            <p:strVal val="#ppt_y"/>
-                                          </p:val>
-                                        </p:tav>
-                                      </p:tavLst>
-                                    </p:anim>
-                                  </p:childTnLst>
-                                </p:cTn>
-                              </p:par>
-                            </p:childTnLst>
-                          </p:cTn>
-                        </p:par>
-                      </p:childTnLst>
-                    </p:cTn>
-                  </p:par>
-                  <p:par>
-                    <p:cTn id="15" fill="hold">
-                      <p:stCondLst>
-                        <p:cond delay="indefinite"/>
-                      </p:stCondLst>
-                      <p:childTnLst>
-                        <p:par>
-                          <p:cTn id="16" fill="hold">
-                            <p:stCondLst>
-                              <p:cond delay="0"/>
-                            </p:stCondLst>
-                            <p:childTnLst>
-                              <p:par>
-                                <p:cTn id="17" presetID="2" presetClass="entr" presetSubtype="4" fill="hold" nodeType="clickEffect">
-                                  <p:stCondLst>
-                                    <p:cond delay="0"/>
-                                  </p:stCondLst>
-                                  <p:childTnLst>
-                                    <p:set>
-                                      <p:cBhvr>
-                                        <p:cTn id="18" dur="1" fill="hold">
-                                          <p:stCondLst>
-                                            <p:cond delay="0"/>
-                                          </p:stCondLst>
-                                        </p:cTn>
-                                        <p:tgtEl>
-                                          <p:spTgt spid="3">
-                                            <p:txEl>
-                                              <p:pRg st="2" end="2"/>
-                                            </p:txEl>
-                                          </p:spTgt>
-                                        </p:tgtEl>
-                                        <p:attrNameLst>
-                                          <p:attrName>style.visibility</p:attrName>
-                                        </p:attrNameLst>
-                                      </p:cBhvr>
-                                      <p:to>
-                                        <p:strVal val="visible"/>
-                                      </p:to>
-                                    </p:set>
-                                    <p:anim calcmode="lin" valueType="num">
-                                      <p:cBhvr additive="base">
-                                        <p:cTn id="19" dur="500" fill="hold"/>
-                                        <p:tgtEl>
-                                          <p:spTgt spid="3">
-                                            <p:txEl>
-                                              <p:pRg st="2" end="2"/>
-                                            </p:txEl>
-                                          </p:spTgt>
-                                        </p:tgtEl>
-                                        <p:attrNameLst>
-                                          <p:attrName>ppt_x</p:attrName>
-                                        </p:attrNameLst>
-                                      </p:cBhvr>
-                                      <p:tavLst>
-                                        <p:tav tm="0">
-                                          <p:val>
-                                            <p:strVal val="#ppt_x"/>
-                                          </p:val>
-                                        </p:tav>
-                                        <p:tav tm="100000">
-                                          <p:val>
-                                            <p:strVal val="#ppt_x"/>
-                                          </p:val>
-                                        </p:tav>
-                                      </p:tavLst>
-                                    </p:anim>
-                                    <p:anim calcmode="lin" valueType="num">
-                                      <p:cBhvr additive="base">
-                                        <p:cTn id="20" dur="500" fill="hold"/>
-                                        <p:tgtEl>
-                                          <p:spTgt spid="3">
-                                            <p:txEl>
-                                              <p:pRg st="2" end="2"/>
                                             </p:txEl>
                                           </p:spTgt>
                                         </p:tgtEl>
@@ -9527,22 +9779,16 @@
             <p:ph type="title"/>
           </p:nvPr>
         </p:nvSpPr>
-        <p:spPr>
-          <a:xfrm>
-            <a:off x="2086591" y="0"/>
-            <a:ext cx="6591300" cy="892175"/>
-          </a:xfrm>
-        </p:spPr>
+        <p:spPr/>
         <p:txBody>
           <a:bodyPr/>
           <a:lstStyle/>
           <a:p>
-            <a:pPr algn="ctr"/>
-            <a:r>
-              <a:rPr lang="zh-CN" altLang="en-US" dirty="0" smtClean="0"/>
-              <a:t>目 录</a:t>
-            </a:r>
-            <a:endParaRPr lang="zh-CN" altLang="en-US" dirty="0"/>
+            <a:r>
+              <a:rPr lang="zh-CN" altLang="en-US" smtClean="0"/>
+              <a:t>参考书籍</a:t>
+            </a:r>
+            <a:endParaRPr lang="zh-CN" altLang="en-US"/>
           </a:p>
         </p:txBody>
       </p:sp>
@@ -9561,42 +9807,74 @@
           <a:bodyPr/>
           <a:lstStyle/>
           <a:p>
-            <a:r>
-              <a:rPr lang="zh-CN" altLang="en-US" dirty="0" smtClean="0"/>
-              <a:t>什么是探索式软件测试</a:t>
-            </a:r>
-            <a:endParaRPr lang="en-US" altLang="zh-CN" dirty="0" smtClean="0"/>
-          </a:p>
-          <a:p>
-            <a:r>
-              <a:rPr lang="zh-CN" altLang="en-US" dirty="0" smtClean="0"/>
-              <a:t>为什么进行探索式软件测试</a:t>
-            </a:r>
-            <a:endParaRPr lang="en-US" altLang="zh-CN" dirty="0" smtClean="0"/>
-          </a:p>
-          <a:p>
-            <a:r>
-              <a:rPr lang="zh-CN" altLang="en-US" dirty="0"/>
-              <a:t>探索</a:t>
-            </a:r>
-            <a:r>
-              <a:rPr lang="zh-CN" altLang="en-US" dirty="0" smtClean="0"/>
-              <a:t>式软件测试需遵循的章程</a:t>
-            </a:r>
             <a:endParaRPr lang="zh-CN" altLang="en-US" dirty="0"/>
           </a:p>
         </p:txBody>
       </p:sp>
+      <p:pic>
+        <p:nvPicPr>
+          <p:cNvPr id="4" name="图片 3"/>
+          <p:cNvPicPr>
+            <a:picLocks noChangeAspect="1"/>
+          </p:cNvPicPr>
+          <p:nvPr/>
+        </p:nvPicPr>
+        <p:blipFill rotWithShape="1">
+          <a:blip r:embed="rId2"/>
+          <a:srcRect l="4080" t="2456" r="5955" b="1549"/>
+          <a:stretch/>
+        </p:blipFill>
+        <p:spPr>
+          <a:xfrm>
+            <a:off x="939800" y="1016000"/>
+            <a:ext cx="3657600" cy="5384800"/>
+          </a:xfrm>
+          <a:prstGeom prst="rect">
+            <a:avLst/>
+          </a:prstGeom>
+        </p:spPr>
+      </p:pic>
+      <p:pic>
+        <p:nvPicPr>
+          <p:cNvPr id="5" name="图片 4"/>
+          <p:cNvPicPr>
+            <a:picLocks noChangeAspect="1"/>
+          </p:cNvPicPr>
+          <p:nvPr/>
+        </p:nvPicPr>
+        <p:blipFill>
+          <a:blip r:embed="rId3"/>
+          <a:stretch>
+            <a:fillRect/>
+          </a:stretch>
+        </p:blipFill>
+        <p:spPr>
+          <a:xfrm>
+            <a:off x="5346699" y="920797"/>
+            <a:ext cx="4597402" cy="5575206"/>
+          </a:xfrm>
+          <a:prstGeom prst="rect">
+            <a:avLst/>
+          </a:prstGeom>
+        </p:spPr>
+      </p:pic>
     </p:spTree>
     <p:extLst>
       <p:ext uri="{BB962C8B-B14F-4D97-AF65-F5344CB8AC3E}">
-        <p14:creationId xmlns:p14="http://schemas.microsoft.com/office/powerpoint/2010/main" val="2560235146"/>
+        <p14:creationId xmlns:p14="http://schemas.microsoft.com/office/powerpoint/2010/main" val="918339730"/>
       </p:ext>
     </p:extLst>
   </p:cSld>
   <p:clrMapOvr>
     <a:masterClrMapping/>
   </p:clrMapOvr>
+  <p:timing>
+    <p:tnLst>
+      <p:par>
+        <p:cTn id="1" dur="indefinite" restart="never" nodeType="tmRoot"/>
+      </p:par>
+    </p:tnLst>
+  </p:timing>
 </p:sld>
 </file>
 
@@ -9629,13 +9907,34 @@
         </p:nvSpPr>
         <p:spPr/>
         <p:txBody>
-          <a:bodyPr/>
+          <a:bodyPr>
+            <a:normAutofit fontScale="90000"/>
+          </a:bodyPr>
           <a:lstStyle/>
           <a:p>
             <a:r>
+              <a:rPr lang="en-US" altLang="zh-CN" dirty="0" smtClean="0"/>
+              <a:t/>
+            </a:r>
+            <a:br>
+              <a:rPr lang="en-US" altLang="zh-CN" dirty="0" smtClean="0"/>
+            </a:br>
+            <a:r>
+              <a:rPr lang="zh-CN" altLang="en-US" dirty="0" smtClean="0"/>
+              <a:t>将</a:t>
+            </a:r>
+            <a:r>
               <a:rPr lang="zh-CN" altLang="en-US" dirty="0"/>
-              <a:t>总结</a:t>
-            </a:r>
+              <a:t>原因提炼为探测章程</a:t>
+            </a:r>
+            <a:r>
+              <a:rPr lang="en-US" altLang="zh-CN" dirty="0"/>
+              <a:t/>
+            </a:r>
+            <a:br>
+              <a:rPr lang="en-US" altLang="zh-CN" dirty="0"/>
+            </a:br>
+            <a:endParaRPr lang="zh-CN" altLang="en-US" dirty="0"/>
           </a:p>
         </p:txBody>
       </p:sp>
@@ -9651,85 +9950,46 @@
         </p:nvSpPr>
         <p:spPr/>
         <p:txBody>
-          <a:bodyPr>
-            <a:normAutofit fontScale="92500" lnSpcReduction="20000"/>
-          </a:bodyPr>
+          <a:bodyPr/>
           <a:lstStyle/>
           <a:p>
             <a:r>
               <a:rPr lang="zh-CN" altLang="en-US" dirty="0" smtClean="0"/>
-              <a:t>探索式测试的定义</a:t>
+              <a:t>探索修改数量</a:t>
             </a:r>
             <a:endParaRPr lang="en-US" altLang="zh-CN" dirty="0" smtClean="0"/>
           </a:p>
           <a:p>
             <a:r>
               <a:rPr lang="zh-CN" altLang="en-US" dirty="0" smtClean="0"/>
-              <a:t>为什么进行探索式定义</a:t>
+              <a:t>使用输入数据的变化</a:t>
             </a:r>
             <a:endParaRPr lang="en-US" altLang="zh-CN" dirty="0" smtClean="0"/>
           </a:p>
           <a:p>
             <a:r>
+              <a:rPr lang="zh-CN" altLang="en-US" dirty="0" smtClean="0"/>
+              <a:t>探索采购操作流</a:t>
+            </a:r>
+            <a:endParaRPr lang="en-US" altLang="zh-CN" dirty="0" smtClean="0"/>
+          </a:p>
+          <a:p>
+            <a:r>
+              <a:rPr lang="zh-CN" altLang="en-US" dirty="0" smtClean="0"/>
+              <a:t>使用浏览器动作，例如刷新、返回、书签以及表单提交</a:t>
+            </a:r>
+            <a:endParaRPr lang="en-US" altLang="zh-CN" dirty="0" smtClean="0"/>
+          </a:p>
+          <a:p>
+            <a:r>
               <a:rPr lang="zh-CN" altLang="en-US" dirty="0"/>
-              <a:t>探索</a:t>
+              <a:t>以</a:t>
             </a:r>
             <a:r>
               <a:rPr lang="zh-CN" altLang="en-US" dirty="0" smtClean="0"/>
-              <a:t>式测试章程</a:t>
+              <a:t>图发现可以导致不经意间订购的方法</a:t>
             </a:r>
             <a:endParaRPr lang="en-US" altLang="zh-CN" dirty="0" smtClean="0"/>
-          </a:p>
-          <a:p>
-            <a:pPr lvl="1"/>
-            <a:r>
-              <a:rPr lang="zh-CN" altLang="en-US" dirty="0" smtClean="0"/>
-              <a:t>简单</a:t>
-            </a:r>
-            <a:endParaRPr lang="en-US" altLang="zh-CN" dirty="0" smtClean="0"/>
-          </a:p>
-          <a:p>
-            <a:pPr lvl="1"/>
-            <a:r>
-              <a:rPr lang="zh-CN" altLang="en-US" dirty="0"/>
-              <a:t>优质</a:t>
-            </a:r>
-            <a:endParaRPr lang="en-US" altLang="zh-CN" dirty="0" smtClean="0"/>
-          </a:p>
-          <a:p>
-            <a:r>
-              <a:rPr lang="zh-CN" altLang="en-US" dirty="0"/>
-              <a:t>产生探索章程的</a:t>
-            </a:r>
-            <a:r>
-              <a:rPr lang="zh-CN" altLang="en-US" dirty="0" smtClean="0"/>
-              <a:t>方法</a:t>
-            </a:r>
-            <a:endParaRPr lang="en-US" altLang="zh-CN" dirty="0" smtClean="0"/>
-          </a:p>
-          <a:p>
-            <a:pPr lvl="1"/>
-            <a:r>
-              <a:rPr lang="zh-CN" altLang="en-US" dirty="0"/>
-              <a:t>探讨产生</a:t>
-            </a:r>
-            <a:endParaRPr lang="en-US" altLang="zh-CN" dirty="0"/>
-          </a:p>
-          <a:p>
-            <a:pPr lvl="1"/>
-            <a:r>
-              <a:rPr lang="zh-CN" altLang="en-US" dirty="0"/>
-              <a:t>将原因提炼为探测章程</a:t>
-            </a:r>
-            <a:endParaRPr lang="en-US" altLang="zh-CN" dirty="0"/>
-          </a:p>
-          <a:p>
-            <a:pPr lvl="1"/>
-            <a:endParaRPr lang="en-US" altLang="zh-CN" dirty="0" smtClean="0"/>
-          </a:p>
-          <a:p>
-            <a:pPr lvl="1"/>
-            <a:endParaRPr lang="en-US" altLang="zh-CN" dirty="0"/>
           </a:p>
           <a:p>
             <a:endParaRPr lang="en-US" altLang="zh-CN" dirty="0" smtClean="0"/>
@@ -9742,7 +10002,7 @@
     </p:spTree>
     <p:extLst>
       <p:ext uri="{BB962C8B-B14F-4D97-AF65-F5344CB8AC3E}">
-        <p14:creationId xmlns:p14="http://schemas.microsoft.com/office/powerpoint/2010/main" val="2650702154"/>
+        <p14:creationId xmlns:p14="http://schemas.microsoft.com/office/powerpoint/2010/main" val="4274355749"/>
       </p:ext>
     </p:extLst>
   </p:cSld>
@@ -10243,315 +10503,6 @@
                                           <p:spTgt spid="3">
                                             <p:txEl>
                                               <p:pRg st="4" end="4"/>
-                                            </p:txEl>
-                                          </p:spTgt>
-                                        </p:tgtEl>
-                                        <p:attrNameLst>
-                                          <p:attrName>ppt_y</p:attrName>
-                                        </p:attrNameLst>
-                                      </p:cBhvr>
-                                      <p:tavLst>
-                                        <p:tav tm="0">
-                                          <p:val>
-                                            <p:strVal val="1+#ppt_h/2"/>
-                                          </p:val>
-                                        </p:tav>
-                                        <p:tav tm="100000">
-                                          <p:val>
-                                            <p:strVal val="#ppt_y"/>
-                                          </p:val>
-                                        </p:tav>
-                                      </p:tavLst>
-                                    </p:anim>
-                                  </p:childTnLst>
-                                </p:cTn>
-                              </p:par>
-                            </p:childTnLst>
-                          </p:cTn>
-                        </p:par>
-                      </p:childTnLst>
-                    </p:cTn>
-                  </p:par>
-                  <p:par>
-                    <p:cTn id="33" fill="hold">
-                      <p:stCondLst>
-                        <p:cond delay="indefinite"/>
-                      </p:stCondLst>
-                      <p:childTnLst>
-                        <p:par>
-                          <p:cTn id="34" fill="hold">
-                            <p:stCondLst>
-                              <p:cond delay="0"/>
-                            </p:stCondLst>
-                            <p:childTnLst>
-                              <p:par>
-                                <p:cTn id="35" presetID="2" presetClass="entr" presetSubtype="4" fill="hold" nodeType="clickEffect">
-                                  <p:stCondLst>
-                                    <p:cond delay="0"/>
-                                  </p:stCondLst>
-                                  <p:childTnLst>
-                                    <p:set>
-                                      <p:cBhvr>
-                                        <p:cTn id="36" dur="1" fill="hold">
-                                          <p:stCondLst>
-                                            <p:cond delay="0"/>
-                                          </p:stCondLst>
-                                        </p:cTn>
-                                        <p:tgtEl>
-                                          <p:spTgt spid="3">
-                                            <p:txEl>
-                                              <p:pRg st="5" end="5"/>
-                                            </p:txEl>
-                                          </p:spTgt>
-                                        </p:tgtEl>
-                                        <p:attrNameLst>
-                                          <p:attrName>style.visibility</p:attrName>
-                                        </p:attrNameLst>
-                                      </p:cBhvr>
-                                      <p:to>
-                                        <p:strVal val="visible"/>
-                                      </p:to>
-                                    </p:set>
-                                    <p:anim calcmode="lin" valueType="num">
-                                      <p:cBhvr additive="base">
-                                        <p:cTn id="37" dur="500" fill="hold"/>
-                                        <p:tgtEl>
-                                          <p:spTgt spid="3">
-                                            <p:txEl>
-                                              <p:pRg st="5" end="5"/>
-                                            </p:txEl>
-                                          </p:spTgt>
-                                        </p:tgtEl>
-                                        <p:attrNameLst>
-                                          <p:attrName>ppt_x</p:attrName>
-                                        </p:attrNameLst>
-                                      </p:cBhvr>
-                                      <p:tavLst>
-                                        <p:tav tm="0">
-                                          <p:val>
-                                            <p:strVal val="#ppt_x"/>
-                                          </p:val>
-                                        </p:tav>
-                                        <p:tav tm="100000">
-                                          <p:val>
-                                            <p:strVal val="#ppt_x"/>
-                                          </p:val>
-                                        </p:tav>
-                                      </p:tavLst>
-                                    </p:anim>
-                                    <p:anim calcmode="lin" valueType="num">
-                                      <p:cBhvr additive="base">
-                                        <p:cTn id="38" dur="500" fill="hold"/>
-                                        <p:tgtEl>
-                                          <p:spTgt spid="3">
-                                            <p:txEl>
-                                              <p:pRg st="5" end="5"/>
-                                            </p:txEl>
-                                          </p:spTgt>
-                                        </p:tgtEl>
-                                        <p:attrNameLst>
-                                          <p:attrName>ppt_y</p:attrName>
-                                        </p:attrNameLst>
-                                      </p:cBhvr>
-                                      <p:tavLst>
-                                        <p:tav tm="0">
-                                          <p:val>
-                                            <p:strVal val="1+#ppt_h/2"/>
-                                          </p:val>
-                                        </p:tav>
-                                        <p:tav tm="100000">
-                                          <p:val>
-                                            <p:strVal val="#ppt_y"/>
-                                          </p:val>
-                                        </p:tav>
-                                      </p:tavLst>
-                                    </p:anim>
-                                  </p:childTnLst>
-                                </p:cTn>
-                              </p:par>
-                            </p:childTnLst>
-                          </p:cTn>
-                        </p:par>
-                      </p:childTnLst>
-                    </p:cTn>
-                  </p:par>
-                  <p:par>
-                    <p:cTn id="39" fill="hold">
-                      <p:stCondLst>
-                        <p:cond delay="indefinite"/>
-                      </p:stCondLst>
-                      <p:childTnLst>
-                        <p:par>
-                          <p:cTn id="40" fill="hold">
-                            <p:stCondLst>
-                              <p:cond delay="0"/>
-                            </p:stCondLst>
-                            <p:childTnLst>
-                              <p:par>
-                                <p:cTn id="41" presetID="2" presetClass="entr" presetSubtype="4" fill="hold" nodeType="clickEffect">
-                                  <p:stCondLst>
-                                    <p:cond delay="0"/>
-                                  </p:stCondLst>
-                                  <p:childTnLst>
-                                    <p:set>
-                                      <p:cBhvr>
-                                        <p:cTn id="42" dur="1" fill="hold">
-                                          <p:stCondLst>
-                                            <p:cond delay="0"/>
-                                          </p:stCondLst>
-                                        </p:cTn>
-                                        <p:tgtEl>
-                                          <p:spTgt spid="3">
-                                            <p:txEl>
-                                              <p:pRg st="6" end="6"/>
-                                            </p:txEl>
-                                          </p:spTgt>
-                                        </p:tgtEl>
-                                        <p:attrNameLst>
-                                          <p:attrName>style.visibility</p:attrName>
-                                        </p:attrNameLst>
-                                      </p:cBhvr>
-                                      <p:to>
-                                        <p:strVal val="visible"/>
-                                      </p:to>
-                                    </p:set>
-                                    <p:anim calcmode="lin" valueType="num">
-                                      <p:cBhvr additive="base">
-                                        <p:cTn id="43" dur="500" fill="hold"/>
-                                        <p:tgtEl>
-                                          <p:spTgt spid="3">
-                                            <p:txEl>
-                                              <p:pRg st="6" end="6"/>
-                                            </p:txEl>
-                                          </p:spTgt>
-                                        </p:tgtEl>
-                                        <p:attrNameLst>
-                                          <p:attrName>ppt_x</p:attrName>
-                                        </p:attrNameLst>
-                                      </p:cBhvr>
-                                      <p:tavLst>
-                                        <p:tav tm="0">
-                                          <p:val>
-                                            <p:strVal val="#ppt_x"/>
-                                          </p:val>
-                                        </p:tav>
-                                        <p:tav tm="100000">
-                                          <p:val>
-                                            <p:strVal val="#ppt_x"/>
-                                          </p:val>
-                                        </p:tav>
-                                      </p:tavLst>
-                                    </p:anim>
-                                    <p:anim calcmode="lin" valueType="num">
-                                      <p:cBhvr additive="base">
-                                        <p:cTn id="44" dur="500" fill="hold"/>
-                                        <p:tgtEl>
-                                          <p:spTgt spid="3">
-                                            <p:txEl>
-                                              <p:pRg st="6" end="6"/>
-                                            </p:txEl>
-                                          </p:spTgt>
-                                        </p:tgtEl>
-                                        <p:attrNameLst>
-                                          <p:attrName>ppt_y</p:attrName>
-                                        </p:attrNameLst>
-                                      </p:cBhvr>
-                                      <p:tavLst>
-                                        <p:tav tm="0">
-                                          <p:val>
-                                            <p:strVal val="1+#ppt_h/2"/>
-                                          </p:val>
-                                        </p:tav>
-                                        <p:tav tm="100000">
-                                          <p:val>
-                                            <p:strVal val="#ppt_y"/>
-                                          </p:val>
-                                        </p:tav>
-                                      </p:tavLst>
-                                    </p:anim>
-                                  </p:childTnLst>
-                                </p:cTn>
-                              </p:par>
-                            </p:childTnLst>
-                          </p:cTn>
-                        </p:par>
-                      </p:childTnLst>
-                    </p:cTn>
-                  </p:par>
-                  <p:par>
-                    <p:cTn id="45" fill="hold">
-                      <p:stCondLst>
-                        <p:cond delay="indefinite"/>
-                      </p:stCondLst>
-                      <p:childTnLst>
-                        <p:par>
-                          <p:cTn id="46" fill="hold">
-                            <p:stCondLst>
-                              <p:cond delay="0"/>
-                            </p:stCondLst>
-                            <p:childTnLst>
-                              <p:par>
-                                <p:cTn id="47" presetID="2" presetClass="entr" presetSubtype="4" fill="hold" nodeType="clickEffect">
-                                  <p:stCondLst>
-                                    <p:cond delay="0"/>
-                                  </p:stCondLst>
-                                  <p:childTnLst>
-                                    <p:set>
-                                      <p:cBhvr>
-                                        <p:cTn id="48" dur="1" fill="hold">
-                                          <p:stCondLst>
-                                            <p:cond delay="0"/>
-                                          </p:stCondLst>
-                                        </p:cTn>
-                                        <p:tgtEl>
-                                          <p:spTgt spid="3">
-                                            <p:txEl>
-                                              <p:pRg st="7" end="7"/>
-                                            </p:txEl>
-                                          </p:spTgt>
-                                        </p:tgtEl>
-                                        <p:attrNameLst>
-                                          <p:attrName>style.visibility</p:attrName>
-                                        </p:attrNameLst>
-                                      </p:cBhvr>
-                                      <p:to>
-                                        <p:strVal val="visible"/>
-                                      </p:to>
-                                    </p:set>
-                                    <p:anim calcmode="lin" valueType="num">
-                                      <p:cBhvr additive="base">
-                                        <p:cTn id="49" dur="500" fill="hold"/>
-                                        <p:tgtEl>
-                                          <p:spTgt spid="3">
-                                            <p:txEl>
-                                              <p:pRg st="7" end="7"/>
-                                            </p:txEl>
-                                          </p:spTgt>
-                                        </p:tgtEl>
-                                        <p:attrNameLst>
-                                          <p:attrName>ppt_x</p:attrName>
-                                        </p:attrNameLst>
-                                      </p:cBhvr>
-                                      <p:tavLst>
-                                        <p:tav tm="0">
-                                          <p:val>
-                                            <p:strVal val="#ppt_x"/>
-                                          </p:val>
-                                        </p:tav>
-                                        <p:tav tm="100000">
-                                          <p:val>
-                                            <p:strVal val="#ppt_x"/>
-                                          </p:val>
-                                        </p:tav>
-                                      </p:tavLst>
-                                    </p:anim>
-                                    <p:anim calcmode="lin" valueType="num">
-                                      <p:cBhvr additive="base">
-                                        <p:cTn id="50" dur="500" fill="hold"/>
-                                        <p:tgtEl>
-                                          <p:spTgt spid="3">
-                                            <p:txEl>
-                                              <p:pRg st="7" end="7"/>
                                             </p:txEl>
                                           </p:spTgt>
                                         </p:tgtEl>
@@ -10625,6 +10576,1444 @@
       </p:grpSpPr>
       <p:sp>
         <p:nvSpPr>
+          <p:cNvPr id="2" name="标题 1"/>
+          <p:cNvSpPr>
+            <a:spLocks noGrp="1"/>
+          </p:cNvSpPr>
+          <p:nvPr>
+            <p:ph type="title"/>
+          </p:nvPr>
+        </p:nvSpPr>
+        <p:spPr/>
+        <p:txBody>
+          <a:bodyPr/>
+          <a:lstStyle/>
+          <a:p>
+            <a:r>
+              <a:rPr lang="zh-CN" altLang="en-US" dirty="0"/>
+              <a:t>将原因提炼为探测章程</a:t>
+            </a:r>
+          </a:p>
+        </p:txBody>
+      </p:sp>
+      <p:sp>
+        <p:nvSpPr>
+          <p:cNvPr id="3" name="内容占位符 2"/>
+          <p:cNvSpPr>
+            <a:spLocks noGrp="1"/>
+          </p:cNvSpPr>
+          <p:nvPr>
+            <p:ph idx="1"/>
+          </p:nvPr>
+        </p:nvSpPr>
+        <p:spPr/>
+        <p:txBody>
+          <a:bodyPr/>
+          <a:lstStyle/>
+          <a:p>
+            <a:r>
+              <a:rPr lang="zh-CN" altLang="en-US" dirty="0" smtClean="0"/>
+              <a:t>探索购物车和仓库系统之间的集成</a:t>
+            </a:r>
+            <a:endParaRPr lang="en-US" altLang="zh-CN" dirty="0" smtClean="0"/>
+          </a:p>
+          <a:p>
+            <a:r>
+              <a:rPr lang="zh-CN" altLang="en-US" dirty="0" smtClean="0"/>
+              <a:t>使用数量和商品的变化</a:t>
+            </a:r>
+            <a:endParaRPr lang="en-US" altLang="zh-CN" dirty="0" smtClean="0"/>
+          </a:p>
+          <a:p>
+            <a:r>
+              <a:rPr lang="zh-CN" altLang="en-US" dirty="0"/>
+              <a:t>以</a:t>
+            </a:r>
+            <a:r>
+              <a:rPr lang="zh-CN" altLang="en-US" dirty="0" smtClean="0"/>
+              <a:t>图发现可以导致订单履行出错的方法</a:t>
+            </a:r>
+            <a:endParaRPr lang="zh-CN" altLang="en-US" dirty="0"/>
+          </a:p>
+        </p:txBody>
+      </p:sp>
+    </p:spTree>
+    <p:extLst>
+      <p:ext uri="{BB962C8B-B14F-4D97-AF65-F5344CB8AC3E}">
+        <p14:creationId xmlns:p14="http://schemas.microsoft.com/office/powerpoint/2010/main" val="2653567069"/>
+      </p:ext>
+    </p:extLst>
+  </p:cSld>
+  <p:clrMapOvr>
+    <a:masterClrMapping/>
+  </p:clrMapOvr>
+  <p:timing>
+    <p:tnLst>
+      <p:par>
+        <p:cTn id="1" dur="indefinite" restart="never" nodeType="tmRoot">
+          <p:childTnLst>
+            <p:seq concurrent="1" nextAc="seek">
+              <p:cTn id="2" dur="indefinite" nodeType="mainSeq">
+                <p:childTnLst>
+                  <p:par>
+                    <p:cTn id="3" fill="hold">
+                      <p:stCondLst>
+                        <p:cond delay="indefinite"/>
+                      </p:stCondLst>
+                      <p:childTnLst>
+                        <p:par>
+                          <p:cTn id="4" fill="hold">
+                            <p:stCondLst>
+                              <p:cond delay="0"/>
+                            </p:stCondLst>
+                            <p:childTnLst>
+                              <p:par>
+                                <p:cTn id="5" presetID="2" presetClass="entr" presetSubtype="4" fill="hold" nodeType="clickEffect">
+                                  <p:stCondLst>
+                                    <p:cond delay="0"/>
+                                  </p:stCondLst>
+                                  <p:childTnLst>
+                                    <p:set>
+                                      <p:cBhvr>
+                                        <p:cTn id="6" dur="1" fill="hold">
+                                          <p:stCondLst>
+                                            <p:cond delay="0"/>
+                                          </p:stCondLst>
+                                        </p:cTn>
+                                        <p:tgtEl>
+                                          <p:spTgt spid="3">
+                                            <p:txEl>
+                                              <p:pRg st="0" end="0"/>
+                                            </p:txEl>
+                                          </p:spTgt>
+                                        </p:tgtEl>
+                                        <p:attrNameLst>
+                                          <p:attrName>style.visibility</p:attrName>
+                                        </p:attrNameLst>
+                                      </p:cBhvr>
+                                      <p:to>
+                                        <p:strVal val="visible"/>
+                                      </p:to>
+                                    </p:set>
+                                    <p:anim calcmode="lin" valueType="num">
+                                      <p:cBhvr additive="base">
+                                        <p:cTn id="7" dur="500" fill="hold"/>
+                                        <p:tgtEl>
+                                          <p:spTgt spid="3">
+                                            <p:txEl>
+                                              <p:pRg st="0" end="0"/>
+                                            </p:txEl>
+                                          </p:spTgt>
+                                        </p:tgtEl>
+                                        <p:attrNameLst>
+                                          <p:attrName>ppt_x</p:attrName>
+                                        </p:attrNameLst>
+                                      </p:cBhvr>
+                                      <p:tavLst>
+                                        <p:tav tm="0">
+                                          <p:val>
+                                            <p:strVal val="#ppt_x"/>
+                                          </p:val>
+                                        </p:tav>
+                                        <p:tav tm="100000">
+                                          <p:val>
+                                            <p:strVal val="#ppt_x"/>
+                                          </p:val>
+                                        </p:tav>
+                                      </p:tavLst>
+                                    </p:anim>
+                                    <p:anim calcmode="lin" valueType="num">
+                                      <p:cBhvr additive="base">
+                                        <p:cTn id="8" dur="500" fill="hold"/>
+                                        <p:tgtEl>
+                                          <p:spTgt spid="3">
+                                            <p:txEl>
+                                              <p:pRg st="0" end="0"/>
+                                            </p:txEl>
+                                          </p:spTgt>
+                                        </p:tgtEl>
+                                        <p:attrNameLst>
+                                          <p:attrName>ppt_y</p:attrName>
+                                        </p:attrNameLst>
+                                      </p:cBhvr>
+                                      <p:tavLst>
+                                        <p:tav tm="0">
+                                          <p:val>
+                                            <p:strVal val="1+#ppt_h/2"/>
+                                          </p:val>
+                                        </p:tav>
+                                        <p:tav tm="100000">
+                                          <p:val>
+                                            <p:strVal val="#ppt_y"/>
+                                          </p:val>
+                                        </p:tav>
+                                      </p:tavLst>
+                                    </p:anim>
+                                  </p:childTnLst>
+                                </p:cTn>
+                              </p:par>
+                            </p:childTnLst>
+                          </p:cTn>
+                        </p:par>
+                      </p:childTnLst>
+                    </p:cTn>
+                  </p:par>
+                  <p:par>
+                    <p:cTn id="9" fill="hold">
+                      <p:stCondLst>
+                        <p:cond delay="indefinite"/>
+                      </p:stCondLst>
+                      <p:childTnLst>
+                        <p:par>
+                          <p:cTn id="10" fill="hold">
+                            <p:stCondLst>
+                              <p:cond delay="0"/>
+                            </p:stCondLst>
+                            <p:childTnLst>
+                              <p:par>
+                                <p:cTn id="11" presetID="2" presetClass="entr" presetSubtype="4" fill="hold" nodeType="clickEffect">
+                                  <p:stCondLst>
+                                    <p:cond delay="0"/>
+                                  </p:stCondLst>
+                                  <p:childTnLst>
+                                    <p:set>
+                                      <p:cBhvr>
+                                        <p:cTn id="12" dur="1" fill="hold">
+                                          <p:stCondLst>
+                                            <p:cond delay="0"/>
+                                          </p:stCondLst>
+                                        </p:cTn>
+                                        <p:tgtEl>
+                                          <p:spTgt spid="3">
+                                            <p:txEl>
+                                              <p:pRg st="1" end="1"/>
+                                            </p:txEl>
+                                          </p:spTgt>
+                                        </p:tgtEl>
+                                        <p:attrNameLst>
+                                          <p:attrName>style.visibility</p:attrName>
+                                        </p:attrNameLst>
+                                      </p:cBhvr>
+                                      <p:to>
+                                        <p:strVal val="visible"/>
+                                      </p:to>
+                                    </p:set>
+                                    <p:anim calcmode="lin" valueType="num">
+                                      <p:cBhvr additive="base">
+                                        <p:cTn id="13" dur="500" fill="hold"/>
+                                        <p:tgtEl>
+                                          <p:spTgt spid="3">
+                                            <p:txEl>
+                                              <p:pRg st="1" end="1"/>
+                                            </p:txEl>
+                                          </p:spTgt>
+                                        </p:tgtEl>
+                                        <p:attrNameLst>
+                                          <p:attrName>ppt_x</p:attrName>
+                                        </p:attrNameLst>
+                                      </p:cBhvr>
+                                      <p:tavLst>
+                                        <p:tav tm="0">
+                                          <p:val>
+                                            <p:strVal val="#ppt_x"/>
+                                          </p:val>
+                                        </p:tav>
+                                        <p:tav tm="100000">
+                                          <p:val>
+                                            <p:strVal val="#ppt_x"/>
+                                          </p:val>
+                                        </p:tav>
+                                      </p:tavLst>
+                                    </p:anim>
+                                    <p:anim calcmode="lin" valueType="num">
+                                      <p:cBhvr additive="base">
+                                        <p:cTn id="14" dur="500" fill="hold"/>
+                                        <p:tgtEl>
+                                          <p:spTgt spid="3">
+                                            <p:txEl>
+                                              <p:pRg st="1" end="1"/>
+                                            </p:txEl>
+                                          </p:spTgt>
+                                        </p:tgtEl>
+                                        <p:attrNameLst>
+                                          <p:attrName>ppt_y</p:attrName>
+                                        </p:attrNameLst>
+                                      </p:cBhvr>
+                                      <p:tavLst>
+                                        <p:tav tm="0">
+                                          <p:val>
+                                            <p:strVal val="1+#ppt_h/2"/>
+                                          </p:val>
+                                        </p:tav>
+                                        <p:tav tm="100000">
+                                          <p:val>
+                                            <p:strVal val="#ppt_y"/>
+                                          </p:val>
+                                        </p:tav>
+                                      </p:tavLst>
+                                    </p:anim>
+                                  </p:childTnLst>
+                                </p:cTn>
+                              </p:par>
+                            </p:childTnLst>
+                          </p:cTn>
+                        </p:par>
+                      </p:childTnLst>
+                    </p:cTn>
+                  </p:par>
+                  <p:par>
+                    <p:cTn id="15" fill="hold">
+                      <p:stCondLst>
+                        <p:cond delay="indefinite"/>
+                      </p:stCondLst>
+                      <p:childTnLst>
+                        <p:par>
+                          <p:cTn id="16" fill="hold">
+                            <p:stCondLst>
+                              <p:cond delay="0"/>
+                            </p:stCondLst>
+                            <p:childTnLst>
+                              <p:par>
+                                <p:cTn id="17" presetID="2" presetClass="entr" presetSubtype="4" fill="hold" nodeType="clickEffect">
+                                  <p:stCondLst>
+                                    <p:cond delay="0"/>
+                                  </p:stCondLst>
+                                  <p:childTnLst>
+                                    <p:set>
+                                      <p:cBhvr>
+                                        <p:cTn id="18" dur="1" fill="hold">
+                                          <p:stCondLst>
+                                            <p:cond delay="0"/>
+                                          </p:stCondLst>
+                                        </p:cTn>
+                                        <p:tgtEl>
+                                          <p:spTgt spid="3">
+                                            <p:txEl>
+                                              <p:pRg st="2" end="2"/>
+                                            </p:txEl>
+                                          </p:spTgt>
+                                        </p:tgtEl>
+                                        <p:attrNameLst>
+                                          <p:attrName>style.visibility</p:attrName>
+                                        </p:attrNameLst>
+                                      </p:cBhvr>
+                                      <p:to>
+                                        <p:strVal val="visible"/>
+                                      </p:to>
+                                    </p:set>
+                                    <p:anim calcmode="lin" valueType="num">
+                                      <p:cBhvr additive="base">
+                                        <p:cTn id="19" dur="500" fill="hold"/>
+                                        <p:tgtEl>
+                                          <p:spTgt spid="3">
+                                            <p:txEl>
+                                              <p:pRg st="2" end="2"/>
+                                            </p:txEl>
+                                          </p:spTgt>
+                                        </p:tgtEl>
+                                        <p:attrNameLst>
+                                          <p:attrName>ppt_x</p:attrName>
+                                        </p:attrNameLst>
+                                      </p:cBhvr>
+                                      <p:tavLst>
+                                        <p:tav tm="0">
+                                          <p:val>
+                                            <p:strVal val="#ppt_x"/>
+                                          </p:val>
+                                        </p:tav>
+                                        <p:tav tm="100000">
+                                          <p:val>
+                                            <p:strVal val="#ppt_x"/>
+                                          </p:val>
+                                        </p:tav>
+                                      </p:tavLst>
+                                    </p:anim>
+                                    <p:anim calcmode="lin" valueType="num">
+                                      <p:cBhvr additive="base">
+                                        <p:cTn id="20" dur="500" fill="hold"/>
+                                        <p:tgtEl>
+                                          <p:spTgt spid="3">
+                                            <p:txEl>
+                                              <p:pRg st="2" end="2"/>
+                                            </p:txEl>
+                                          </p:spTgt>
+                                        </p:tgtEl>
+                                        <p:attrNameLst>
+                                          <p:attrName>ppt_y</p:attrName>
+                                        </p:attrNameLst>
+                                      </p:cBhvr>
+                                      <p:tavLst>
+                                        <p:tav tm="0">
+                                          <p:val>
+                                            <p:strVal val="1+#ppt_h/2"/>
+                                          </p:val>
+                                        </p:tav>
+                                        <p:tav tm="100000">
+                                          <p:val>
+                                            <p:strVal val="#ppt_y"/>
+                                          </p:val>
+                                        </p:tav>
+                                      </p:tavLst>
+                                    </p:anim>
+                                  </p:childTnLst>
+                                </p:cTn>
+                              </p:par>
+                            </p:childTnLst>
+                          </p:cTn>
+                        </p:par>
+                      </p:childTnLst>
+                    </p:cTn>
+                  </p:par>
+                </p:childTnLst>
+              </p:cTn>
+              <p:prevCondLst>
+                <p:cond evt="onPrev" delay="0">
+                  <p:tgtEl>
+                    <p:sldTgt/>
+                  </p:tgtEl>
+                </p:cond>
+              </p:prevCondLst>
+              <p:nextCondLst>
+                <p:cond evt="onNext" delay="0">
+                  <p:tgtEl>
+                    <p:sldTgt/>
+                  </p:tgtEl>
+                </p:cond>
+              </p:nextCondLst>
+            </p:seq>
+          </p:childTnLst>
+        </p:cTn>
+      </p:par>
+    </p:tnLst>
+  </p:timing>
+</p:sld>
+</file>
+
+<file path=ppt/slides/slide22.xml><?xml version="1.0" encoding="utf-8"?>
+<p:sld xmlns:a="http://schemas.openxmlformats.org/drawingml/2006/main" xmlns:r="http://schemas.openxmlformats.org/officeDocument/2006/relationships" xmlns:p="http://schemas.openxmlformats.org/presentationml/2006/main">
+  <p:cSld>
+    <p:spTree>
+      <p:nvGrpSpPr>
+        <p:cNvPr id="1" name=""/>
+        <p:cNvGrpSpPr/>
+        <p:nvPr/>
+      </p:nvGrpSpPr>
+      <p:grpSpPr>
+        <a:xfrm>
+          <a:off x="0" y="0"/>
+          <a:ext cx="0" cy="0"/>
+          <a:chOff x="0" y="0"/>
+          <a:chExt cx="0" cy="0"/>
+        </a:xfrm>
+      </p:grpSpPr>
+      <p:sp>
+        <p:nvSpPr>
+          <p:cNvPr id="2" name="标题 1"/>
+          <p:cNvSpPr>
+            <a:spLocks noGrp="1"/>
+          </p:cNvSpPr>
+          <p:nvPr>
+            <p:ph type="title"/>
+          </p:nvPr>
+        </p:nvSpPr>
+        <p:spPr/>
+        <p:txBody>
+          <a:bodyPr/>
+          <a:lstStyle/>
+          <a:p>
+            <a:r>
+              <a:rPr lang="zh-CN" altLang="en-US" dirty="0"/>
+              <a:t>总结</a:t>
+            </a:r>
+          </a:p>
+        </p:txBody>
+      </p:sp>
+      <p:sp>
+        <p:nvSpPr>
+          <p:cNvPr id="3" name="内容占位符 2"/>
+          <p:cNvSpPr>
+            <a:spLocks noGrp="1"/>
+          </p:cNvSpPr>
+          <p:nvPr>
+            <p:ph idx="1"/>
+          </p:nvPr>
+        </p:nvSpPr>
+        <p:spPr/>
+        <p:txBody>
+          <a:bodyPr>
+            <a:normAutofit fontScale="92500" lnSpcReduction="20000"/>
+          </a:bodyPr>
+          <a:lstStyle/>
+          <a:p>
+            <a:r>
+              <a:rPr lang="zh-CN" altLang="en-US" dirty="0" smtClean="0"/>
+              <a:t>探索式测试的定义</a:t>
+            </a:r>
+            <a:endParaRPr lang="en-US" altLang="zh-CN" dirty="0" smtClean="0"/>
+          </a:p>
+          <a:p>
+            <a:r>
+              <a:rPr lang="zh-CN" altLang="en-US" dirty="0" smtClean="0"/>
+              <a:t>为什么进行探索式定义</a:t>
+            </a:r>
+            <a:endParaRPr lang="en-US" altLang="zh-CN" dirty="0" smtClean="0"/>
+          </a:p>
+          <a:p>
+            <a:r>
+              <a:rPr lang="zh-CN" altLang="en-US" dirty="0"/>
+              <a:t>探索</a:t>
+            </a:r>
+            <a:r>
+              <a:rPr lang="zh-CN" altLang="en-US" dirty="0" smtClean="0"/>
+              <a:t>式测试章程</a:t>
+            </a:r>
+            <a:endParaRPr lang="en-US" altLang="zh-CN" dirty="0" smtClean="0"/>
+          </a:p>
+          <a:p>
+            <a:pPr lvl="1"/>
+            <a:r>
+              <a:rPr lang="zh-CN" altLang="en-US" dirty="0" smtClean="0"/>
+              <a:t>简单</a:t>
+            </a:r>
+            <a:endParaRPr lang="en-US" altLang="zh-CN" dirty="0" smtClean="0"/>
+          </a:p>
+          <a:p>
+            <a:pPr lvl="1"/>
+            <a:r>
+              <a:rPr lang="zh-CN" altLang="en-US" dirty="0"/>
+              <a:t>优质</a:t>
+            </a:r>
+            <a:endParaRPr lang="en-US" altLang="zh-CN" dirty="0" smtClean="0"/>
+          </a:p>
+          <a:p>
+            <a:r>
+              <a:rPr lang="zh-CN" altLang="en-US" dirty="0"/>
+              <a:t>产生探索章程的</a:t>
+            </a:r>
+            <a:r>
+              <a:rPr lang="zh-CN" altLang="en-US" dirty="0" smtClean="0"/>
+              <a:t>方法</a:t>
+            </a:r>
+            <a:endParaRPr lang="en-US" altLang="zh-CN" dirty="0" smtClean="0"/>
+          </a:p>
+          <a:p>
+            <a:pPr lvl="1"/>
+            <a:r>
+              <a:rPr lang="zh-CN" altLang="en-US" dirty="0"/>
+              <a:t>探讨产生</a:t>
+            </a:r>
+            <a:endParaRPr lang="en-US" altLang="zh-CN" dirty="0"/>
+          </a:p>
+          <a:p>
+            <a:pPr lvl="1"/>
+            <a:r>
+              <a:rPr lang="zh-CN" altLang="en-US" dirty="0"/>
+              <a:t>将原因提炼为探测章程</a:t>
+            </a:r>
+            <a:endParaRPr lang="en-US" altLang="zh-CN" dirty="0"/>
+          </a:p>
+          <a:p>
+            <a:pPr lvl="1"/>
+            <a:endParaRPr lang="en-US" altLang="zh-CN" dirty="0" smtClean="0"/>
+          </a:p>
+          <a:p>
+            <a:pPr lvl="1"/>
+            <a:endParaRPr lang="en-US" altLang="zh-CN" dirty="0"/>
+          </a:p>
+          <a:p>
+            <a:endParaRPr lang="en-US" altLang="zh-CN" dirty="0" smtClean="0"/>
+          </a:p>
+          <a:p>
+            <a:endParaRPr lang="zh-CN" altLang="en-US" dirty="0"/>
+          </a:p>
+        </p:txBody>
+      </p:sp>
+    </p:spTree>
+    <p:extLst>
+      <p:ext uri="{BB962C8B-B14F-4D97-AF65-F5344CB8AC3E}">
+        <p14:creationId xmlns:p14="http://schemas.microsoft.com/office/powerpoint/2010/main" val="2650702154"/>
+      </p:ext>
+    </p:extLst>
+  </p:cSld>
+  <p:clrMapOvr>
+    <a:masterClrMapping/>
+  </p:clrMapOvr>
+  <p:timing>
+    <p:tnLst>
+      <p:par>
+        <p:cTn id="1" dur="indefinite" restart="never" nodeType="tmRoot">
+          <p:childTnLst>
+            <p:seq concurrent="1" nextAc="seek">
+              <p:cTn id="2" dur="indefinite" nodeType="mainSeq">
+                <p:childTnLst>
+                  <p:par>
+                    <p:cTn id="3" fill="hold">
+                      <p:stCondLst>
+                        <p:cond delay="indefinite"/>
+                      </p:stCondLst>
+                      <p:childTnLst>
+                        <p:par>
+                          <p:cTn id="4" fill="hold">
+                            <p:stCondLst>
+                              <p:cond delay="0"/>
+                            </p:stCondLst>
+                            <p:childTnLst>
+                              <p:par>
+                                <p:cTn id="5" presetID="2" presetClass="entr" presetSubtype="4" fill="hold" nodeType="clickEffect">
+                                  <p:stCondLst>
+                                    <p:cond delay="0"/>
+                                  </p:stCondLst>
+                                  <p:childTnLst>
+                                    <p:set>
+                                      <p:cBhvr>
+                                        <p:cTn id="6" dur="1" fill="hold">
+                                          <p:stCondLst>
+                                            <p:cond delay="0"/>
+                                          </p:stCondLst>
+                                        </p:cTn>
+                                        <p:tgtEl>
+                                          <p:spTgt spid="3">
+                                            <p:txEl>
+                                              <p:pRg st="0" end="0"/>
+                                            </p:txEl>
+                                          </p:spTgt>
+                                        </p:tgtEl>
+                                        <p:attrNameLst>
+                                          <p:attrName>style.visibility</p:attrName>
+                                        </p:attrNameLst>
+                                      </p:cBhvr>
+                                      <p:to>
+                                        <p:strVal val="visible"/>
+                                      </p:to>
+                                    </p:set>
+                                    <p:anim calcmode="lin" valueType="num">
+                                      <p:cBhvr additive="base">
+                                        <p:cTn id="7" dur="500" fill="hold"/>
+                                        <p:tgtEl>
+                                          <p:spTgt spid="3">
+                                            <p:txEl>
+                                              <p:pRg st="0" end="0"/>
+                                            </p:txEl>
+                                          </p:spTgt>
+                                        </p:tgtEl>
+                                        <p:attrNameLst>
+                                          <p:attrName>ppt_x</p:attrName>
+                                        </p:attrNameLst>
+                                      </p:cBhvr>
+                                      <p:tavLst>
+                                        <p:tav tm="0">
+                                          <p:val>
+                                            <p:strVal val="#ppt_x"/>
+                                          </p:val>
+                                        </p:tav>
+                                        <p:tav tm="100000">
+                                          <p:val>
+                                            <p:strVal val="#ppt_x"/>
+                                          </p:val>
+                                        </p:tav>
+                                      </p:tavLst>
+                                    </p:anim>
+                                    <p:anim calcmode="lin" valueType="num">
+                                      <p:cBhvr additive="base">
+                                        <p:cTn id="8" dur="500" fill="hold"/>
+                                        <p:tgtEl>
+                                          <p:spTgt spid="3">
+                                            <p:txEl>
+                                              <p:pRg st="0" end="0"/>
+                                            </p:txEl>
+                                          </p:spTgt>
+                                        </p:tgtEl>
+                                        <p:attrNameLst>
+                                          <p:attrName>ppt_y</p:attrName>
+                                        </p:attrNameLst>
+                                      </p:cBhvr>
+                                      <p:tavLst>
+                                        <p:tav tm="0">
+                                          <p:val>
+                                            <p:strVal val="1+#ppt_h/2"/>
+                                          </p:val>
+                                        </p:tav>
+                                        <p:tav tm="100000">
+                                          <p:val>
+                                            <p:strVal val="#ppt_y"/>
+                                          </p:val>
+                                        </p:tav>
+                                      </p:tavLst>
+                                    </p:anim>
+                                  </p:childTnLst>
+                                </p:cTn>
+                              </p:par>
+                            </p:childTnLst>
+                          </p:cTn>
+                        </p:par>
+                      </p:childTnLst>
+                    </p:cTn>
+                  </p:par>
+                  <p:par>
+                    <p:cTn id="9" fill="hold">
+                      <p:stCondLst>
+                        <p:cond delay="indefinite"/>
+                      </p:stCondLst>
+                      <p:childTnLst>
+                        <p:par>
+                          <p:cTn id="10" fill="hold">
+                            <p:stCondLst>
+                              <p:cond delay="0"/>
+                            </p:stCondLst>
+                            <p:childTnLst>
+                              <p:par>
+                                <p:cTn id="11" presetID="2" presetClass="entr" presetSubtype="4" fill="hold" nodeType="clickEffect">
+                                  <p:stCondLst>
+                                    <p:cond delay="0"/>
+                                  </p:stCondLst>
+                                  <p:childTnLst>
+                                    <p:set>
+                                      <p:cBhvr>
+                                        <p:cTn id="12" dur="1" fill="hold">
+                                          <p:stCondLst>
+                                            <p:cond delay="0"/>
+                                          </p:stCondLst>
+                                        </p:cTn>
+                                        <p:tgtEl>
+                                          <p:spTgt spid="3">
+                                            <p:txEl>
+                                              <p:pRg st="1" end="1"/>
+                                            </p:txEl>
+                                          </p:spTgt>
+                                        </p:tgtEl>
+                                        <p:attrNameLst>
+                                          <p:attrName>style.visibility</p:attrName>
+                                        </p:attrNameLst>
+                                      </p:cBhvr>
+                                      <p:to>
+                                        <p:strVal val="visible"/>
+                                      </p:to>
+                                    </p:set>
+                                    <p:anim calcmode="lin" valueType="num">
+                                      <p:cBhvr additive="base">
+                                        <p:cTn id="13" dur="500" fill="hold"/>
+                                        <p:tgtEl>
+                                          <p:spTgt spid="3">
+                                            <p:txEl>
+                                              <p:pRg st="1" end="1"/>
+                                            </p:txEl>
+                                          </p:spTgt>
+                                        </p:tgtEl>
+                                        <p:attrNameLst>
+                                          <p:attrName>ppt_x</p:attrName>
+                                        </p:attrNameLst>
+                                      </p:cBhvr>
+                                      <p:tavLst>
+                                        <p:tav tm="0">
+                                          <p:val>
+                                            <p:strVal val="#ppt_x"/>
+                                          </p:val>
+                                        </p:tav>
+                                        <p:tav tm="100000">
+                                          <p:val>
+                                            <p:strVal val="#ppt_x"/>
+                                          </p:val>
+                                        </p:tav>
+                                      </p:tavLst>
+                                    </p:anim>
+                                    <p:anim calcmode="lin" valueType="num">
+                                      <p:cBhvr additive="base">
+                                        <p:cTn id="14" dur="500" fill="hold"/>
+                                        <p:tgtEl>
+                                          <p:spTgt spid="3">
+                                            <p:txEl>
+                                              <p:pRg st="1" end="1"/>
+                                            </p:txEl>
+                                          </p:spTgt>
+                                        </p:tgtEl>
+                                        <p:attrNameLst>
+                                          <p:attrName>ppt_y</p:attrName>
+                                        </p:attrNameLst>
+                                      </p:cBhvr>
+                                      <p:tavLst>
+                                        <p:tav tm="0">
+                                          <p:val>
+                                            <p:strVal val="1+#ppt_h/2"/>
+                                          </p:val>
+                                        </p:tav>
+                                        <p:tav tm="100000">
+                                          <p:val>
+                                            <p:strVal val="#ppt_y"/>
+                                          </p:val>
+                                        </p:tav>
+                                      </p:tavLst>
+                                    </p:anim>
+                                  </p:childTnLst>
+                                </p:cTn>
+                              </p:par>
+                            </p:childTnLst>
+                          </p:cTn>
+                        </p:par>
+                      </p:childTnLst>
+                    </p:cTn>
+                  </p:par>
+                  <p:par>
+                    <p:cTn id="15" fill="hold">
+                      <p:stCondLst>
+                        <p:cond delay="indefinite"/>
+                      </p:stCondLst>
+                      <p:childTnLst>
+                        <p:par>
+                          <p:cTn id="16" fill="hold">
+                            <p:stCondLst>
+                              <p:cond delay="0"/>
+                            </p:stCondLst>
+                            <p:childTnLst>
+                              <p:par>
+                                <p:cTn id="17" presetID="2" presetClass="entr" presetSubtype="4" fill="hold" nodeType="clickEffect">
+                                  <p:stCondLst>
+                                    <p:cond delay="0"/>
+                                  </p:stCondLst>
+                                  <p:childTnLst>
+                                    <p:set>
+                                      <p:cBhvr>
+                                        <p:cTn id="18" dur="1" fill="hold">
+                                          <p:stCondLst>
+                                            <p:cond delay="0"/>
+                                          </p:stCondLst>
+                                        </p:cTn>
+                                        <p:tgtEl>
+                                          <p:spTgt spid="3">
+                                            <p:txEl>
+                                              <p:pRg st="2" end="2"/>
+                                            </p:txEl>
+                                          </p:spTgt>
+                                        </p:tgtEl>
+                                        <p:attrNameLst>
+                                          <p:attrName>style.visibility</p:attrName>
+                                        </p:attrNameLst>
+                                      </p:cBhvr>
+                                      <p:to>
+                                        <p:strVal val="visible"/>
+                                      </p:to>
+                                    </p:set>
+                                    <p:anim calcmode="lin" valueType="num">
+                                      <p:cBhvr additive="base">
+                                        <p:cTn id="19" dur="500" fill="hold"/>
+                                        <p:tgtEl>
+                                          <p:spTgt spid="3">
+                                            <p:txEl>
+                                              <p:pRg st="2" end="2"/>
+                                            </p:txEl>
+                                          </p:spTgt>
+                                        </p:tgtEl>
+                                        <p:attrNameLst>
+                                          <p:attrName>ppt_x</p:attrName>
+                                        </p:attrNameLst>
+                                      </p:cBhvr>
+                                      <p:tavLst>
+                                        <p:tav tm="0">
+                                          <p:val>
+                                            <p:strVal val="#ppt_x"/>
+                                          </p:val>
+                                        </p:tav>
+                                        <p:tav tm="100000">
+                                          <p:val>
+                                            <p:strVal val="#ppt_x"/>
+                                          </p:val>
+                                        </p:tav>
+                                      </p:tavLst>
+                                    </p:anim>
+                                    <p:anim calcmode="lin" valueType="num">
+                                      <p:cBhvr additive="base">
+                                        <p:cTn id="20" dur="500" fill="hold"/>
+                                        <p:tgtEl>
+                                          <p:spTgt spid="3">
+                                            <p:txEl>
+                                              <p:pRg st="2" end="2"/>
+                                            </p:txEl>
+                                          </p:spTgt>
+                                        </p:tgtEl>
+                                        <p:attrNameLst>
+                                          <p:attrName>ppt_y</p:attrName>
+                                        </p:attrNameLst>
+                                      </p:cBhvr>
+                                      <p:tavLst>
+                                        <p:tav tm="0">
+                                          <p:val>
+                                            <p:strVal val="1+#ppt_h/2"/>
+                                          </p:val>
+                                        </p:tav>
+                                        <p:tav tm="100000">
+                                          <p:val>
+                                            <p:strVal val="#ppt_y"/>
+                                          </p:val>
+                                        </p:tav>
+                                      </p:tavLst>
+                                    </p:anim>
+                                  </p:childTnLst>
+                                </p:cTn>
+                              </p:par>
+                            </p:childTnLst>
+                          </p:cTn>
+                        </p:par>
+                      </p:childTnLst>
+                    </p:cTn>
+                  </p:par>
+                  <p:par>
+                    <p:cTn id="21" fill="hold">
+                      <p:stCondLst>
+                        <p:cond delay="indefinite"/>
+                      </p:stCondLst>
+                      <p:childTnLst>
+                        <p:par>
+                          <p:cTn id="22" fill="hold">
+                            <p:stCondLst>
+                              <p:cond delay="0"/>
+                            </p:stCondLst>
+                            <p:childTnLst>
+                              <p:par>
+                                <p:cTn id="23" presetID="2" presetClass="entr" presetSubtype="4" fill="hold" nodeType="clickEffect">
+                                  <p:stCondLst>
+                                    <p:cond delay="0"/>
+                                  </p:stCondLst>
+                                  <p:childTnLst>
+                                    <p:set>
+                                      <p:cBhvr>
+                                        <p:cTn id="24" dur="1" fill="hold">
+                                          <p:stCondLst>
+                                            <p:cond delay="0"/>
+                                          </p:stCondLst>
+                                        </p:cTn>
+                                        <p:tgtEl>
+                                          <p:spTgt spid="3">
+                                            <p:txEl>
+                                              <p:pRg st="3" end="3"/>
+                                            </p:txEl>
+                                          </p:spTgt>
+                                        </p:tgtEl>
+                                        <p:attrNameLst>
+                                          <p:attrName>style.visibility</p:attrName>
+                                        </p:attrNameLst>
+                                      </p:cBhvr>
+                                      <p:to>
+                                        <p:strVal val="visible"/>
+                                      </p:to>
+                                    </p:set>
+                                    <p:anim calcmode="lin" valueType="num">
+                                      <p:cBhvr additive="base">
+                                        <p:cTn id="25" dur="500" fill="hold"/>
+                                        <p:tgtEl>
+                                          <p:spTgt spid="3">
+                                            <p:txEl>
+                                              <p:pRg st="3" end="3"/>
+                                            </p:txEl>
+                                          </p:spTgt>
+                                        </p:tgtEl>
+                                        <p:attrNameLst>
+                                          <p:attrName>ppt_x</p:attrName>
+                                        </p:attrNameLst>
+                                      </p:cBhvr>
+                                      <p:tavLst>
+                                        <p:tav tm="0">
+                                          <p:val>
+                                            <p:strVal val="#ppt_x"/>
+                                          </p:val>
+                                        </p:tav>
+                                        <p:tav tm="100000">
+                                          <p:val>
+                                            <p:strVal val="#ppt_x"/>
+                                          </p:val>
+                                        </p:tav>
+                                      </p:tavLst>
+                                    </p:anim>
+                                    <p:anim calcmode="lin" valueType="num">
+                                      <p:cBhvr additive="base">
+                                        <p:cTn id="26" dur="500" fill="hold"/>
+                                        <p:tgtEl>
+                                          <p:spTgt spid="3">
+                                            <p:txEl>
+                                              <p:pRg st="3" end="3"/>
+                                            </p:txEl>
+                                          </p:spTgt>
+                                        </p:tgtEl>
+                                        <p:attrNameLst>
+                                          <p:attrName>ppt_y</p:attrName>
+                                        </p:attrNameLst>
+                                      </p:cBhvr>
+                                      <p:tavLst>
+                                        <p:tav tm="0">
+                                          <p:val>
+                                            <p:strVal val="1+#ppt_h/2"/>
+                                          </p:val>
+                                        </p:tav>
+                                        <p:tav tm="100000">
+                                          <p:val>
+                                            <p:strVal val="#ppt_y"/>
+                                          </p:val>
+                                        </p:tav>
+                                      </p:tavLst>
+                                    </p:anim>
+                                  </p:childTnLst>
+                                </p:cTn>
+                              </p:par>
+                            </p:childTnLst>
+                          </p:cTn>
+                        </p:par>
+                      </p:childTnLst>
+                    </p:cTn>
+                  </p:par>
+                  <p:par>
+                    <p:cTn id="27" fill="hold">
+                      <p:stCondLst>
+                        <p:cond delay="indefinite"/>
+                      </p:stCondLst>
+                      <p:childTnLst>
+                        <p:par>
+                          <p:cTn id="28" fill="hold">
+                            <p:stCondLst>
+                              <p:cond delay="0"/>
+                            </p:stCondLst>
+                            <p:childTnLst>
+                              <p:par>
+                                <p:cTn id="29" presetID="2" presetClass="entr" presetSubtype="4" fill="hold" nodeType="clickEffect">
+                                  <p:stCondLst>
+                                    <p:cond delay="0"/>
+                                  </p:stCondLst>
+                                  <p:childTnLst>
+                                    <p:set>
+                                      <p:cBhvr>
+                                        <p:cTn id="30" dur="1" fill="hold">
+                                          <p:stCondLst>
+                                            <p:cond delay="0"/>
+                                          </p:stCondLst>
+                                        </p:cTn>
+                                        <p:tgtEl>
+                                          <p:spTgt spid="3">
+                                            <p:txEl>
+                                              <p:pRg st="4" end="4"/>
+                                            </p:txEl>
+                                          </p:spTgt>
+                                        </p:tgtEl>
+                                        <p:attrNameLst>
+                                          <p:attrName>style.visibility</p:attrName>
+                                        </p:attrNameLst>
+                                      </p:cBhvr>
+                                      <p:to>
+                                        <p:strVal val="visible"/>
+                                      </p:to>
+                                    </p:set>
+                                    <p:anim calcmode="lin" valueType="num">
+                                      <p:cBhvr additive="base">
+                                        <p:cTn id="31" dur="500" fill="hold"/>
+                                        <p:tgtEl>
+                                          <p:spTgt spid="3">
+                                            <p:txEl>
+                                              <p:pRg st="4" end="4"/>
+                                            </p:txEl>
+                                          </p:spTgt>
+                                        </p:tgtEl>
+                                        <p:attrNameLst>
+                                          <p:attrName>ppt_x</p:attrName>
+                                        </p:attrNameLst>
+                                      </p:cBhvr>
+                                      <p:tavLst>
+                                        <p:tav tm="0">
+                                          <p:val>
+                                            <p:strVal val="#ppt_x"/>
+                                          </p:val>
+                                        </p:tav>
+                                        <p:tav tm="100000">
+                                          <p:val>
+                                            <p:strVal val="#ppt_x"/>
+                                          </p:val>
+                                        </p:tav>
+                                      </p:tavLst>
+                                    </p:anim>
+                                    <p:anim calcmode="lin" valueType="num">
+                                      <p:cBhvr additive="base">
+                                        <p:cTn id="32" dur="500" fill="hold"/>
+                                        <p:tgtEl>
+                                          <p:spTgt spid="3">
+                                            <p:txEl>
+                                              <p:pRg st="4" end="4"/>
+                                            </p:txEl>
+                                          </p:spTgt>
+                                        </p:tgtEl>
+                                        <p:attrNameLst>
+                                          <p:attrName>ppt_y</p:attrName>
+                                        </p:attrNameLst>
+                                      </p:cBhvr>
+                                      <p:tavLst>
+                                        <p:tav tm="0">
+                                          <p:val>
+                                            <p:strVal val="1+#ppt_h/2"/>
+                                          </p:val>
+                                        </p:tav>
+                                        <p:tav tm="100000">
+                                          <p:val>
+                                            <p:strVal val="#ppt_y"/>
+                                          </p:val>
+                                        </p:tav>
+                                      </p:tavLst>
+                                    </p:anim>
+                                  </p:childTnLst>
+                                </p:cTn>
+                              </p:par>
+                            </p:childTnLst>
+                          </p:cTn>
+                        </p:par>
+                      </p:childTnLst>
+                    </p:cTn>
+                  </p:par>
+                  <p:par>
+                    <p:cTn id="33" fill="hold">
+                      <p:stCondLst>
+                        <p:cond delay="indefinite"/>
+                      </p:stCondLst>
+                      <p:childTnLst>
+                        <p:par>
+                          <p:cTn id="34" fill="hold">
+                            <p:stCondLst>
+                              <p:cond delay="0"/>
+                            </p:stCondLst>
+                            <p:childTnLst>
+                              <p:par>
+                                <p:cTn id="35" presetID="2" presetClass="entr" presetSubtype="4" fill="hold" nodeType="clickEffect">
+                                  <p:stCondLst>
+                                    <p:cond delay="0"/>
+                                  </p:stCondLst>
+                                  <p:childTnLst>
+                                    <p:set>
+                                      <p:cBhvr>
+                                        <p:cTn id="36" dur="1" fill="hold">
+                                          <p:stCondLst>
+                                            <p:cond delay="0"/>
+                                          </p:stCondLst>
+                                        </p:cTn>
+                                        <p:tgtEl>
+                                          <p:spTgt spid="3">
+                                            <p:txEl>
+                                              <p:pRg st="5" end="5"/>
+                                            </p:txEl>
+                                          </p:spTgt>
+                                        </p:tgtEl>
+                                        <p:attrNameLst>
+                                          <p:attrName>style.visibility</p:attrName>
+                                        </p:attrNameLst>
+                                      </p:cBhvr>
+                                      <p:to>
+                                        <p:strVal val="visible"/>
+                                      </p:to>
+                                    </p:set>
+                                    <p:anim calcmode="lin" valueType="num">
+                                      <p:cBhvr additive="base">
+                                        <p:cTn id="37" dur="500" fill="hold"/>
+                                        <p:tgtEl>
+                                          <p:spTgt spid="3">
+                                            <p:txEl>
+                                              <p:pRg st="5" end="5"/>
+                                            </p:txEl>
+                                          </p:spTgt>
+                                        </p:tgtEl>
+                                        <p:attrNameLst>
+                                          <p:attrName>ppt_x</p:attrName>
+                                        </p:attrNameLst>
+                                      </p:cBhvr>
+                                      <p:tavLst>
+                                        <p:tav tm="0">
+                                          <p:val>
+                                            <p:strVal val="#ppt_x"/>
+                                          </p:val>
+                                        </p:tav>
+                                        <p:tav tm="100000">
+                                          <p:val>
+                                            <p:strVal val="#ppt_x"/>
+                                          </p:val>
+                                        </p:tav>
+                                      </p:tavLst>
+                                    </p:anim>
+                                    <p:anim calcmode="lin" valueType="num">
+                                      <p:cBhvr additive="base">
+                                        <p:cTn id="38" dur="500" fill="hold"/>
+                                        <p:tgtEl>
+                                          <p:spTgt spid="3">
+                                            <p:txEl>
+                                              <p:pRg st="5" end="5"/>
+                                            </p:txEl>
+                                          </p:spTgt>
+                                        </p:tgtEl>
+                                        <p:attrNameLst>
+                                          <p:attrName>ppt_y</p:attrName>
+                                        </p:attrNameLst>
+                                      </p:cBhvr>
+                                      <p:tavLst>
+                                        <p:tav tm="0">
+                                          <p:val>
+                                            <p:strVal val="1+#ppt_h/2"/>
+                                          </p:val>
+                                        </p:tav>
+                                        <p:tav tm="100000">
+                                          <p:val>
+                                            <p:strVal val="#ppt_y"/>
+                                          </p:val>
+                                        </p:tav>
+                                      </p:tavLst>
+                                    </p:anim>
+                                  </p:childTnLst>
+                                </p:cTn>
+                              </p:par>
+                            </p:childTnLst>
+                          </p:cTn>
+                        </p:par>
+                      </p:childTnLst>
+                    </p:cTn>
+                  </p:par>
+                  <p:par>
+                    <p:cTn id="39" fill="hold">
+                      <p:stCondLst>
+                        <p:cond delay="indefinite"/>
+                      </p:stCondLst>
+                      <p:childTnLst>
+                        <p:par>
+                          <p:cTn id="40" fill="hold">
+                            <p:stCondLst>
+                              <p:cond delay="0"/>
+                            </p:stCondLst>
+                            <p:childTnLst>
+                              <p:par>
+                                <p:cTn id="41" presetID="2" presetClass="entr" presetSubtype="4" fill="hold" nodeType="clickEffect">
+                                  <p:stCondLst>
+                                    <p:cond delay="0"/>
+                                  </p:stCondLst>
+                                  <p:childTnLst>
+                                    <p:set>
+                                      <p:cBhvr>
+                                        <p:cTn id="42" dur="1" fill="hold">
+                                          <p:stCondLst>
+                                            <p:cond delay="0"/>
+                                          </p:stCondLst>
+                                        </p:cTn>
+                                        <p:tgtEl>
+                                          <p:spTgt spid="3">
+                                            <p:txEl>
+                                              <p:pRg st="6" end="6"/>
+                                            </p:txEl>
+                                          </p:spTgt>
+                                        </p:tgtEl>
+                                        <p:attrNameLst>
+                                          <p:attrName>style.visibility</p:attrName>
+                                        </p:attrNameLst>
+                                      </p:cBhvr>
+                                      <p:to>
+                                        <p:strVal val="visible"/>
+                                      </p:to>
+                                    </p:set>
+                                    <p:anim calcmode="lin" valueType="num">
+                                      <p:cBhvr additive="base">
+                                        <p:cTn id="43" dur="500" fill="hold"/>
+                                        <p:tgtEl>
+                                          <p:spTgt spid="3">
+                                            <p:txEl>
+                                              <p:pRg st="6" end="6"/>
+                                            </p:txEl>
+                                          </p:spTgt>
+                                        </p:tgtEl>
+                                        <p:attrNameLst>
+                                          <p:attrName>ppt_x</p:attrName>
+                                        </p:attrNameLst>
+                                      </p:cBhvr>
+                                      <p:tavLst>
+                                        <p:tav tm="0">
+                                          <p:val>
+                                            <p:strVal val="#ppt_x"/>
+                                          </p:val>
+                                        </p:tav>
+                                        <p:tav tm="100000">
+                                          <p:val>
+                                            <p:strVal val="#ppt_x"/>
+                                          </p:val>
+                                        </p:tav>
+                                      </p:tavLst>
+                                    </p:anim>
+                                    <p:anim calcmode="lin" valueType="num">
+                                      <p:cBhvr additive="base">
+                                        <p:cTn id="44" dur="500" fill="hold"/>
+                                        <p:tgtEl>
+                                          <p:spTgt spid="3">
+                                            <p:txEl>
+                                              <p:pRg st="6" end="6"/>
+                                            </p:txEl>
+                                          </p:spTgt>
+                                        </p:tgtEl>
+                                        <p:attrNameLst>
+                                          <p:attrName>ppt_y</p:attrName>
+                                        </p:attrNameLst>
+                                      </p:cBhvr>
+                                      <p:tavLst>
+                                        <p:tav tm="0">
+                                          <p:val>
+                                            <p:strVal val="1+#ppt_h/2"/>
+                                          </p:val>
+                                        </p:tav>
+                                        <p:tav tm="100000">
+                                          <p:val>
+                                            <p:strVal val="#ppt_y"/>
+                                          </p:val>
+                                        </p:tav>
+                                      </p:tavLst>
+                                    </p:anim>
+                                  </p:childTnLst>
+                                </p:cTn>
+                              </p:par>
+                            </p:childTnLst>
+                          </p:cTn>
+                        </p:par>
+                      </p:childTnLst>
+                    </p:cTn>
+                  </p:par>
+                  <p:par>
+                    <p:cTn id="45" fill="hold">
+                      <p:stCondLst>
+                        <p:cond delay="indefinite"/>
+                      </p:stCondLst>
+                      <p:childTnLst>
+                        <p:par>
+                          <p:cTn id="46" fill="hold">
+                            <p:stCondLst>
+                              <p:cond delay="0"/>
+                            </p:stCondLst>
+                            <p:childTnLst>
+                              <p:par>
+                                <p:cTn id="47" presetID="2" presetClass="entr" presetSubtype="4" fill="hold" nodeType="clickEffect">
+                                  <p:stCondLst>
+                                    <p:cond delay="0"/>
+                                  </p:stCondLst>
+                                  <p:childTnLst>
+                                    <p:set>
+                                      <p:cBhvr>
+                                        <p:cTn id="48" dur="1" fill="hold">
+                                          <p:stCondLst>
+                                            <p:cond delay="0"/>
+                                          </p:stCondLst>
+                                        </p:cTn>
+                                        <p:tgtEl>
+                                          <p:spTgt spid="3">
+                                            <p:txEl>
+                                              <p:pRg st="7" end="7"/>
+                                            </p:txEl>
+                                          </p:spTgt>
+                                        </p:tgtEl>
+                                        <p:attrNameLst>
+                                          <p:attrName>style.visibility</p:attrName>
+                                        </p:attrNameLst>
+                                      </p:cBhvr>
+                                      <p:to>
+                                        <p:strVal val="visible"/>
+                                      </p:to>
+                                    </p:set>
+                                    <p:anim calcmode="lin" valueType="num">
+                                      <p:cBhvr additive="base">
+                                        <p:cTn id="49" dur="500" fill="hold"/>
+                                        <p:tgtEl>
+                                          <p:spTgt spid="3">
+                                            <p:txEl>
+                                              <p:pRg st="7" end="7"/>
+                                            </p:txEl>
+                                          </p:spTgt>
+                                        </p:tgtEl>
+                                        <p:attrNameLst>
+                                          <p:attrName>ppt_x</p:attrName>
+                                        </p:attrNameLst>
+                                      </p:cBhvr>
+                                      <p:tavLst>
+                                        <p:tav tm="0">
+                                          <p:val>
+                                            <p:strVal val="#ppt_x"/>
+                                          </p:val>
+                                        </p:tav>
+                                        <p:tav tm="100000">
+                                          <p:val>
+                                            <p:strVal val="#ppt_x"/>
+                                          </p:val>
+                                        </p:tav>
+                                      </p:tavLst>
+                                    </p:anim>
+                                    <p:anim calcmode="lin" valueType="num">
+                                      <p:cBhvr additive="base">
+                                        <p:cTn id="50" dur="500" fill="hold"/>
+                                        <p:tgtEl>
+                                          <p:spTgt spid="3">
+                                            <p:txEl>
+                                              <p:pRg st="7" end="7"/>
+                                            </p:txEl>
+                                          </p:spTgt>
+                                        </p:tgtEl>
+                                        <p:attrNameLst>
+                                          <p:attrName>ppt_y</p:attrName>
+                                        </p:attrNameLst>
+                                      </p:cBhvr>
+                                      <p:tavLst>
+                                        <p:tav tm="0">
+                                          <p:val>
+                                            <p:strVal val="1+#ppt_h/2"/>
+                                          </p:val>
+                                        </p:tav>
+                                        <p:tav tm="100000">
+                                          <p:val>
+                                            <p:strVal val="#ppt_y"/>
+                                          </p:val>
+                                        </p:tav>
+                                      </p:tavLst>
+                                    </p:anim>
+                                  </p:childTnLst>
+                                </p:cTn>
+                              </p:par>
+                            </p:childTnLst>
+                          </p:cTn>
+                        </p:par>
+                      </p:childTnLst>
+                    </p:cTn>
+                  </p:par>
+                </p:childTnLst>
+              </p:cTn>
+              <p:prevCondLst>
+                <p:cond evt="onPrev" delay="0">
+                  <p:tgtEl>
+                    <p:sldTgt/>
+                  </p:tgtEl>
+                </p:cond>
+              </p:prevCondLst>
+              <p:nextCondLst>
+                <p:cond evt="onNext" delay="0">
+                  <p:tgtEl>
+                    <p:sldTgt/>
+                  </p:tgtEl>
+                </p:cond>
+              </p:nextCondLst>
+            </p:seq>
+          </p:childTnLst>
+        </p:cTn>
+      </p:par>
+    </p:tnLst>
+  </p:timing>
+</p:sld>
+</file>
+
+<file path=ppt/slides/slide23.xml><?xml version="1.0" encoding="utf-8"?>
+<p:sld xmlns:a="http://schemas.openxmlformats.org/drawingml/2006/main" xmlns:r="http://schemas.openxmlformats.org/officeDocument/2006/relationships" xmlns:p="http://schemas.openxmlformats.org/presentationml/2006/main">
+  <p:cSld>
+    <p:spTree>
+      <p:nvGrpSpPr>
+        <p:cNvPr id="1" name=""/>
+        <p:cNvGrpSpPr/>
+        <p:nvPr/>
+      </p:nvGrpSpPr>
+      <p:grpSpPr>
+        <a:xfrm>
+          <a:off x="0" y="0"/>
+          <a:ext cx="0" cy="0"/>
+          <a:chOff x="0" y="0"/>
+          <a:chExt cx="0" cy="0"/>
+        </a:xfrm>
+      </p:grpSpPr>
+      <p:sp>
+        <p:nvSpPr>
           <p:cNvPr id="4" name="标题 3"/>
           <p:cNvSpPr>
             <a:spLocks noGrp="1"/>
@@ -10695,6 +12084,106 @@
         </p:nvSpPr>
         <p:spPr>
           <a:xfrm>
+            <a:off x="2086591" y="0"/>
+            <a:ext cx="6591300" cy="892175"/>
+          </a:xfrm>
+        </p:spPr>
+        <p:txBody>
+          <a:bodyPr/>
+          <a:lstStyle/>
+          <a:p>
+            <a:pPr algn="ctr"/>
+            <a:r>
+              <a:rPr lang="zh-CN" altLang="en-US" dirty="0" smtClean="0"/>
+              <a:t>目 录</a:t>
+            </a:r>
+            <a:endParaRPr lang="zh-CN" altLang="en-US" dirty="0"/>
+          </a:p>
+        </p:txBody>
+      </p:sp>
+      <p:sp>
+        <p:nvSpPr>
+          <p:cNvPr id="3" name="内容占位符 2"/>
+          <p:cNvSpPr>
+            <a:spLocks noGrp="1"/>
+          </p:cNvSpPr>
+          <p:nvPr>
+            <p:ph idx="1"/>
+          </p:nvPr>
+        </p:nvSpPr>
+        <p:spPr/>
+        <p:txBody>
+          <a:bodyPr/>
+          <a:lstStyle/>
+          <a:p>
+            <a:r>
+              <a:rPr lang="zh-CN" altLang="en-US" dirty="0" smtClean="0"/>
+              <a:t>什么是探索式软件测试</a:t>
+            </a:r>
+            <a:endParaRPr lang="en-US" altLang="zh-CN" dirty="0" smtClean="0"/>
+          </a:p>
+          <a:p>
+            <a:r>
+              <a:rPr lang="zh-CN" altLang="en-US" dirty="0" smtClean="0"/>
+              <a:t>为什么进行探索式软件测试</a:t>
+            </a:r>
+            <a:endParaRPr lang="en-US" altLang="zh-CN" dirty="0" smtClean="0"/>
+          </a:p>
+          <a:p>
+            <a:r>
+              <a:rPr lang="zh-CN" altLang="en-US" dirty="0"/>
+              <a:t>探索</a:t>
+            </a:r>
+            <a:r>
+              <a:rPr lang="zh-CN" altLang="en-US" dirty="0" smtClean="0"/>
+              <a:t>式软件测试需遵循的章程</a:t>
+            </a:r>
+            <a:endParaRPr lang="zh-CN" altLang="en-US" dirty="0"/>
+          </a:p>
+        </p:txBody>
+      </p:sp>
+    </p:spTree>
+    <p:extLst>
+      <p:ext uri="{BB962C8B-B14F-4D97-AF65-F5344CB8AC3E}">
+        <p14:creationId xmlns:p14="http://schemas.microsoft.com/office/powerpoint/2010/main" val="2560235146"/>
+      </p:ext>
+    </p:extLst>
+  </p:cSld>
+  <p:clrMapOvr>
+    <a:masterClrMapping/>
+  </p:clrMapOvr>
+</p:sld>
+</file>
+
+<file path=ppt/slides/slide4.xml><?xml version="1.0" encoding="utf-8"?>
+<p:sld xmlns:a="http://schemas.openxmlformats.org/drawingml/2006/main" xmlns:r="http://schemas.openxmlformats.org/officeDocument/2006/relationships" xmlns:p="http://schemas.openxmlformats.org/presentationml/2006/main">
+  <p:cSld>
+    <p:spTree>
+      <p:nvGrpSpPr>
+        <p:cNvPr id="1" name=""/>
+        <p:cNvGrpSpPr/>
+        <p:nvPr/>
+      </p:nvGrpSpPr>
+      <p:grpSpPr>
+        <a:xfrm>
+          <a:off x="0" y="0"/>
+          <a:ext cx="0" cy="0"/>
+          <a:chOff x="0" y="0"/>
+          <a:chExt cx="0" cy="0"/>
+        </a:xfrm>
+      </p:grpSpPr>
+      <p:sp>
+        <p:nvSpPr>
+          <p:cNvPr id="2" name="标题 1"/>
+          <p:cNvSpPr>
+            <a:spLocks noGrp="1"/>
+          </p:cNvSpPr>
+          <p:nvPr>
+            <p:ph type="title"/>
+          </p:nvPr>
+        </p:nvSpPr>
+        <p:spPr>
+          <a:xfrm>
             <a:off x="824552" y="228648"/>
             <a:ext cx="10515600" cy="892175"/>
           </a:xfrm>
@@ -11241,7 +12730,7 @@
 </p:sld>
 </file>
 
-<file path=ppt/slides/slide4.xml><?xml version="1.0" encoding="utf-8"?>
+<file path=ppt/slides/slide5.xml><?xml version="1.0" encoding="utf-8"?>
 <p:sld xmlns:a="http://schemas.openxmlformats.org/drawingml/2006/main" xmlns:r="http://schemas.openxmlformats.org/officeDocument/2006/relationships" xmlns:p="http://schemas.openxmlformats.org/presentationml/2006/main">
   <p:cSld>
     <p:spTree>
@@ -11304,8 +12793,26 @@
           <a:lstStyle/>
           <a:p>
             <a:r>
+              <a:rPr lang="zh-CN" altLang="en-US" dirty="0"/>
+              <a:t>学习</a:t>
+            </a:r>
+            <a:endParaRPr lang="en-US" altLang="zh-CN" dirty="0"/>
+          </a:p>
+          <a:p>
+            <a:pPr lvl="1"/>
+            <a:r>
+              <a:rPr lang="zh-CN" altLang="en-US" dirty="0"/>
+              <a:t>长时间摸索、观察、学习</a:t>
+            </a:r>
+          </a:p>
+          <a:p>
+            <a:r>
               <a:rPr lang="zh-CN" altLang="en-US" dirty="0" smtClean="0"/>
-              <a:t>设计测试</a:t>
+              <a:t>设计</a:t>
+            </a:r>
+            <a:r>
+              <a:rPr lang="zh-CN" altLang="en-US" dirty="0" smtClean="0"/>
+              <a:t>测试</a:t>
             </a:r>
             <a:endParaRPr lang="en-US" altLang="zh-CN" dirty="0" smtClean="0"/>
           </a:p>
@@ -11328,28 +12835,13 @@
             <a:pPr lvl="1"/>
             <a:r>
               <a:rPr lang="zh-CN" altLang="en-US" dirty="0" smtClean="0"/>
-              <a:t>想到某个测试之后立刻执行</a:t>
+              <a:t>想到某个测试之后立刻</a:t>
+            </a:r>
+            <a:r>
+              <a:rPr lang="zh-CN" altLang="en-US" dirty="0" smtClean="0"/>
+              <a:t>执行</a:t>
             </a:r>
             <a:endParaRPr lang="en-US" altLang="zh-CN" dirty="0" smtClean="0"/>
-          </a:p>
-          <a:p>
-            <a:r>
-              <a:rPr lang="zh-CN" altLang="en-US" dirty="0" smtClean="0"/>
-              <a:t>学习</a:t>
-            </a:r>
-            <a:endParaRPr lang="en-US" altLang="zh-CN" dirty="0" smtClean="0"/>
-          </a:p>
-          <a:p>
-            <a:pPr lvl="1"/>
-            <a:r>
-              <a:rPr lang="zh-CN" altLang="en-US" dirty="0"/>
-              <a:t>长</a:t>
-            </a:r>
-            <a:r>
-              <a:rPr lang="zh-CN" altLang="en-US" dirty="0" smtClean="0"/>
-              <a:t>时间摸索、观察、学习</a:t>
-            </a:r>
-            <a:endParaRPr lang="zh-CN" altLang="en-US" dirty="0"/>
           </a:p>
         </p:txBody>
       </p:sp>
@@ -11399,7 +12891,7 @@
                                         <p:tgtEl>
                                           <p:spTgt spid="3">
                                             <p:txEl>
-                                              <p:pRg st="0" end="0"/>
+                                              <p:pRg st="2" end="2"/>
                                             </p:txEl>
                                           </p:spTgt>
                                         </p:tgtEl>
@@ -11417,7 +12909,7 @@
                                         <p:tgtEl>
                                           <p:spTgt spid="3">
                                             <p:txEl>
-                                              <p:pRg st="0" end="0"/>
+                                              <p:pRg st="2" end="2"/>
                                             </p:txEl>
                                           </p:spTgt>
                                         </p:tgtEl>
@@ -11444,7 +12936,7 @@
                                         <p:tgtEl>
                                           <p:spTgt spid="3">
                                             <p:txEl>
-                                              <p:pRg st="0" end="0"/>
+                                              <p:pRg st="2" end="2"/>
                                             </p:txEl>
                                           </p:spTgt>
                                         </p:tgtEl>
@@ -11502,7 +12994,7 @@
                                         <p:tgtEl>
                                           <p:spTgt spid="3">
                                             <p:txEl>
-                                              <p:pRg st="1" end="1"/>
+                                              <p:pRg st="0" end="0"/>
                                             </p:txEl>
                                           </p:spTgt>
                                         </p:tgtEl>
@@ -11520,7 +13012,7 @@
                                         <p:tgtEl>
                                           <p:spTgt spid="3">
                                             <p:txEl>
-                                              <p:pRg st="1" end="1"/>
+                                              <p:pRg st="0" end="0"/>
                                             </p:txEl>
                                           </p:spTgt>
                                         </p:tgtEl>
@@ -11547,7 +13039,7 @@
                                         <p:tgtEl>
                                           <p:spTgt spid="3">
                                             <p:txEl>
-                                              <p:pRg st="1" end="1"/>
+                                              <p:pRg st="0" end="0"/>
                                             </p:txEl>
                                           </p:spTgt>
                                         </p:tgtEl>
@@ -11605,7 +13097,7 @@
                                         <p:tgtEl>
                                           <p:spTgt spid="3">
                                             <p:txEl>
-                                              <p:pRg st="2" end="2"/>
+                                              <p:pRg st="1" end="1"/>
                                             </p:txEl>
                                           </p:spTgt>
                                         </p:tgtEl>
@@ -11623,7 +13115,7 @@
                                         <p:tgtEl>
                                           <p:spTgt spid="3">
                                             <p:txEl>
-                                              <p:pRg st="2" end="2"/>
+                                              <p:pRg st="1" end="1"/>
                                             </p:txEl>
                                           </p:spTgt>
                                         </p:tgtEl>
@@ -11650,7 +13142,7 @@
                                         <p:tgtEl>
                                           <p:spTgt spid="3">
                                             <p:txEl>
-                                              <p:pRg st="2" end="2"/>
+                                              <p:pRg st="1" end="1"/>
                                             </p:txEl>
                                           </p:spTgt>
                                         </p:tgtEl>
@@ -12014,7 +13506,7 @@
 </p:sld>
 </file>
 
-<file path=ppt/slides/slide5.xml><?xml version="1.0" encoding="utf-8"?>
+<file path=ppt/slides/slide6.xml><?xml version="1.0" encoding="utf-8"?>
 <p:sld xmlns:a="http://schemas.openxmlformats.org/drawingml/2006/main" xmlns:r="http://schemas.openxmlformats.org/officeDocument/2006/relationships" xmlns:p="http://schemas.openxmlformats.org/presentationml/2006/main">
   <p:cSld>
     <p:spTree>
@@ -12504,8 +13996,90 @@
 </p:sld>
 </file>
 
-<file path=ppt/slides/slide6.xml><?xml version="1.0" encoding="utf-8"?>
-<p:sld xmlns:a="http://schemas.openxmlformats.org/drawingml/2006/main" xmlns:r="http://schemas.openxmlformats.org/officeDocument/2006/relationships" xmlns:p="http://schemas.openxmlformats.org/presentationml/2006/main" show="0">
+<file path=ppt/slides/slide7.xml><?xml version="1.0" encoding="utf-8"?>
+<p:sld xmlns:a="http://schemas.openxmlformats.org/drawingml/2006/main" xmlns:r="http://schemas.openxmlformats.org/officeDocument/2006/relationships" xmlns:p="http://schemas.openxmlformats.org/presentationml/2006/main">
+  <p:cSld>
+    <p:spTree>
+      <p:nvGrpSpPr>
+        <p:cNvPr id="1" name=""/>
+        <p:cNvGrpSpPr/>
+        <p:nvPr/>
+      </p:nvGrpSpPr>
+      <p:grpSpPr>
+        <a:xfrm>
+          <a:off x="0" y="0"/>
+          <a:ext cx="0" cy="0"/>
+          <a:chOff x="0" y="0"/>
+          <a:chExt cx="0" cy="0"/>
+        </a:xfrm>
+      </p:grpSpPr>
+      <p:sp>
+        <p:nvSpPr>
+          <p:cNvPr id="2" name="标题 1"/>
+          <p:cNvSpPr>
+            <a:spLocks noGrp="1"/>
+          </p:cNvSpPr>
+          <p:nvPr>
+            <p:ph type="title"/>
+          </p:nvPr>
+        </p:nvSpPr>
+        <p:spPr/>
+        <p:txBody>
+          <a:bodyPr/>
+          <a:lstStyle/>
+          <a:p>
+            <a:r>
+              <a:rPr lang="zh-CN" altLang="en-US" dirty="0" smtClean="0"/>
+              <a:t>怎样进行探索</a:t>
+            </a:r>
+            <a:r>
+              <a:rPr lang="zh-CN" altLang="en-US" dirty="0"/>
+              <a:t>式软件测试</a:t>
+            </a:r>
+          </a:p>
+        </p:txBody>
+      </p:sp>
+      <p:sp>
+        <p:nvSpPr>
+          <p:cNvPr id="3" name="内容占位符 2"/>
+          <p:cNvSpPr>
+            <a:spLocks noGrp="1"/>
+          </p:cNvSpPr>
+          <p:nvPr>
+            <p:ph idx="1"/>
+          </p:nvPr>
+        </p:nvSpPr>
+        <p:spPr/>
+        <p:txBody>
+          <a:bodyPr/>
+          <a:lstStyle/>
+          <a:p>
+            <a:r>
+              <a:rPr lang="zh-CN" altLang="en-US" dirty="0" smtClean="0"/>
+              <a:t>制定探索章程</a:t>
+            </a:r>
+            <a:endParaRPr lang="en-US" altLang="zh-CN" dirty="0" smtClean="0"/>
+          </a:p>
+          <a:p>
+            <a:endParaRPr lang="zh-CN" altLang="en-US" dirty="0"/>
+          </a:p>
+        </p:txBody>
+      </p:sp>
+    </p:spTree>
+    <p:extLst>
+      <p:ext uri="{BB962C8B-B14F-4D97-AF65-F5344CB8AC3E}">
+        <p14:creationId xmlns:p14="http://schemas.microsoft.com/office/powerpoint/2010/main" val="2640521108"/>
+      </p:ext>
+    </p:extLst>
+  </p:cSld>
+  <p:clrMapOvr>
+    <a:masterClrMapping/>
+  </p:clrMapOvr>
+</p:sld>
+</file>
+
+<file path=ppt/slides/slide8.xml><?xml version="1.0" encoding="utf-8"?>
+<p:sld xmlns:a="http://schemas.openxmlformats.org/drawingml/2006/main" xmlns:r="http://schemas.openxmlformats.org/officeDocument/2006/relationships" xmlns:p="http://schemas.openxmlformats.org/presentationml/2006/main">
   <p:cSld>
     <p:spTree>
       <p:nvGrpSpPr>
@@ -12630,11 +14204,11 @@
   <p:clrMapOvr>
     <a:masterClrMapping/>
   </p:clrMapOvr>
-  <mc:AlternateContent xmlns:mc="http://schemas.openxmlformats.org/markup-compatibility/2006" xmlns:p14="http://schemas.microsoft.com/office/powerpoint/2010/main">
-    <mc:Choice Requires="p14">
+  <mc:AlternateContent xmlns:mc="http://schemas.openxmlformats.org/markup-compatibility/2006">
+    <mc:Choice xmlns:p14="http://schemas.microsoft.com/office/powerpoint/2010/main" Requires="p14">
       <p:transition spd="slow" p14:dur="2000"/>
     </mc:Choice>
-    <mc:Fallback xmlns="">
+    <mc:Fallback>
       <p:transition spd="slow"/>
     </mc:Fallback>
   </mc:AlternateContent>
@@ -12827,7 +14401,7 @@
 </p:sld>
 </file>
 
-<file path=ppt/slides/slide7.xml><?xml version="1.0" encoding="utf-8"?>
+<file path=ppt/slides/slide9.xml><?xml version="1.0" encoding="utf-8"?>
 <p:sld xmlns:a="http://schemas.openxmlformats.org/drawingml/2006/main" xmlns:r="http://schemas.openxmlformats.org/officeDocument/2006/relationships" xmlns:p="http://schemas.openxmlformats.org/presentationml/2006/main">
   <p:cSld>
     <p:spTree>
@@ -13260,1367 +14834,6 @@
         </p:cTn>
       </p:par>
     </p:tnLst>
-  </p:timing>
-</p:sld>
-</file>
-
-<file path=ppt/slides/slide8.xml><?xml version="1.0" encoding="utf-8"?>
-<p:sld xmlns:a="http://schemas.openxmlformats.org/drawingml/2006/main" xmlns:r="http://schemas.openxmlformats.org/officeDocument/2006/relationships" xmlns:p="http://schemas.openxmlformats.org/presentationml/2006/main">
-  <p:cSld>
-    <p:spTree>
-      <p:nvGrpSpPr>
-        <p:cNvPr id="1" name=""/>
-        <p:cNvGrpSpPr/>
-        <p:nvPr/>
-      </p:nvGrpSpPr>
-      <p:grpSpPr>
-        <a:xfrm>
-          <a:off x="0" y="0"/>
-          <a:ext cx="0" cy="0"/>
-          <a:chOff x="0" y="0"/>
-          <a:chExt cx="0" cy="0"/>
-        </a:xfrm>
-      </p:grpSpPr>
-      <p:sp>
-        <p:nvSpPr>
-          <p:cNvPr id="2" name="标题 1"/>
-          <p:cNvSpPr>
-            <a:spLocks noGrp="1"/>
-          </p:cNvSpPr>
-          <p:nvPr>
-            <p:ph type="title"/>
-          </p:nvPr>
-        </p:nvSpPr>
-        <p:spPr/>
-        <p:txBody>
-          <a:bodyPr/>
-          <a:lstStyle/>
-          <a:p>
-            <a:r>
-              <a:rPr lang="zh-CN" altLang="en-US" dirty="0" smtClean="0"/>
-              <a:t>章程</a:t>
-            </a:r>
-            <a:r>
-              <a:rPr lang="en-US" altLang="zh-CN" dirty="0" smtClean="0"/>
-              <a:t>—</a:t>
-            </a:r>
-            <a:r>
-              <a:rPr lang="zh-CN" altLang="en-US" dirty="0" smtClean="0"/>
-              <a:t>简单</a:t>
-            </a:r>
-            <a:endParaRPr lang="zh-CN" altLang="en-US" dirty="0"/>
-          </a:p>
-        </p:txBody>
-      </p:sp>
-      <p:sp>
-        <p:nvSpPr>
-          <p:cNvPr id="3" name="内容占位符 2"/>
-          <p:cNvSpPr>
-            <a:spLocks noGrp="1"/>
-          </p:cNvSpPr>
-          <p:nvPr>
-            <p:ph idx="1"/>
-          </p:nvPr>
-        </p:nvSpPr>
-        <p:spPr/>
-        <p:txBody>
-          <a:bodyPr/>
-          <a:lstStyle/>
-          <a:p>
-            <a:r>
-              <a:rPr lang="zh-CN" altLang="en-US" dirty="0" smtClean="0">
-                <a:solidFill>
-                  <a:srgbClr val="FF0000"/>
-                </a:solidFill>
-              </a:rPr>
-              <a:t>简单</a:t>
-            </a:r>
-            <a:r>
-              <a:rPr lang="zh-CN" altLang="en-US" dirty="0" smtClean="0"/>
-              <a:t>三要素</a:t>
-            </a:r>
-            <a:endParaRPr lang="en-US" altLang="zh-CN" dirty="0" smtClean="0"/>
-          </a:p>
-          <a:p>
-            <a:pPr lvl="1"/>
-            <a:r>
-              <a:rPr lang="zh-CN" altLang="en-US" dirty="0" smtClean="0"/>
-              <a:t>探索何处（模板）</a:t>
-            </a:r>
-            <a:endParaRPr lang="en-US" altLang="zh-CN" dirty="0" smtClean="0"/>
-          </a:p>
-          <a:p>
-            <a:pPr lvl="1"/>
-            <a:r>
-              <a:rPr lang="zh-CN" altLang="en-US" dirty="0" smtClean="0"/>
-              <a:t>可用资源（使用）</a:t>
-            </a:r>
-            <a:endParaRPr lang="en-US" altLang="zh-CN" dirty="0" smtClean="0"/>
-          </a:p>
-          <a:p>
-            <a:pPr lvl="1"/>
-            <a:r>
-              <a:rPr lang="zh-CN" altLang="en-US" dirty="0" smtClean="0"/>
-              <a:t>所寻信息（以图发现）</a:t>
-            </a:r>
-            <a:endParaRPr lang="en-US" altLang="zh-CN" dirty="0" smtClean="0"/>
-          </a:p>
-          <a:p>
-            <a:pPr lvl="1"/>
-            <a:endParaRPr lang="zh-CN" altLang="en-US" dirty="0"/>
-          </a:p>
-        </p:txBody>
-      </p:sp>
-      <p:sp>
-        <p:nvSpPr>
-          <p:cNvPr id="4" name="文本框 3"/>
-          <p:cNvSpPr txBox="1"/>
-          <p:nvPr/>
-        </p:nvSpPr>
-        <p:spPr>
-          <a:xfrm rot="20897802">
-            <a:off x="6701052" y="2666873"/>
-            <a:ext cx="3499016" cy="2308324"/>
-          </a:xfrm>
-          <a:prstGeom prst="rect">
-            <a:avLst/>
-          </a:prstGeom>
-          <a:noFill/>
-          <a:ln w="28575"/>
-        </p:spPr>
-        <p:style>
-          <a:lnRef idx="2">
-            <a:schemeClr val="accent6"/>
-          </a:lnRef>
-          <a:fillRef idx="1">
-            <a:schemeClr val="lt1"/>
-          </a:fillRef>
-          <a:effectRef idx="0">
-            <a:schemeClr val="accent6"/>
-          </a:effectRef>
-          <a:fontRef idx="minor">
-            <a:schemeClr val="dk1"/>
-          </a:fontRef>
-        </p:style>
-        <p:txBody>
-          <a:bodyPr wrap="square" rtlCol="0">
-            <a:spAutoFit/>
-          </a:bodyPr>
-          <a:lstStyle/>
-          <a:p>
-            <a:endParaRPr lang="en-US" altLang="zh-CN" sz="2400" dirty="0" smtClean="0">
-              <a:latin typeface="全新硬笔楷书简" panose="02010600040101010101" pitchFamily="2" charset="-122"/>
-              <a:ea typeface="全新硬笔楷书简" panose="02010600040101010101" pitchFamily="2" charset="-122"/>
-            </a:endParaRPr>
-          </a:p>
-          <a:p>
-            <a:r>
-              <a:rPr lang="zh-CN" altLang="en-US" sz="2400" dirty="0" smtClean="0">
-                <a:latin typeface="全新硬笔楷书简" panose="02010600040101010101" pitchFamily="2" charset="-122"/>
-                <a:ea typeface="全新硬笔楷书简" panose="02010600040101010101" pitchFamily="2" charset="-122"/>
-              </a:rPr>
-              <a:t>探索编辑档案</a:t>
-            </a:r>
-            <a:endParaRPr lang="en-US" altLang="zh-CN" sz="2400" dirty="0" smtClean="0">
-              <a:latin typeface="全新硬笔楷书简" panose="02010600040101010101" pitchFamily="2" charset="-122"/>
-              <a:ea typeface="全新硬笔楷书简" panose="02010600040101010101" pitchFamily="2" charset="-122"/>
-            </a:endParaRPr>
-          </a:p>
-          <a:p>
-            <a:r>
-              <a:rPr lang="zh-CN" altLang="en-US" sz="2400" dirty="0" smtClean="0">
-                <a:latin typeface="全新硬笔楷书简" panose="02010600040101010101" pitchFamily="2" charset="-122"/>
-                <a:ea typeface="全新硬笔楷书简" panose="02010600040101010101" pitchFamily="2" charset="-122"/>
-              </a:rPr>
-              <a:t>使用注入式攻击</a:t>
-            </a:r>
-            <a:endParaRPr lang="en-US" altLang="zh-CN" sz="2400" dirty="0" smtClean="0">
-              <a:latin typeface="全新硬笔楷书简" panose="02010600040101010101" pitchFamily="2" charset="-122"/>
-              <a:ea typeface="全新硬笔楷书简" panose="02010600040101010101" pitchFamily="2" charset="-122"/>
-            </a:endParaRPr>
-          </a:p>
-          <a:p>
-            <a:r>
-              <a:rPr lang="zh-CN" altLang="en-US" sz="2400" dirty="0">
-                <a:latin typeface="全新硬笔楷书简" panose="02010600040101010101" pitchFamily="2" charset="-122"/>
-                <a:ea typeface="全新硬笔楷书简" panose="02010600040101010101" pitchFamily="2" charset="-122"/>
-              </a:rPr>
-              <a:t>以</a:t>
-            </a:r>
-            <a:r>
-              <a:rPr lang="zh-CN" altLang="en-US" sz="2400" dirty="0" smtClean="0">
-                <a:latin typeface="全新硬笔楷书简" panose="02010600040101010101" pitchFamily="2" charset="-122"/>
-                <a:ea typeface="全新硬笔楷书简" panose="02010600040101010101" pitchFamily="2" charset="-122"/>
-              </a:rPr>
-              <a:t>图发现安全的弱点</a:t>
-            </a:r>
-            <a:endParaRPr lang="en-US" altLang="zh-CN" sz="2400" dirty="0" smtClean="0">
-              <a:latin typeface="全新硬笔楷书简" panose="02010600040101010101" pitchFamily="2" charset="-122"/>
-              <a:ea typeface="全新硬笔楷书简" panose="02010600040101010101" pitchFamily="2" charset="-122"/>
-            </a:endParaRPr>
-          </a:p>
-          <a:p>
-            <a:endParaRPr lang="en-US" altLang="zh-CN" sz="2400" dirty="0">
-              <a:latin typeface="全新硬笔楷书简" panose="02010600040101010101" pitchFamily="2" charset="-122"/>
-              <a:ea typeface="全新硬笔楷书简" panose="02010600040101010101" pitchFamily="2" charset="-122"/>
-            </a:endParaRPr>
-          </a:p>
-          <a:p>
-            <a:endParaRPr lang="zh-CN" altLang="en-US" sz="2400" dirty="0">
-              <a:latin typeface="全新硬笔楷书简" panose="02010600040101010101" pitchFamily="2" charset="-122"/>
-              <a:ea typeface="全新硬笔楷书简" panose="02010600040101010101" pitchFamily="2" charset="-122"/>
-            </a:endParaRPr>
-          </a:p>
-        </p:txBody>
-      </p:sp>
-    </p:spTree>
-    <p:extLst>
-      <p:ext uri="{BB962C8B-B14F-4D97-AF65-F5344CB8AC3E}">
-        <p14:creationId xmlns:p14="http://schemas.microsoft.com/office/powerpoint/2010/main" val="373293910"/>
-      </p:ext>
-    </p:extLst>
-  </p:cSld>
-  <p:clrMapOvr>
-    <a:masterClrMapping/>
-  </p:clrMapOvr>
-  <p:timing>
-    <p:tnLst>
-      <p:par>
-        <p:cTn id="1" dur="indefinite" restart="never" nodeType="tmRoot">
-          <p:childTnLst>
-            <p:seq concurrent="1" nextAc="seek">
-              <p:cTn id="2" dur="indefinite" nodeType="mainSeq">
-                <p:childTnLst>
-                  <p:par>
-                    <p:cTn id="3" fill="hold">
-                      <p:stCondLst>
-                        <p:cond delay="indefinite"/>
-                      </p:stCondLst>
-                      <p:childTnLst>
-                        <p:par>
-                          <p:cTn id="4" fill="hold">
-                            <p:stCondLst>
-                              <p:cond delay="0"/>
-                            </p:stCondLst>
-                            <p:childTnLst>
-                              <p:par>
-                                <p:cTn id="5" presetID="2" presetClass="entr" presetSubtype="4" fill="hold" nodeType="clickEffect">
-                                  <p:stCondLst>
-                                    <p:cond delay="0"/>
-                                  </p:stCondLst>
-                                  <p:childTnLst>
-                                    <p:set>
-                                      <p:cBhvr>
-                                        <p:cTn id="6" dur="1" fill="hold">
-                                          <p:stCondLst>
-                                            <p:cond delay="0"/>
-                                          </p:stCondLst>
-                                        </p:cTn>
-                                        <p:tgtEl>
-                                          <p:spTgt spid="3">
-                                            <p:txEl>
-                                              <p:pRg st="1" end="1"/>
-                                            </p:txEl>
-                                          </p:spTgt>
-                                        </p:tgtEl>
-                                        <p:attrNameLst>
-                                          <p:attrName>style.visibility</p:attrName>
-                                        </p:attrNameLst>
-                                      </p:cBhvr>
-                                      <p:to>
-                                        <p:strVal val="visible"/>
-                                      </p:to>
-                                    </p:set>
-                                    <p:anim calcmode="lin" valueType="num">
-                                      <p:cBhvr additive="base">
-                                        <p:cTn id="7" dur="500" fill="hold"/>
-                                        <p:tgtEl>
-                                          <p:spTgt spid="3">
-                                            <p:txEl>
-                                              <p:pRg st="1" end="1"/>
-                                            </p:txEl>
-                                          </p:spTgt>
-                                        </p:tgtEl>
-                                        <p:attrNameLst>
-                                          <p:attrName>ppt_x</p:attrName>
-                                        </p:attrNameLst>
-                                      </p:cBhvr>
-                                      <p:tavLst>
-                                        <p:tav tm="0">
-                                          <p:val>
-                                            <p:strVal val="#ppt_x"/>
-                                          </p:val>
-                                        </p:tav>
-                                        <p:tav tm="100000">
-                                          <p:val>
-                                            <p:strVal val="#ppt_x"/>
-                                          </p:val>
-                                        </p:tav>
-                                      </p:tavLst>
-                                    </p:anim>
-                                    <p:anim calcmode="lin" valueType="num">
-                                      <p:cBhvr additive="base">
-                                        <p:cTn id="8" dur="500" fill="hold"/>
-                                        <p:tgtEl>
-                                          <p:spTgt spid="3">
-                                            <p:txEl>
-                                              <p:pRg st="1" end="1"/>
-                                            </p:txEl>
-                                          </p:spTgt>
-                                        </p:tgtEl>
-                                        <p:attrNameLst>
-                                          <p:attrName>ppt_y</p:attrName>
-                                        </p:attrNameLst>
-                                      </p:cBhvr>
-                                      <p:tavLst>
-                                        <p:tav tm="0">
-                                          <p:val>
-                                            <p:strVal val="1+#ppt_h/2"/>
-                                          </p:val>
-                                        </p:tav>
-                                        <p:tav tm="100000">
-                                          <p:val>
-                                            <p:strVal val="#ppt_y"/>
-                                          </p:val>
-                                        </p:tav>
-                                      </p:tavLst>
-                                    </p:anim>
-                                  </p:childTnLst>
-                                </p:cTn>
-                              </p:par>
-                            </p:childTnLst>
-                          </p:cTn>
-                        </p:par>
-                      </p:childTnLst>
-                    </p:cTn>
-                  </p:par>
-                  <p:par>
-                    <p:cTn id="9" fill="hold">
-                      <p:stCondLst>
-                        <p:cond delay="indefinite"/>
-                      </p:stCondLst>
-                      <p:childTnLst>
-                        <p:par>
-                          <p:cTn id="10" fill="hold">
-                            <p:stCondLst>
-                              <p:cond delay="0"/>
-                            </p:stCondLst>
-                            <p:childTnLst>
-                              <p:par>
-                                <p:cTn id="11" presetID="2" presetClass="entr" presetSubtype="4" fill="hold" nodeType="clickEffect">
-                                  <p:stCondLst>
-                                    <p:cond delay="0"/>
-                                  </p:stCondLst>
-                                  <p:childTnLst>
-                                    <p:set>
-                                      <p:cBhvr>
-                                        <p:cTn id="12" dur="1" fill="hold">
-                                          <p:stCondLst>
-                                            <p:cond delay="0"/>
-                                          </p:stCondLst>
-                                        </p:cTn>
-                                        <p:tgtEl>
-                                          <p:spTgt spid="3">
-                                            <p:txEl>
-                                              <p:pRg st="2" end="2"/>
-                                            </p:txEl>
-                                          </p:spTgt>
-                                        </p:tgtEl>
-                                        <p:attrNameLst>
-                                          <p:attrName>style.visibility</p:attrName>
-                                        </p:attrNameLst>
-                                      </p:cBhvr>
-                                      <p:to>
-                                        <p:strVal val="visible"/>
-                                      </p:to>
-                                    </p:set>
-                                    <p:anim calcmode="lin" valueType="num">
-                                      <p:cBhvr additive="base">
-                                        <p:cTn id="13" dur="500" fill="hold"/>
-                                        <p:tgtEl>
-                                          <p:spTgt spid="3">
-                                            <p:txEl>
-                                              <p:pRg st="2" end="2"/>
-                                            </p:txEl>
-                                          </p:spTgt>
-                                        </p:tgtEl>
-                                        <p:attrNameLst>
-                                          <p:attrName>ppt_x</p:attrName>
-                                        </p:attrNameLst>
-                                      </p:cBhvr>
-                                      <p:tavLst>
-                                        <p:tav tm="0">
-                                          <p:val>
-                                            <p:strVal val="#ppt_x"/>
-                                          </p:val>
-                                        </p:tav>
-                                        <p:tav tm="100000">
-                                          <p:val>
-                                            <p:strVal val="#ppt_x"/>
-                                          </p:val>
-                                        </p:tav>
-                                      </p:tavLst>
-                                    </p:anim>
-                                    <p:anim calcmode="lin" valueType="num">
-                                      <p:cBhvr additive="base">
-                                        <p:cTn id="14" dur="500" fill="hold"/>
-                                        <p:tgtEl>
-                                          <p:spTgt spid="3">
-                                            <p:txEl>
-                                              <p:pRg st="2" end="2"/>
-                                            </p:txEl>
-                                          </p:spTgt>
-                                        </p:tgtEl>
-                                        <p:attrNameLst>
-                                          <p:attrName>ppt_y</p:attrName>
-                                        </p:attrNameLst>
-                                      </p:cBhvr>
-                                      <p:tavLst>
-                                        <p:tav tm="0">
-                                          <p:val>
-                                            <p:strVal val="1+#ppt_h/2"/>
-                                          </p:val>
-                                        </p:tav>
-                                        <p:tav tm="100000">
-                                          <p:val>
-                                            <p:strVal val="#ppt_y"/>
-                                          </p:val>
-                                        </p:tav>
-                                      </p:tavLst>
-                                    </p:anim>
-                                  </p:childTnLst>
-                                </p:cTn>
-                              </p:par>
-                            </p:childTnLst>
-                          </p:cTn>
-                        </p:par>
-                      </p:childTnLst>
-                    </p:cTn>
-                  </p:par>
-                  <p:par>
-                    <p:cTn id="15" fill="hold">
-                      <p:stCondLst>
-                        <p:cond delay="indefinite"/>
-                      </p:stCondLst>
-                      <p:childTnLst>
-                        <p:par>
-                          <p:cTn id="16" fill="hold">
-                            <p:stCondLst>
-                              <p:cond delay="0"/>
-                            </p:stCondLst>
-                            <p:childTnLst>
-                              <p:par>
-                                <p:cTn id="17" presetID="2" presetClass="entr" presetSubtype="4" fill="hold" nodeType="clickEffect">
-                                  <p:stCondLst>
-                                    <p:cond delay="0"/>
-                                  </p:stCondLst>
-                                  <p:childTnLst>
-                                    <p:set>
-                                      <p:cBhvr>
-                                        <p:cTn id="18" dur="1" fill="hold">
-                                          <p:stCondLst>
-                                            <p:cond delay="0"/>
-                                          </p:stCondLst>
-                                        </p:cTn>
-                                        <p:tgtEl>
-                                          <p:spTgt spid="3">
-                                            <p:txEl>
-                                              <p:pRg st="3" end="3"/>
-                                            </p:txEl>
-                                          </p:spTgt>
-                                        </p:tgtEl>
-                                        <p:attrNameLst>
-                                          <p:attrName>style.visibility</p:attrName>
-                                        </p:attrNameLst>
-                                      </p:cBhvr>
-                                      <p:to>
-                                        <p:strVal val="visible"/>
-                                      </p:to>
-                                    </p:set>
-                                    <p:anim calcmode="lin" valueType="num">
-                                      <p:cBhvr additive="base">
-                                        <p:cTn id="19" dur="500" fill="hold"/>
-                                        <p:tgtEl>
-                                          <p:spTgt spid="3">
-                                            <p:txEl>
-                                              <p:pRg st="3" end="3"/>
-                                            </p:txEl>
-                                          </p:spTgt>
-                                        </p:tgtEl>
-                                        <p:attrNameLst>
-                                          <p:attrName>ppt_x</p:attrName>
-                                        </p:attrNameLst>
-                                      </p:cBhvr>
-                                      <p:tavLst>
-                                        <p:tav tm="0">
-                                          <p:val>
-                                            <p:strVal val="#ppt_x"/>
-                                          </p:val>
-                                        </p:tav>
-                                        <p:tav tm="100000">
-                                          <p:val>
-                                            <p:strVal val="#ppt_x"/>
-                                          </p:val>
-                                        </p:tav>
-                                      </p:tavLst>
-                                    </p:anim>
-                                    <p:anim calcmode="lin" valueType="num">
-                                      <p:cBhvr additive="base">
-                                        <p:cTn id="20" dur="500" fill="hold"/>
-                                        <p:tgtEl>
-                                          <p:spTgt spid="3">
-                                            <p:txEl>
-                                              <p:pRg st="3" end="3"/>
-                                            </p:txEl>
-                                          </p:spTgt>
-                                        </p:tgtEl>
-                                        <p:attrNameLst>
-                                          <p:attrName>ppt_y</p:attrName>
-                                        </p:attrNameLst>
-                                      </p:cBhvr>
-                                      <p:tavLst>
-                                        <p:tav tm="0">
-                                          <p:val>
-                                            <p:strVal val="1+#ppt_h/2"/>
-                                          </p:val>
-                                        </p:tav>
-                                        <p:tav tm="100000">
-                                          <p:val>
-                                            <p:strVal val="#ppt_y"/>
-                                          </p:val>
-                                        </p:tav>
-                                      </p:tavLst>
-                                    </p:anim>
-                                  </p:childTnLst>
-                                </p:cTn>
-                              </p:par>
-                            </p:childTnLst>
-                          </p:cTn>
-                        </p:par>
-                      </p:childTnLst>
-                    </p:cTn>
-                  </p:par>
-                  <p:par>
-                    <p:cTn id="21" fill="hold">
-                      <p:stCondLst>
-                        <p:cond delay="indefinite"/>
-                      </p:stCondLst>
-                      <p:childTnLst>
-                        <p:par>
-                          <p:cTn id="22" fill="hold">
-                            <p:stCondLst>
-                              <p:cond delay="0"/>
-                            </p:stCondLst>
-                            <p:childTnLst>
-                              <p:par>
-                                <p:cTn id="23" presetID="22" presetClass="entr" presetSubtype="8" fill="hold" grpId="0" nodeType="clickEffect">
-                                  <p:stCondLst>
-                                    <p:cond delay="0"/>
-                                  </p:stCondLst>
-                                  <p:childTnLst>
-                                    <p:set>
-                                      <p:cBhvr>
-                                        <p:cTn id="24" dur="1" fill="hold">
-                                          <p:stCondLst>
-                                            <p:cond delay="0"/>
-                                          </p:stCondLst>
-                                        </p:cTn>
-                                        <p:tgtEl>
-                                          <p:spTgt spid="4">
-                                            <p:bg/>
-                                          </p:spTgt>
-                                        </p:tgtEl>
-                                        <p:attrNameLst>
-                                          <p:attrName>style.visibility</p:attrName>
-                                        </p:attrNameLst>
-                                      </p:cBhvr>
-                                      <p:to>
-                                        <p:strVal val="visible"/>
-                                      </p:to>
-                                    </p:set>
-                                    <p:animEffect transition="in" filter="wipe(left)">
-                                      <p:cBhvr>
-                                        <p:cTn id="25" dur="500"/>
-                                        <p:tgtEl>
-                                          <p:spTgt spid="4">
-                                            <p:bg/>
-                                          </p:spTgt>
-                                        </p:tgtEl>
-                                      </p:cBhvr>
-                                    </p:animEffect>
-                                  </p:childTnLst>
-                                </p:cTn>
-                              </p:par>
-                            </p:childTnLst>
-                          </p:cTn>
-                        </p:par>
-                      </p:childTnLst>
-                    </p:cTn>
-                  </p:par>
-                  <p:par>
-                    <p:cTn id="26" fill="hold">
-                      <p:stCondLst>
-                        <p:cond delay="indefinite"/>
-                      </p:stCondLst>
-                      <p:childTnLst>
-                        <p:par>
-                          <p:cTn id="27" fill="hold">
-                            <p:stCondLst>
-                              <p:cond delay="0"/>
-                            </p:stCondLst>
-                            <p:childTnLst>
-                              <p:par>
-                                <p:cTn id="28" presetID="22" presetClass="entr" presetSubtype="8" fill="hold" grpId="0" nodeType="clickEffect">
-                                  <p:stCondLst>
-                                    <p:cond delay="0"/>
-                                  </p:stCondLst>
-                                  <p:childTnLst>
-                                    <p:set>
-                                      <p:cBhvr>
-                                        <p:cTn id="29" dur="1" fill="hold">
-                                          <p:stCondLst>
-                                            <p:cond delay="0"/>
-                                          </p:stCondLst>
-                                        </p:cTn>
-                                        <p:tgtEl>
-                                          <p:spTgt spid="4">
-                                            <p:txEl>
-                                              <p:pRg st="1" end="1"/>
-                                            </p:txEl>
-                                          </p:spTgt>
-                                        </p:tgtEl>
-                                        <p:attrNameLst>
-                                          <p:attrName>style.visibility</p:attrName>
-                                        </p:attrNameLst>
-                                      </p:cBhvr>
-                                      <p:to>
-                                        <p:strVal val="visible"/>
-                                      </p:to>
-                                    </p:set>
-                                    <p:animEffect transition="in" filter="wipe(left)">
-                                      <p:cBhvr>
-                                        <p:cTn id="30" dur="500"/>
-                                        <p:tgtEl>
-                                          <p:spTgt spid="4">
-                                            <p:txEl>
-                                              <p:pRg st="1" end="1"/>
-                                            </p:txEl>
-                                          </p:spTgt>
-                                        </p:tgtEl>
-                                      </p:cBhvr>
-                                    </p:animEffect>
-                                  </p:childTnLst>
-                                </p:cTn>
-                              </p:par>
-                            </p:childTnLst>
-                          </p:cTn>
-                        </p:par>
-                      </p:childTnLst>
-                    </p:cTn>
-                  </p:par>
-                  <p:par>
-                    <p:cTn id="31" fill="hold">
-                      <p:stCondLst>
-                        <p:cond delay="indefinite"/>
-                      </p:stCondLst>
-                      <p:childTnLst>
-                        <p:par>
-                          <p:cTn id="32" fill="hold">
-                            <p:stCondLst>
-                              <p:cond delay="0"/>
-                            </p:stCondLst>
-                            <p:childTnLst>
-                              <p:par>
-                                <p:cTn id="33" presetID="22" presetClass="entr" presetSubtype="8" fill="hold" grpId="0" nodeType="clickEffect">
-                                  <p:stCondLst>
-                                    <p:cond delay="0"/>
-                                  </p:stCondLst>
-                                  <p:childTnLst>
-                                    <p:set>
-                                      <p:cBhvr>
-                                        <p:cTn id="34" dur="1" fill="hold">
-                                          <p:stCondLst>
-                                            <p:cond delay="0"/>
-                                          </p:stCondLst>
-                                        </p:cTn>
-                                        <p:tgtEl>
-                                          <p:spTgt spid="4">
-                                            <p:txEl>
-                                              <p:pRg st="2" end="2"/>
-                                            </p:txEl>
-                                          </p:spTgt>
-                                        </p:tgtEl>
-                                        <p:attrNameLst>
-                                          <p:attrName>style.visibility</p:attrName>
-                                        </p:attrNameLst>
-                                      </p:cBhvr>
-                                      <p:to>
-                                        <p:strVal val="visible"/>
-                                      </p:to>
-                                    </p:set>
-                                    <p:animEffect transition="in" filter="wipe(left)">
-                                      <p:cBhvr>
-                                        <p:cTn id="35" dur="500"/>
-                                        <p:tgtEl>
-                                          <p:spTgt spid="4">
-                                            <p:txEl>
-                                              <p:pRg st="2" end="2"/>
-                                            </p:txEl>
-                                          </p:spTgt>
-                                        </p:tgtEl>
-                                      </p:cBhvr>
-                                    </p:animEffect>
-                                  </p:childTnLst>
-                                </p:cTn>
-                              </p:par>
-                            </p:childTnLst>
-                          </p:cTn>
-                        </p:par>
-                      </p:childTnLst>
-                    </p:cTn>
-                  </p:par>
-                  <p:par>
-                    <p:cTn id="36" fill="hold">
-                      <p:stCondLst>
-                        <p:cond delay="indefinite"/>
-                      </p:stCondLst>
-                      <p:childTnLst>
-                        <p:par>
-                          <p:cTn id="37" fill="hold">
-                            <p:stCondLst>
-                              <p:cond delay="0"/>
-                            </p:stCondLst>
-                            <p:childTnLst>
-                              <p:par>
-                                <p:cTn id="38" presetID="22" presetClass="entr" presetSubtype="8" fill="hold" grpId="0" nodeType="clickEffect">
-                                  <p:stCondLst>
-                                    <p:cond delay="0"/>
-                                  </p:stCondLst>
-                                  <p:childTnLst>
-                                    <p:set>
-                                      <p:cBhvr>
-                                        <p:cTn id="39" dur="1" fill="hold">
-                                          <p:stCondLst>
-                                            <p:cond delay="0"/>
-                                          </p:stCondLst>
-                                        </p:cTn>
-                                        <p:tgtEl>
-                                          <p:spTgt spid="4">
-                                            <p:txEl>
-                                              <p:pRg st="3" end="3"/>
-                                            </p:txEl>
-                                          </p:spTgt>
-                                        </p:tgtEl>
-                                        <p:attrNameLst>
-                                          <p:attrName>style.visibility</p:attrName>
-                                        </p:attrNameLst>
-                                      </p:cBhvr>
-                                      <p:to>
-                                        <p:strVal val="visible"/>
-                                      </p:to>
-                                    </p:set>
-                                    <p:animEffect transition="in" filter="wipe(left)">
-                                      <p:cBhvr>
-                                        <p:cTn id="40" dur="500"/>
-                                        <p:tgtEl>
-                                          <p:spTgt spid="4">
-                                            <p:txEl>
-                                              <p:pRg st="3" end="3"/>
-                                            </p:txEl>
-                                          </p:spTgt>
-                                        </p:tgtEl>
-                                      </p:cBhvr>
-                                    </p:animEffect>
-                                  </p:childTnLst>
-                                </p:cTn>
-                              </p:par>
-                            </p:childTnLst>
-                          </p:cTn>
-                        </p:par>
-                      </p:childTnLst>
-                    </p:cTn>
-                  </p:par>
-                </p:childTnLst>
-              </p:cTn>
-              <p:prevCondLst>
-                <p:cond evt="onPrev" delay="0">
-                  <p:tgtEl>
-                    <p:sldTgt/>
-                  </p:tgtEl>
-                </p:cond>
-              </p:prevCondLst>
-              <p:nextCondLst>
-                <p:cond evt="onNext" delay="0">
-                  <p:tgtEl>
-                    <p:sldTgt/>
-                  </p:tgtEl>
-                </p:cond>
-              </p:nextCondLst>
-            </p:seq>
-          </p:childTnLst>
-        </p:cTn>
-      </p:par>
-    </p:tnLst>
-    <p:bldLst>
-      <p:bldP spid="4" grpId="0" build="p" animBg="1"/>
-    </p:bldLst>
-  </p:timing>
-</p:sld>
-</file>
-
-<file path=ppt/slides/slide9.xml><?xml version="1.0" encoding="utf-8"?>
-<p:sld xmlns:a="http://schemas.openxmlformats.org/drawingml/2006/main" xmlns:r="http://schemas.openxmlformats.org/officeDocument/2006/relationships" xmlns:p="http://schemas.openxmlformats.org/presentationml/2006/main">
-  <p:cSld>
-    <p:spTree>
-      <p:nvGrpSpPr>
-        <p:cNvPr id="1" name=""/>
-        <p:cNvGrpSpPr/>
-        <p:nvPr/>
-      </p:nvGrpSpPr>
-      <p:grpSpPr>
-        <a:xfrm>
-          <a:off x="0" y="0"/>
-          <a:ext cx="0" cy="0"/>
-          <a:chOff x="0" y="0"/>
-          <a:chExt cx="0" cy="0"/>
-        </a:xfrm>
-      </p:grpSpPr>
-      <p:sp>
-        <p:nvSpPr>
-          <p:cNvPr id="2" name="标题 1"/>
-          <p:cNvSpPr>
-            <a:spLocks noGrp="1"/>
-          </p:cNvSpPr>
-          <p:nvPr>
-            <p:ph type="title"/>
-          </p:nvPr>
-        </p:nvSpPr>
-        <p:spPr/>
-        <p:txBody>
-          <a:bodyPr/>
-          <a:lstStyle/>
-          <a:p>
-            <a:r>
-              <a:rPr lang="zh-CN" altLang="en-US" dirty="0" smtClean="0"/>
-              <a:t>探索式软件测试</a:t>
-            </a:r>
-            <a:r>
-              <a:rPr lang="en-US" altLang="zh-CN" dirty="0" smtClean="0"/>
-              <a:t>—</a:t>
-            </a:r>
-            <a:r>
-              <a:rPr lang="zh-CN" altLang="en-US" dirty="0" smtClean="0"/>
-              <a:t>简单</a:t>
-            </a:r>
-            <a:endParaRPr lang="zh-CN" altLang="en-US" dirty="0"/>
-          </a:p>
-        </p:txBody>
-      </p:sp>
-      <p:sp>
-        <p:nvSpPr>
-          <p:cNvPr id="3" name="内容占位符 2"/>
-          <p:cNvSpPr>
-            <a:spLocks noGrp="1"/>
-          </p:cNvSpPr>
-          <p:nvPr>
-            <p:ph idx="1"/>
-          </p:nvPr>
-        </p:nvSpPr>
-        <p:spPr>
-          <a:xfrm>
-            <a:off x="5898524" y="1089024"/>
-            <a:ext cx="5467976" cy="4930775"/>
-          </a:xfrm>
-        </p:spPr>
-        <p:txBody>
-          <a:bodyPr/>
-          <a:lstStyle/>
-          <a:p>
-            <a:r>
-              <a:rPr lang="zh-CN" altLang="en-US" dirty="0" smtClean="0"/>
-              <a:t>太过具体，没有可探索的</a:t>
-            </a:r>
-            <a:endParaRPr lang="en-US" altLang="zh-CN" dirty="0" smtClean="0"/>
-          </a:p>
-          <a:p>
-            <a:r>
-              <a:rPr lang="zh-CN" altLang="en-US" dirty="0" smtClean="0"/>
-              <a:t>更像是一个测试用例</a:t>
-            </a:r>
-            <a:endParaRPr lang="zh-CN" altLang="en-US" dirty="0"/>
-          </a:p>
-        </p:txBody>
-      </p:sp>
-      <p:sp>
-        <p:nvSpPr>
-          <p:cNvPr id="4" name="文本框 3"/>
-          <p:cNvSpPr txBox="1"/>
-          <p:nvPr/>
-        </p:nvSpPr>
-        <p:spPr>
-          <a:xfrm rot="20897802">
-            <a:off x="1485108" y="2070084"/>
-            <a:ext cx="3499016" cy="2677656"/>
-          </a:xfrm>
-          <a:prstGeom prst="rect">
-            <a:avLst/>
-          </a:prstGeom>
-          <a:noFill/>
-          <a:ln w="28575"/>
-        </p:spPr>
-        <p:style>
-          <a:lnRef idx="2">
-            <a:schemeClr val="accent6"/>
-          </a:lnRef>
-          <a:fillRef idx="1">
-            <a:schemeClr val="lt1"/>
-          </a:fillRef>
-          <a:effectRef idx="0">
-            <a:schemeClr val="accent6"/>
-          </a:effectRef>
-          <a:fontRef idx="minor">
-            <a:schemeClr val="dk1"/>
-          </a:fontRef>
-        </p:style>
-        <p:txBody>
-          <a:bodyPr wrap="square" rtlCol="0">
-            <a:spAutoFit/>
-          </a:bodyPr>
-          <a:lstStyle/>
-          <a:p>
-            <a:endParaRPr lang="en-US" altLang="zh-CN" sz="2400" dirty="0" smtClean="0">
-              <a:latin typeface="全新硬笔楷书简" panose="02010600040101010101" pitchFamily="2" charset="-122"/>
-              <a:ea typeface="全新硬笔楷书简" panose="02010600040101010101" pitchFamily="2" charset="-122"/>
-            </a:endParaRPr>
-          </a:p>
-          <a:p>
-            <a:r>
-              <a:rPr lang="zh-CN" altLang="en-US" sz="2400" dirty="0" smtClean="0">
-                <a:latin typeface="全新硬笔楷书简" panose="02010600040101010101" pitchFamily="2" charset="-122"/>
-                <a:ea typeface="全新硬笔楷书简" panose="02010600040101010101" pitchFamily="2" charset="-122"/>
-              </a:rPr>
-              <a:t>探索编辑姓氏</a:t>
-            </a:r>
-            <a:endParaRPr lang="en-US" altLang="zh-CN" sz="2400" dirty="0" smtClean="0">
-              <a:latin typeface="全新硬笔楷书简" panose="02010600040101010101" pitchFamily="2" charset="-122"/>
-              <a:ea typeface="全新硬笔楷书简" panose="02010600040101010101" pitchFamily="2" charset="-122"/>
-            </a:endParaRPr>
-          </a:p>
-          <a:p>
-            <a:r>
-              <a:rPr lang="zh-CN" altLang="en-US" sz="2400" dirty="0" smtClean="0">
-                <a:latin typeface="全新硬笔楷书简" panose="02010600040101010101" pitchFamily="2" charset="-122"/>
-                <a:ea typeface="全新硬笔楷书简" panose="02010600040101010101" pitchFamily="2" charset="-122"/>
-              </a:rPr>
-              <a:t>使用输入值“</a:t>
-            </a:r>
-            <a:r>
-              <a:rPr lang="en-US" altLang="zh-CN" sz="2400" dirty="0" smtClean="0">
-                <a:latin typeface="Comic Sans MS" panose="030F0702030302020204" pitchFamily="66" charset="0"/>
-                <a:ea typeface="Adobe Myungjo Std M" panose="02020600000000000000" pitchFamily="18" charset="-128"/>
-              </a:rPr>
-              <a:t>O’Malley</a:t>
-            </a:r>
-            <a:r>
-              <a:rPr lang="zh-CN" altLang="en-US" sz="2400" dirty="0" smtClean="0">
-                <a:latin typeface="全新硬笔楷书简" panose="02010600040101010101" pitchFamily="2" charset="-122"/>
-                <a:ea typeface="全新硬笔楷书简" panose="02010600040101010101" pitchFamily="2" charset="-122"/>
-              </a:rPr>
-              <a:t>”</a:t>
-            </a:r>
-            <a:endParaRPr lang="en-US" altLang="zh-CN" sz="2400" dirty="0" smtClean="0">
-              <a:latin typeface="全新硬笔楷书简" panose="02010600040101010101" pitchFamily="2" charset="-122"/>
-              <a:ea typeface="全新硬笔楷书简" panose="02010600040101010101" pitchFamily="2" charset="-122"/>
-            </a:endParaRPr>
-          </a:p>
-          <a:p>
-            <a:r>
-              <a:rPr lang="zh-CN" altLang="en-US" sz="2400" dirty="0" smtClean="0">
-                <a:latin typeface="全新硬笔楷书简" panose="02010600040101010101" pitchFamily="2" charset="-122"/>
-                <a:ea typeface="全新硬笔楷书简" panose="02010600040101010101" pitchFamily="2" charset="-122"/>
-              </a:rPr>
-              <a:t>以图发现档案编辑</a:t>
-            </a:r>
-            <a:endParaRPr lang="en-US" altLang="zh-CN" sz="2400" dirty="0" smtClean="0">
-              <a:latin typeface="全新硬笔楷书简" panose="02010600040101010101" pitchFamily="2" charset="-122"/>
-              <a:ea typeface="全新硬笔楷书简" panose="02010600040101010101" pitchFamily="2" charset="-122"/>
-            </a:endParaRPr>
-          </a:p>
-          <a:p>
-            <a:r>
-              <a:rPr lang="zh-CN" altLang="en-US" sz="2400" dirty="0" smtClean="0">
-                <a:latin typeface="全新硬笔楷书简" panose="02010600040101010101" pitchFamily="2" charset="-122"/>
-                <a:ea typeface="全新硬笔楷书简" panose="02010600040101010101" pitchFamily="2" charset="-122"/>
-              </a:rPr>
-              <a:t>功能是否能处理</a:t>
-            </a:r>
-            <a:endParaRPr lang="en-US" altLang="zh-CN" sz="2400" dirty="0" smtClean="0">
-              <a:latin typeface="全新硬笔楷书简" panose="02010600040101010101" pitchFamily="2" charset="-122"/>
-              <a:ea typeface="全新硬笔楷书简" panose="02010600040101010101" pitchFamily="2" charset="-122"/>
-            </a:endParaRPr>
-          </a:p>
-          <a:p>
-            <a:r>
-              <a:rPr lang="zh-CN" altLang="en-US" sz="2400" dirty="0" smtClean="0">
-                <a:latin typeface="全新硬笔楷书简" panose="02010600040101010101" pitchFamily="2" charset="-122"/>
-                <a:ea typeface="全新硬笔楷书简" panose="02010600040101010101" pitchFamily="2" charset="-122"/>
-              </a:rPr>
-              <a:t>字里有撇号的情况</a:t>
-            </a:r>
-            <a:endParaRPr lang="en-US" altLang="zh-CN" sz="2400" dirty="0">
-              <a:latin typeface="全新硬笔楷书简" panose="02010600040101010101" pitchFamily="2" charset="-122"/>
-              <a:ea typeface="全新硬笔楷书简" panose="02010600040101010101" pitchFamily="2" charset="-122"/>
-            </a:endParaRPr>
-          </a:p>
-          <a:p>
-            <a:endParaRPr lang="zh-CN" altLang="en-US" sz="2400" dirty="0">
-              <a:latin typeface="全新硬笔楷书简" panose="02010600040101010101" pitchFamily="2" charset="-122"/>
-              <a:ea typeface="全新硬笔楷书简" panose="02010600040101010101" pitchFamily="2" charset="-122"/>
-            </a:endParaRPr>
-          </a:p>
-        </p:txBody>
-      </p:sp>
-      <p:sp>
-        <p:nvSpPr>
-          <p:cNvPr id="5" name="乘号 4"/>
-          <p:cNvSpPr/>
-          <p:nvPr/>
-        </p:nvSpPr>
-        <p:spPr>
-          <a:xfrm>
-            <a:off x="4043966" y="4353061"/>
-            <a:ext cx="721218" cy="1352282"/>
-          </a:xfrm>
-          <a:prstGeom prst="mathMultiply">
-            <a:avLst/>
-          </a:prstGeom>
-        </p:spPr>
-        <p:style>
-          <a:lnRef idx="2">
-            <a:schemeClr val="accent6">
-              <a:shade val="50000"/>
-            </a:schemeClr>
-          </a:lnRef>
-          <a:fillRef idx="1">
-            <a:schemeClr val="accent6"/>
-          </a:fillRef>
-          <a:effectRef idx="0">
-            <a:schemeClr val="accent6"/>
-          </a:effectRef>
-          <a:fontRef idx="minor">
-            <a:schemeClr val="lt1"/>
-          </a:fontRef>
-        </p:style>
-        <p:txBody>
-          <a:bodyPr rtlCol="0" anchor="ctr"/>
-          <a:lstStyle/>
-          <a:p>
-            <a:pPr algn="ctr"/>
-            <a:endParaRPr lang="zh-CN" altLang="en-US"/>
-          </a:p>
-        </p:txBody>
-      </p:sp>
-    </p:spTree>
-    <p:extLst>
-      <p:ext uri="{BB962C8B-B14F-4D97-AF65-F5344CB8AC3E}">
-        <p14:creationId xmlns:p14="http://schemas.microsoft.com/office/powerpoint/2010/main" val="2381581364"/>
-      </p:ext>
-    </p:extLst>
-  </p:cSld>
-  <p:clrMapOvr>
-    <a:masterClrMapping/>
-  </p:clrMapOvr>
-  <p:timing>
-    <p:tnLst>
-      <p:par>
-        <p:cTn id="1" dur="indefinite" restart="never" nodeType="tmRoot">
-          <p:childTnLst>
-            <p:seq concurrent="1" nextAc="seek">
-              <p:cTn id="2" dur="indefinite" nodeType="mainSeq">
-                <p:childTnLst>
-                  <p:par>
-                    <p:cTn id="3" fill="hold">
-                      <p:stCondLst>
-                        <p:cond delay="indefinite"/>
-                      </p:stCondLst>
-                      <p:childTnLst>
-                        <p:par>
-                          <p:cTn id="4" fill="hold">
-                            <p:stCondLst>
-                              <p:cond delay="0"/>
-                            </p:stCondLst>
-                            <p:childTnLst>
-                              <p:par>
-                                <p:cTn id="5" presetID="22" presetClass="entr" presetSubtype="8" fill="hold" grpId="0" nodeType="clickEffect">
-                                  <p:stCondLst>
-                                    <p:cond delay="0"/>
-                                  </p:stCondLst>
-                                  <p:childTnLst>
-                                    <p:set>
-                                      <p:cBhvr>
-                                        <p:cTn id="6" dur="1" fill="hold">
-                                          <p:stCondLst>
-                                            <p:cond delay="0"/>
-                                          </p:stCondLst>
-                                        </p:cTn>
-                                        <p:tgtEl>
-                                          <p:spTgt spid="5"/>
-                                        </p:tgtEl>
-                                        <p:attrNameLst>
-                                          <p:attrName>style.visibility</p:attrName>
-                                        </p:attrNameLst>
-                                      </p:cBhvr>
-                                      <p:to>
-                                        <p:strVal val="visible"/>
-                                      </p:to>
-                                    </p:set>
-                                    <p:animEffect transition="in" filter="wipe(left)">
-                                      <p:cBhvr>
-                                        <p:cTn id="7" dur="500"/>
-                                        <p:tgtEl>
-                                          <p:spTgt spid="5"/>
-                                        </p:tgtEl>
-                                      </p:cBhvr>
-                                    </p:animEffect>
-                                  </p:childTnLst>
-                                </p:cTn>
-                              </p:par>
-                            </p:childTnLst>
-                          </p:cTn>
-                        </p:par>
-                      </p:childTnLst>
-                    </p:cTn>
-                  </p:par>
-                  <p:par>
-                    <p:cTn id="8" fill="hold">
-                      <p:stCondLst>
-                        <p:cond delay="indefinite"/>
-                      </p:stCondLst>
-                      <p:childTnLst>
-                        <p:par>
-                          <p:cTn id="9" fill="hold">
-                            <p:stCondLst>
-                              <p:cond delay="0"/>
-                            </p:stCondLst>
-                            <p:childTnLst>
-                              <p:par>
-                                <p:cTn id="10" presetID="2" presetClass="entr" presetSubtype="4" fill="hold" nodeType="clickEffect">
-                                  <p:stCondLst>
-                                    <p:cond delay="0"/>
-                                  </p:stCondLst>
-                                  <p:childTnLst>
-                                    <p:set>
-                                      <p:cBhvr>
-                                        <p:cTn id="11" dur="1" fill="hold">
-                                          <p:stCondLst>
-                                            <p:cond delay="0"/>
-                                          </p:stCondLst>
-                                        </p:cTn>
-                                        <p:tgtEl>
-                                          <p:spTgt spid="3">
-                                            <p:txEl>
-                                              <p:pRg st="0" end="0"/>
-                                            </p:txEl>
-                                          </p:spTgt>
-                                        </p:tgtEl>
-                                        <p:attrNameLst>
-                                          <p:attrName>style.visibility</p:attrName>
-                                        </p:attrNameLst>
-                                      </p:cBhvr>
-                                      <p:to>
-                                        <p:strVal val="visible"/>
-                                      </p:to>
-                                    </p:set>
-                                    <p:anim calcmode="lin" valueType="num">
-                                      <p:cBhvr additive="base">
-                                        <p:cTn id="12" dur="500" fill="hold"/>
-                                        <p:tgtEl>
-                                          <p:spTgt spid="3">
-                                            <p:txEl>
-                                              <p:pRg st="0" end="0"/>
-                                            </p:txEl>
-                                          </p:spTgt>
-                                        </p:tgtEl>
-                                        <p:attrNameLst>
-                                          <p:attrName>ppt_x</p:attrName>
-                                        </p:attrNameLst>
-                                      </p:cBhvr>
-                                      <p:tavLst>
-                                        <p:tav tm="0">
-                                          <p:val>
-                                            <p:strVal val="#ppt_x"/>
-                                          </p:val>
-                                        </p:tav>
-                                        <p:tav tm="100000">
-                                          <p:val>
-                                            <p:strVal val="#ppt_x"/>
-                                          </p:val>
-                                        </p:tav>
-                                      </p:tavLst>
-                                    </p:anim>
-                                    <p:anim calcmode="lin" valueType="num">
-                                      <p:cBhvr additive="base">
-                                        <p:cTn id="13" dur="500" fill="hold"/>
-                                        <p:tgtEl>
-                                          <p:spTgt spid="3">
-                                            <p:txEl>
-                                              <p:pRg st="0" end="0"/>
-                                            </p:txEl>
-                                          </p:spTgt>
-                                        </p:tgtEl>
-                                        <p:attrNameLst>
-                                          <p:attrName>ppt_y</p:attrName>
-                                        </p:attrNameLst>
-                                      </p:cBhvr>
-                                      <p:tavLst>
-                                        <p:tav tm="0">
-                                          <p:val>
-                                            <p:strVal val="1+#ppt_h/2"/>
-                                          </p:val>
-                                        </p:tav>
-                                        <p:tav tm="100000">
-                                          <p:val>
-                                            <p:strVal val="#ppt_y"/>
-                                          </p:val>
-                                        </p:tav>
-                                      </p:tavLst>
-                                    </p:anim>
-                                  </p:childTnLst>
-                                </p:cTn>
-                              </p:par>
-                            </p:childTnLst>
-                          </p:cTn>
-                        </p:par>
-                      </p:childTnLst>
-                    </p:cTn>
-                  </p:par>
-                  <p:par>
-                    <p:cTn id="14" fill="hold">
-                      <p:stCondLst>
-                        <p:cond delay="indefinite"/>
-                      </p:stCondLst>
-                      <p:childTnLst>
-                        <p:par>
-                          <p:cTn id="15" fill="hold">
-                            <p:stCondLst>
-                              <p:cond delay="0"/>
-                            </p:stCondLst>
-                            <p:childTnLst>
-                              <p:par>
-                                <p:cTn id="16" presetID="2" presetClass="entr" presetSubtype="4" fill="hold" nodeType="clickEffect">
-                                  <p:stCondLst>
-                                    <p:cond delay="0"/>
-                                  </p:stCondLst>
-                                  <p:childTnLst>
-                                    <p:set>
-                                      <p:cBhvr>
-                                        <p:cTn id="17" dur="1" fill="hold">
-                                          <p:stCondLst>
-                                            <p:cond delay="0"/>
-                                          </p:stCondLst>
-                                        </p:cTn>
-                                        <p:tgtEl>
-                                          <p:spTgt spid="3">
-                                            <p:txEl>
-                                              <p:pRg st="1" end="1"/>
-                                            </p:txEl>
-                                          </p:spTgt>
-                                        </p:tgtEl>
-                                        <p:attrNameLst>
-                                          <p:attrName>style.visibility</p:attrName>
-                                        </p:attrNameLst>
-                                      </p:cBhvr>
-                                      <p:to>
-                                        <p:strVal val="visible"/>
-                                      </p:to>
-                                    </p:set>
-                                    <p:anim calcmode="lin" valueType="num">
-                                      <p:cBhvr additive="base">
-                                        <p:cTn id="18" dur="500" fill="hold"/>
-                                        <p:tgtEl>
-                                          <p:spTgt spid="3">
-                                            <p:txEl>
-                                              <p:pRg st="1" end="1"/>
-                                            </p:txEl>
-                                          </p:spTgt>
-                                        </p:tgtEl>
-                                        <p:attrNameLst>
-                                          <p:attrName>ppt_x</p:attrName>
-                                        </p:attrNameLst>
-                                      </p:cBhvr>
-                                      <p:tavLst>
-                                        <p:tav tm="0">
-                                          <p:val>
-                                            <p:strVal val="#ppt_x"/>
-                                          </p:val>
-                                        </p:tav>
-                                        <p:tav tm="100000">
-                                          <p:val>
-                                            <p:strVal val="#ppt_x"/>
-                                          </p:val>
-                                        </p:tav>
-                                      </p:tavLst>
-                                    </p:anim>
-                                    <p:anim calcmode="lin" valueType="num">
-                                      <p:cBhvr additive="base">
-                                        <p:cTn id="19" dur="500" fill="hold"/>
-                                        <p:tgtEl>
-                                          <p:spTgt spid="3">
-                                            <p:txEl>
-                                              <p:pRg st="1" end="1"/>
-                                            </p:txEl>
-                                          </p:spTgt>
-                                        </p:tgtEl>
-                                        <p:attrNameLst>
-                                          <p:attrName>ppt_y</p:attrName>
-                                        </p:attrNameLst>
-                                      </p:cBhvr>
-                                      <p:tavLst>
-                                        <p:tav tm="0">
-                                          <p:val>
-                                            <p:strVal val="1+#ppt_h/2"/>
-                                          </p:val>
-                                        </p:tav>
-                                        <p:tav tm="100000">
-                                          <p:val>
-                                            <p:strVal val="#ppt_y"/>
-                                          </p:val>
-                                        </p:tav>
-                                      </p:tavLst>
-                                    </p:anim>
-                                  </p:childTnLst>
-                                </p:cTn>
-                              </p:par>
-                            </p:childTnLst>
-                          </p:cTn>
-                        </p:par>
-                      </p:childTnLst>
-                    </p:cTn>
-                  </p:par>
-                </p:childTnLst>
-              </p:cTn>
-              <p:prevCondLst>
-                <p:cond evt="onPrev" delay="0">
-                  <p:tgtEl>
-                    <p:sldTgt/>
-                  </p:tgtEl>
-                </p:cond>
-              </p:prevCondLst>
-              <p:nextCondLst>
-                <p:cond evt="onNext" delay="0">
-                  <p:tgtEl>
-                    <p:sldTgt/>
-                  </p:tgtEl>
-                </p:cond>
-              </p:nextCondLst>
-            </p:seq>
-          </p:childTnLst>
-        </p:cTn>
-      </p:par>
-    </p:tnLst>
-    <p:bldLst>
-      <p:bldP spid="5" grpId="0" animBg="1"/>
-    </p:bldLst>
   </p:timing>
 </p:sld>
 </file>
